--- a/ΠΛΗΠΡΟ-ΟΜΑΔΑ03-Australian Open.pptx
+++ b/ΠΛΗΠΡΟ-ΟΜΑΔΑ03-Australian Open.pptx
@@ -5,23 +5,31 @@
     <p:sldMasterId id="2147483714" r:id="rId1"/>
   </p:sldMasterIdLst>
   <p:notesMasterIdLst>
-    <p:notesMasterId r:id="rId16"/>
+    <p:notesMasterId r:id="rId24"/>
   </p:notesMasterIdLst>
   <p:sldIdLst>
     <p:sldId id="313" r:id="rId2"/>
     <p:sldId id="315" r:id="rId3"/>
     <p:sldId id="324" r:id="rId4"/>
-    <p:sldId id="323" r:id="rId5"/>
-    <p:sldId id="325" r:id="rId6"/>
-    <p:sldId id="261" r:id="rId7"/>
-    <p:sldId id="326" r:id="rId8"/>
-    <p:sldId id="263" r:id="rId9"/>
-    <p:sldId id="327" r:id="rId10"/>
-    <p:sldId id="328" r:id="rId11"/>
-    <p:sldId id="329" r:id="rId12"/>
-    <p:sldId id="330" r:id="rId13"/>
-    <p:sldId id="331" r:id="rId14"/>
-    <p:sldId id="332" r:id="rId15"/>
+    <p:sldId id="333" r:id="rId5"/>
+    <p:sldId id="335" r:id="rId6"/>
+    <p:sldId id="336" r:id="rId7"/>
+    <p:sldId id="337" r:id="rId8"/>
+    <p:sldId id="338" r:id="rId9"/>
+    <p:sldId id="325" r:id="rId10"/>
+    <p:sldId id="261" r:id="rId11"/>
+    <p:sldId id="326" r:id="rId12"/>
+    <p:sldId id="263" r:id="rId13"/>
+    <p:sldId id="327" r:id="rId14"/>
+    <p:sldId id="328" r:id="rId15"/>
+    <p:sldId id="329" r:id="rId16"/>
+    <p:sldId id="339" r:id="rId17"/>
+    <p:sldId id="340" r:id="rId18"/>
+    <p:sldId id="330" r:id="rId19"/>
+    <p:sldId id="331" r:id="rId20"/>
+    <p:sldId id="341" r:id="rId21"/>
+    <p:sldId id="332" r:id="rId22"/>
+    <p:sldId id="268" r:id="rId23"/>
   </p:sldIdLst>
   <p:sldSz cx="12192000" cy="6858000"/>
   <p:notesSz cx="6858000" cy="9144000"/>
@@ -222,7 +230,7 @@
           <a:p>
             <a:fld id="{16B478AD-AFBA-40F5-B1CF-1D6C5E4F13D7}" type="datetimeFigureOut">
               <a:rPr lang="el-GR" smtClean="0"/>
-              <a:t>19/6/2022</a:t>
+              <a:t>25/6/2022</a:t>
             </a:fld>
             <a:endParaRPr lang="el-GR"/>
           </a:p>
@@ -720,7 +728,7 @@
           <a:p>
             <a:fld id="{27BABC23-E4BF-4D97-930B-805CF3F46795}" type="datetimeFigureOut">
               <a:rPr lang="el-GR" smtClean="0"/>
-              <a:t>19/6/2022</a:t>
+              <a:t>25/6/2022</a:t>
             </a:fld>
             <a:endParaRPr lang="el-GR"/>
           </a:p>
@@ -918,7 +926,7 @@
           <a:p>
             <a:fld id="{27BABC23-E4BF-4D97-930B-805CF3F46795}" type="datetimeFigureOut">
               <a:rPr lang="el-GR" smtClean="0"/>
-              <a:t>19/6/2022</a:t>
+              <a:t>25/6/2022</a:t>
             </a:fld>
             <a:endParaRPr lang="el-GR"/>
           </a:p>
@@ -1126,7 +1134,7 @@
           <a:p>
             <a:fld id="{27BABC23-E4BF-4D97-930B-805CF3F46795}" type="datetimeFigureOut">
               <a:rPr lang="el-GR" smtClean="0"/>
-              <a:t>19/6/2022</a:t>
+              <a:t>25/6/2022</a:t>
             </a:fld>
             <a:endParaRPr lang="el-GR"/>
           </a:p>
@@ -1324,7 +1332,7 @@
           <a:p>
             <a:fld id="{27BABC23-E4BF-4D97-930B-805CF3F46795}" type="datetimeFigureOut">
               <a:rPr lang="el-GR" smtClean="0"/>
-              <a:t>19/6/2022</a:t>
+              <a:t>25/6/2022</a:t>
             </a:fld>
             <a:endParaRPr lang="el-GR"/>
           </a:p>
@@ -1599,7 +1607,7 @@
           <a:p>
             <a:fld id="{27BABC23-E4BF-4D97-930B-805CF3F46795}" type="datetimeFigureOut">
               <a:rPr lang="el-GR" smtClean="0"/>
-              <a:t>19/6/2022</a:t>
+              <a:t>25/6/2022</a:t>
             </a:fld>
             <a:endParaRPr lang="el-GR"/>
           </a:p>
@@ -1864,7 +1872,7 @@
           <a:p>
             <a:fld id="{27BABC23-E4BF-4D97-930B-805CF3F46795}" type="datetimeFigureOut">
               <a:rPr lang="el-GR" smtClean="0"/>
-              <a:t>19/6/2022</a:t>
+              <a:t>25/6/2022</a:t>
             </a:fld>
             <a:endParaRPr lang="el-GR"/>
           </a:p>
@@ -2276,7 +2284,7 @@
           <a:p>
             <a:fld id="{27BABC23-E4BF-4D97-930B-805CF3F46795}" type="datetimeFigureOut">
               <a:rPr lang="el-GR" smtClean="0"/>
-              <a:t>19/6/2022</a:t>
+              <a:t>25/6/2022</a:t>
             </a:fld>
             <a:endParaRPr lang="el-GR"/>
           </a:p>
@@ -2417,7 +2425,7 @@
           <a:p>
             <a:fld id="{27BABC23-E4BF-4D97-930B-805CF3F46795}" type="datetimeFigureOut">
               <a:rPr lang="el-GR" smtClean="0"/>
-              <a:t>19/6/2022</a:t>
+              <a:t>25/6/2022</a:t>
             </a:fld>
             <a:endParaRPr lang="el-GR"/>
           </a:p>
@@ -2530,7 +2538,7 @@
           <a:p>
             <a:fld id="{27BABC23-E4BF-4D97-930B-805CF3F46795}" type="datetimeFigureOut">
               <a:rPr lang="el-GR" smtClean="0"/>
-              <a:t>19/6/2022</a:t>
+              <a:t>25/6/2022</a:t>
             </a:fld>
             <a:endParaRPr lang="el-GR"/>
           </a:p>
@@ -2841,7 +2849,7 @@
           <a:p>
             <a:fld id="{27BABC23-E4BF-4D97-930B-805CF3F46795}" type="datetimeFigureOut">
               <a:rPr lang="el-GR" smtClean="0"/>
-              <a:t>19/6/2022</a:t>
+              <a:t>25/6/2022</a:t>
             </a:fld>
             <a:endParaRPr lang="el-GR"/>
           </a:p>
@@ -3129,7 +3137,7 @@
           <a:p>
             <a:fld id="{27BABC23-E4BF-4D97-930B-805CF3F46795}" type="datetimeFigureOut">
               <a:rPr lang="el-GR" smtClean="0"/>
-              <a:t>19/6/2022</a:t>
+              <a:t>25/6/2022</a:t>
             </a:fld>
             <a:endParaRPr lang="el-GR"/>
           </a:p>
@@ -3370,7 +3378,7 @@
           <a:p>
             <a:fld id="{27BABC23-E4BF-4D97-930B-805CF3F46795}" type="datetimeFigureOut">
               <a:rPr lang="el-GR" smtClean="0"/>
-              <a:t>19/6/2022</a:t>
+              <a:t>25/6/2022</a:t>
             </a:fld>
             <a:endParaRPr lang="el-GR"/>
           </a:p>
@@ -4464,6 +4472,358 @@
       </p:grpSpPr>
       <p:sp>
         <p:nvSpPr>
+          <p:cNvPr id="4" name="Τίτλος 1">
+            <a:extLst>
+              <a:ext uri="{FF2B5EF4-FFF2-40B4-BE49-F238E27FC236}">
+                <a16:creationId xmlns:a16="http://schemas.microsoft.com/office/drawing/2014/main" id="{4EC20D02-3053-4EBF-991E-9416179295BF}"/>
+              </a:ext>
+            </a:extLst>
+          </p:cNvPr>
+          <p:cNvSpPr>
+            <a:spLocks noGrp="1"/>
+          </p:cNvSpPr>
+          <p:nvPr>
+            <p:ph type="title"/>
+          </p:nvPr>
+        </p:nvSpPr>
+        <p:spPr/>
+        <p:txBody>
+          <a:bodyPr/>
+          <a:lstStyle/>
+          <a:p>
+            <a:r>
+              <a:rPr lang="el-GR" dirty="0"/>
+              <a:t>Κύρια Σελίδα</a:t>
+            </a:r>
+          </a:p>
+        </p:txBody>
+      </p:sp>
+      <p:pic>
+        <p:nvPicPr>
+          <p:cNvPr id="6" name="Εικόνα 5">
+            <a:extLst>
+              <a:ext uri="{FF2B5EF4-FFF2-40B4-BE49-F238E27FC236}">
+                <a16:creationId xmlns:a16="http://schemas.microsoft.com/office/drawing/2014/main" id="{CE0E1F63-A143-A8EA-2D1A-E2E7F0041761}"/>
+              </a:ext>
+            </a:extLst>
+          </p:cNvPr>
+          <p:cNvPicPr>
+            <a:picLocks noChangeAspect="1"/>
+          </p:cNvPicPr>
+          <p:nvPr/>
+        </p:nvPicPr>
+        <p:blipFill>
+          <a:blip r:embed="rId2"/>
+          <a:stretch>
+            <a:fillRect/>
+          </a:stretch>
+        </p:blipFill>
+        <p:spPr>
+          <a:xfrm>
+            <a:off x="2139042" y="1690688"/>
+            <a:ext cx="7913915" cy="4465183"/>
+          </a:xfrm>
+          <a:prstGeom prst="rect">
+            <a:avLst/>
+          </a:prstGeom>
+        </p:spPr>
+      </p:pic>
+    </p:spTree>
+    <p:extLst>
+      <p:ext uri="{BB962C8B-B14F-4D97-AF65-F5344CB8AC3E}">
+        <p14:creationId xmlns:p14="http://schemas.microsoft.com/office/powerpoint/2010/main" val="570212049"/>
+      </p:ext>
+    </p:extLst>
+  </p:cSld>
+  <p:clrMapOvr>
+    <a:masterClrMapping/>
+  </p:clrMapOvr>
+</p:sld>
+</file>
+
+<file path=ppt/slides/slide11.xml><?xml version="1.0" encoding="utf-8"?>
+<p:sld xmlns:a="http://schemas.openxmlformats.org/drawingml/2006/main" xmlns:r="http://schemas.openxmlformats.org/officeDocument/2006/relationships" xmlns:p="http://schemas.openxmlformats.org/presentationml/2006/main">
+  <p:cSld>
+    <p:spTree>
+      <p:nvGrpSpPr>
+        <p:cNvPr id="1" name=""/>
+        <p:cNvGrpSpPr/>
+        <p:nvPr/>
+      </p:nvGrpSpPr>
+      <p:grpSpPr>
+        <a:xfrm>
+          <a:off x="0" y="0"/>
+          <a:ext cx="0" cy="0"/>
+          <a:chOff x="0" y="0"/>
+          <a:chExt cx="0" cy="0"/>
+        </a:xfrm>
+      </p:grpSpPr>
+      <p:sp>
+        <p:nvSpPr>
+          <p:cNvPr id="4" name="Τίτλος 1">
+            <a:extLst>
+              <a:ext uri="{FF2B5EF4-FFF2-40B4-BE49-F238E27FC236}">
+                <a16:creationId xmlns:a16="http://schemas.microsoft.com/office/drawing/2014/main" id="{4EC20D02-3053-4EBF-991E-9416179295BF}"/>
+              </a:ext>
+            </a:extLst>
+          </p:cNvPr>
+          <p:cNvSpPr>
+            <a:spLocks noGrp="1"/>
+          </p:cNvSpPr>
+          <p:nvPr>
+            <p:ph type="title"/>
+          </p:nvPr>
+        </p:nvSpPr>
+        <p:spPr/>
+        <p:txBody>
+          <a:bodyPr/>
+          <a:lstStyle/>
+          <a:p>
+            <a:r>
+              <a:rPr lang="el-GR" dirty="0"/>
+              <a:t>Αρχικοποίηση</a:t>
+            </a:r>
+          </a:p>
+        </p:txBody>
+      </p:sp>
+      <p:pic>
+        <p:nvPicPr>
+          <p:cNvPr id="5" name="Εικόνα 4">
+            <a:extLst>
+              <a:ext uri="{FF2B5EF4-FFF2-40B4-BE49-F238E27FC236}">
+                <a16:creationId xmlns:a16="http://schemas.microsoft.com/office/drawing/2014/main" id="{FB09BC3C-DBFD-7755-6E3F-E992D8173D62}"/>
+              </a:ext>
+            </a:extLst>
+          </p:cNvPr>
+          <p:cNvPicPr>
+            <a:picLocks noChangeAspect="1"/>
+          </p:cNvPicPr>
+          <p:nvPr/>
+        </p:nvPicPr>
+        <p:blipFill>
+          <a:blip r:embed="rId2"/>
+          <a:stretch>
+            <a:fillRect/>
+          </a:stretch>
+        </p:blipFill>
+        <p:spPr>
+          <a:xfrm>
+            <a:off x="2001270" y="1690689"/>
+            <a:ext cx="8189459" cy="4546826"/>
+          </a:xfrm>
+          <a:prstGeom prst="rect">
+            <a:avLst/>
+          </a:prstGeom>
+        </p:spPr>
+      </p:pic>
+    </p:spTree>
+    <p:extLst>
+      <p:ext uri="{BB962C8B-B14F-4D97-AF65-F5344CB8AC3E}">
+        <p14:creationId xmlns:p14="http://schemas.microsoft.com/office/powerpoint/2010/main" val="3517361423"/>
+      </p:ext>
+    </p:extLst>
+  </p:cSld>
+  <p:clrMapOvr>
+    <a:masterClrMapping/>
+  </p:clrMapOvr>
+</p:sld>
+</file>
+
+<file path=ppt/slides/slide12.xml><?xml version="1.0" encoding="utf-8"?>
+<p:sld xmlns:a="http://schemas.openxmlformats.org/drawingml/2006/main" xmlns:r="http://schemas.openxmlformats.org/officeDocument/2006/relationships" xmlns:p="http://schemas.openxmlformats.org/presentationml/2006/main">
+  <p:cSld>
+    <p:spTree>
+      <p:nvGrpSpPr>
+        <p:cNvPr id="1" name=""/>
+        <p:cNvGrpSpPr/>
+        <p:nvPr/>
+      </p:nvGrpSpPr>
+      <p:grpSpPr>
+        <a:xfrm>
+          <a:off x="0" y="0"/>
+          <a:ext cx="0" cy="0"/>
+          <a:chOff x="0" y="0"/>
+          <a:chExt cx="0" cy="0"/>
+        </a:xfrm>
+      </p:grpSpPr>
+      <p:sp>
+        <p:nvSpPr>
+          <p:cNvPr id="2" name="Τίτλος 1">
+            <a:extLst>
+              <a:ext uri="{FF2B5EF4-FFF2-40B4-BE49-F238E27FC236}">
+                <a16:creationId xmlns:a16="http://schemas.microsoft.com/office/drawing/2014/main" id="{723D5C91-A763-4D78-BA5E-F5C143C616A2}"/>
+              </a:ext>
+            </a:extLst>
+          </p:cNvPr>
+          <p:cNvSpPr>
+            <a:spLocks noGrp="1"/>
+          </p:cNvSpPr>
+          <p:nvPr>
+            <p:ph type="title"/>
+          </p:nvPr>
+        </p:nvSpPr>
+        <p:spPr/>
+        <p:txBody>
+          <a:bodyPr/>
+          <a:lstStyle/>
+          <a:p>
+            <a:r>
+              <a:rPr lang="el-GR" dirty="0"/>
+              <a:t>Συντελεστές</a:t>
+            </a:r>
+          </a:p>
+        </p:txBody>
+      </p:sp>
+      <p:pic>
+        <p:nvPicPr>
+          <p:cNvPr id="6" name="Εικόνα 5">
+            <a:extLst>
+              <a:ext uri="{FF2B5EF4-FFF2-40B4-BE49-F238E27FC236}">
+                <a16:creationId xmlns:a16="http://schemas.microsoft.com/office/drawing/2014/main" id="{9FFF5BA9-D194-7F37-0F49-88B93D66A527}"/>
+              </a:ext>
+            </a:extLst>
+          </p:cNvPr>
+          <p:cNvPicPr>
+            <a:picLocks noChangeAspect="1"/>
+          </p:cNvPicPr>
+          <p:nvPr/>
+        </p:nvPicPr>
+        <p:blipFill>
+          <a:blip r:embed="rId2"/>
+          <a:stretch>
+            <a:fillRect/>
+          </a:stretch>
+        </p:blipFill>
+        <p:spPr>
+          <a:xfrm>
+            <a:off x="2875915" y="2053635"/>
+            <a:ext cx="6440170" cy="3694022"/>
+          </a:xfrm>
+          <a:prstGeom prst="rect">
+            <a:avLst/>
+          </a:prstGeom>
+        </p:spPr>
+      </p:pic>
+    </p:spTree>
+    <p:extLst>
+      <p:ext uri="{BB962C8B-B14F-4D97-AF65-F5344CB8AC3E}">
+        <p14:creationId xmlns:p14="http://schemas.microsoft.com/office/powerpoint/2010/main" val="3206205792"/>
+      </p:ext>
+    </p:extLst>
+  </p:cSld>
+  <p:clrMapOvr>
+    <a:masterClrMapping/>
+  </p:clrMapOvr>
+</p:sld>
+</file>
+
+<file path=ppt/slides/slide13.xml><?xml version="1.0" encoding="utf-8"?>
+<p:sld xmlns:a="http://schemas.openxmlformats.org/drawingml/2006/main" xmlns:r="http://schemas.openxmlformats.org/officeDocument/2006/relationships" xmlns:p="http://schemas.openxmlformats.org/presentationml/2006/main">
+  <p:cSld>
+    <p:spTree>
+      <p:nvGrpSpPr>
+        <p:cNvPr id="1" name=""/>
+        <p:cNvGrpSpPr/>
+        <p:nvPr/>
+      </p:nvGrpSpPr>
+      <p:grpSpPr>
+        <a:xfrm>
+          <a:off x="0" y="0"/>
+          <a:ext cx="0" cy="0"/>
+          <a:chOff x="0" y="0"/>
+          <a:chExt cx="0" cy="0"/>
+        </a:xfrm>
+      </p:grpSpPr>
+      <p:sp>
+        <p:nvSpPr>
+          <p:cNvPr id="2" name="Τίτλος 1">
+            <a:extLst>
+              <a:ext uri="{FF2B5EF4-FFF2-40B4-BE49-F238E27FC236}">
+                <a16:creationId xmlns:a16="http://schemas.microsoft.com/office/drawing/2014/main" id="{723D5C91-A763-4D78-BA5E-F5C143C616A2}"/>
+              </a:ext>
+            </a:extLst>
+          </p:cNvPr>
+          <p:cNvSpPr>
+            <a:spLocks noGrp="1"/>
+          </p:cNvSpPr>
+          <p:nvPr>
+            <p:ph type="title"/>
+          </p:nvPr>
+        </p:nvSpPr>
+        <p:spPr/>
+        <p:txBody>
+          <a:bodyPr/>
+          <a:lstStyle/>
+          <a:p>
+            <a:r>
+              <a:rPr lang="el-GR" dirty="0"/>
+              <a:t>Παίκτες</a:t>
+            </a:r>
+          </a:p>
+        </p:txBody>
+      </p:sp>
+      <p:pic>
+        <p:nvPicPr>
+          <p:cNvPr id="4" name="Εικόνα 3">
+            <a:extLst>
+              <a:ext uri="{FF2B5EF4-FFF2-40B4-BE49-F238E27FC236}">
+                <a16:creationId xmlns:a16="http://schemas.microsoft.com/office/drawing/2014/main" id="{C904DF03-BB63-2789-1693-71429DF7AF46}"/>
+              </a:ext>
+            </a:extLst>
+          </p:cNvPr>
+          <p:cNvPicPr>
+            <a:picLocks noChangeAspect="1"/>
+          </p:cNvPicPr>
+          <p:nvPr/>
+        </p:nvPicPr>
+        <p:blipFill>
+          <a:blip r:embed="rId2"/>
+          <a:stretch>
+            <a:fillRect/>
+          </a:stretch>
+        </p:blipFill>
+        <p:spPr>
+          <a:xfrm>
+            <a:off x="1956707" y="1690688"/>
+            <a:ext cx="8278585" cy="4671558"/>
+          </a:xfrm>
+          <a:prstGeom prst="rect">
+            <a:avLst/>
+          </a:prstGeom>
+        </p:spPr>
+      </p:pic>
+    </p:spTree>
+    <p:extLst>
+      <p:ext uri="{BB962C8B-B14F-4D97-AF65-F5344CB8AC3E}">
+        <p14:creationId xmlns:p14="http://schemas.microsoft.com/office/powerpoint/2010/main" val="4272720652"/>
+      </p:ext>
+    </p:extLst>
+  </p:cSld>
+  <p:clrMapOvr>
+    <a:masterClrMapping/>
+  </p:clrMapOvr>
+</p:sld>
+</file>
+
+<file path=ppt/slides/slide14.xml><?xml version="1.0" encoding="utf-8"?>
+<p:sld xmlns:a="http://schemas.openxmlformats.org/drawingml/2006/main" xmlns:r="http://schemas.openxmlformats.org/officeDocument/2006/relationships" xmlns:p="http://schemas.openxmlformats.org/presentationml/2006/main">
+  <p:cSld>
+    <p:spTree>
+      <p:nvGrpSpPr>
+        <p:cNvPr id="1" name=""/>
+        <p:cNvGrpSpPr/>
+        <p:nvPr/>
+      </p:nvGrpSpPr>
+      <p:grpSpPr>
+        <a:xfrm>
+          <a:off x="0" y="0"/>
+          <a:ext cx="0" cy="0"/>
+          <a:chOff x="0" y="0"/>
+          <a:chExt cx="0" cy="0"/>
+        </a:xfrm>
+      </p:grpSpPr>
+      <p:sp>
+        <p:nvSpPr>
           <p:cNvPr id="2" name="Τίτλος 1">
             <a:extLst>
               <a:ext uri="{FF2B5EF4-FFF2-40B4-BE49-F238E27FC236}">
@@ -4533,7 +4893,7 @@
 </p:sld>
 </file>
 
-<file path=ppt/slides/slide11.xml><?xml version="1.0" encoding="utf-8"?>
+<file path=ppt/slides/slide15.xml><?xml version="1.0" encoding="utf-8"?>
 <p:sld xmlns:a="http://schemas.openxmlformats.org/drawingml/2006/main" xmlns:r="http://schemas.openxmlformats.org/officeDocument/2006/relationships" xmlns:p="http://schemas.openxmlformats.org/presentationml/2006/main">
   <p:cSld>
     <p:spTree>
@@ -4621,7 +4981,3100 @@
 </p:sld>
 </file>
 
-<file path=ppt/slides/slide12.xml><?xml version="1.0" encoding="utf-8"?>
+<file path=ppt/slides/slide16.xml><?xml version="1.0" encoding="utf-8"?>
+<p:sld xmlns:a="http://schemas.openxmlformats.org/drawingml/2006/main" xmlns:r="http://schemas.openxmlformats.org/officeDocument/2006/relationships" xmlns:p="http://schemas.openxmlformats.org/presentationml/2006/main">
+  <p:cSld>
+    <p:spTree>
+      <p:nvGrpSpPr>
+        <p:cNvPr id="1" name=""/>
+        <p:cNvGrpSpPr/>
+        <p:nvPr/>
+      </p:nvGrpSpPr>
+      <p:grpSpPr>
+        <a:xfrm>
+          <a:off x="0" y="0"/>
+          <a:ext cx="0" cy="0"/>
+          <a:chOff x="0" y="0"/>
+          <a:chExt cx="0" cy="0"/>
+        </a:xfrm>
+      </p:grpSpPr>
+      <p:sp>
+        <p:nvSpPr>
+          <p:cNvPr id="2" name="Τίτλος 1">
+            <a:extLst>
+              <a:ext uri="{FF2B5EF4-FFF2-40B4-BE49-F238E27FC236}">
+                <a16:creationId xmlns:a16="http://schemas.microsoft.com/office/drawing/2014/main" id="{9DC75596-FF6A-7B81-0B24-9A9ACDDA0864}"/>
+              </a:ext>
+            </a:extLst>
+          </p:cNvPr>
+          <p:cNvSpPr>
+            <a:spLocks noGrp="1"/>
+          </p:cNvSpPr>
+          <p:nvPr>
+            <p:ph type="title"/>
+          </p:nvPr>
+        </p:nvSpPr>
+        <p:spPr/>
+        <p:txBody>
+          <a:bodyPr/>
+          <a:lstStyle/>
+          <a:p>
+            <a:r>
+              <a:rPr lang="el-GR" dirty="0"/>
+              <a:t>Αλγόριθμος Σχηματισμού </a:t>
+            </a:r>
+            <a:r>
+              <a:rPr lang="en-US" dirty="0"/>
+              <a:t>Id </a:t>
+            </a:r>
+            <a:r>
+              <a:rPr lang="el-GR" dirty="0"/>
+              <a:t>Αγώνων</a:t>
+            </a:r>
+          </a:p>
+        </p:txBody>
+      </p:sp>
+      <p:grpSp>
+        <p:nvGrpSpPr>
+          <p:cNvPr id="95" name="Ομάδα 94">
+            <a:extLst>
+              <a:ext uri="{FF2B5EF4-FFF2-40B4-BE49-F238E27FC236}">
+                <a16:creationId xmlns:a16="http://schemas.microsoft.com/office/drawing/2014/main" id="{6AE4273B-1C50-188C-7F8F-7BA63F7E1CEC}"/>
+              </a:ext>
+            </a:extLst>
+          </p:cNvPr>
+          <p:cNvGrpSpPr/>
+          <p:nvPr/>
+        </p:nvGrpSpPr>
+        <p:grpSpPr>
+          <a:xfrm>
+            <a:off x="3099491" y="1439547"/>
+            <a:ext cx="5993017" cy="5053328"/>
+            <a:chOff x="1641779" y="1439547"/>
+            <a:chExt cx="6323584" cy="5262439"/>
+          </a:xfrm>
+        </p:grpSpPr>
+        <p:grpSp>
+          <p:nvGrpSpPr>
+            <p:cNvPr id="40" name="Ομάδα 39">
+              <a:extLst>
+                <a:ext uri="{FF2B5EF4-FFF2-40B4-BE49-F238E27FC236}">
+                  <a16:creationId xmlns:a16="http://schemas.microsoft.com/office/drawing/2014/main" id="{B3CCD6A7-876F-A8E9-7672-E0539646CC76}"/>
+                </a:ext>
+              </a:extLst>
+            </p:cNvPr>
+            <p:cNvGrpSpPr/>
+            <p:nvPr/>
+          </p:nvGrpSpPr>
+          <p:grpSpPr>
+            <a:xfrm>
+              <a:off x="1641779" y="1439547"/>
+              <a:ext cx="4573204" cy="2452204"/>
+              <a:chOff x="2068497" y="2709515"/>
+              <a:chExt cx="3893599" cy="2901166"/>
+            </a:xfrm>
+          </p:grpSpPr>
+          <p:grpSp>
+            <p:nvGrpSpPr>
+              <p:cNvPr id="43" name="Ομάδα 42">
+                <a:extLst>
+                  <a:ext uri="{FF2B5EF4-FFF2-40B4-BE49-F238E27FC236}">
+                    <a16:creationId xmlns:a16="http://schemas.microsoft.com/office/drawing/2014/main" id="{B0E33834-C2CF-E96F-4E21-5348DFE205F9}"/>
+                  </a:ext>
+                </a:extLst>
+              </p:cNvPr>
+              <p:cNvGrpSpPr/>
+              <p:nvPr/>
+            </p:nvGrpSpPr>
+            <p:grpSpPr>
+              <a:xfrm>
+                <a:off x="2068497" y="2709515"/>
+                <a:ext cx="861134" cy="457509"/>
+                <a:chOff x="2068497" y="2574524"/>
+                <a:chExt cx="861134" cy="457509"/>
+              </a:xfrm>
+            </p:grpSpPr>
+            <p:sp>
+              <p:nvSpPr>
+                <p:cNvPr id="68" name="Ορθογώνιο 67">
+                  <a:extLst>
+                    <a:ext uri="{FF2B5EF4-FFF2-40B4-BE49-F238E27FC236}">
+                      <a16:creationId xmlns:a16="http://schemas.microsoft.com/office/drawing/2014/main" id="{ED7A31CA-7943-0EE2-F292-39B94F1177A4}"/>
+                    </a:ext>
+                  </a:extLst>
+                </p:cNvPr>
+                <p:cNvSpPr/>
+                <p:nvPr/>
+              </p:nvSpPr>
+              <p:spPr>
+                <a:xfrm>
+                  <a:off x="2068497" y="2574524"/>
+                  <a:ext cx="861134" cy="457509"/>
+                </a:xfrm>
+                <a:prstGeom prst="rect">
+                  <a:avLst/>
+                </a:prstGeom>
+                <a:ln>
+                  <a:noFill/>
+                </a:ln>
+                <a:effectLst>
+                  <a:glow rad="139700">
+                    <a:schemeClr val="accent1">
+                      <a:satMod val="175000"/>
+                      <a:alpha val="40000"/>
+                    </a:schemeClr>
+                  </a:glow>
+                </a:effectLst>
+              </p:spPr>
+              <p:style>
+                <a:lnRef idx="2">
+                  <a:schemeClr val="accent4">
+                    <a:shade val="50000"/>
+                  </a:schemeClr>
+                </a:lnRef>
+                <a:fillRef idx="1">
+                  <a:schemeClr val="accent4"/>
+                </a:fillRef>
+                <a:effectRef idx="0">
+                  <a:schemeClr val="accent4"/>
+                </a:effectRef>
+                <a:fontRef idx="minor">
+                  <a:schemeClr val="lt1"/>
+                </a:fontRef>
+              </p:style>
+              <p:txBody>
+                <a:bodyPr rtlCol="0" anchor="ctr"/>
+                <a:lstStyle/>
+                <a:p>
+                  <a:pPr algn="ctr"/>
+                  <a:endParaRPr lang="el-GR"/>
+                </a:p>
+              </p:txBody>
+            </p:sp>
+            <p:sp>
+              <p:nvSpPr>
+                <p:cNvPr id="69" name="TextBox 68">
+                  <a:extLst>
+                    <a:ext uri="{FF2B5EF4-FFF2-40B4-BE49-F238E27FC236}">
+                      <a16:creationId xmlns:a16="http://schemas.microsoft.com/office/drawing/2014/main" id="{42F5BF99-1DF8-D4BC-E85E-71ADD785E566}"/>
+                    </a:ext>
+                  </a:extLst>
+                </p:cNvPr>
+                <p:cNvSpPr txBox="1"/>
+                <p:nvPr/>
+              </p:nvSpPr>
+              <p:spPr>
+                <a:xfrm>
+                  <a:off x="2068497" y="2618612"/>
+                  <a:ext cx="861134" cy="308729"/>
+                </a:xfrm>
+                <a:prstGeom prst="rect">
+                  <a:avLst/>
+                </a:prstGeom>
+                <a:noFill/>
+              </p:spPr>
+              <p:txBody>
+                <a:bodyPr wrap="square" rtlCol="0">
+                  <a:spAutoFit/>
+                </a:bodyPr>
+                <a:lstStyle/>
+                <a:p>
+                  <a:pPr algn="ctr"/>
+                  <a:r>
+                    <a:rPr lang="el-GR" dirty="0"/>
+                    <a:t>1.1.1</a:t>
+                  </a:r>
+                </a:p>
+              </p:txBody>
+            </p:sp>
+          </p:grpSp>
+          <p:grpSp>
+            <p:nvGrpSpPr>
+              <p:cNvPr id="44" name="Ομάδα 43">
+                <a:extLst>
+                  <a:ext uri="{FF2B5EF4-FFF2-40B4-BE49-F238E27FC236}">
+                    <a16:creationId xmlns:a16="http://schemas.microsoft.com/office/drawing/2014/main" id="{45A9E291-A5A6-A1E3-1F9F-9ADC9CC8BCF8}"/>
+                  </a:ext>
+                </a:extLst>
+              </p:cNvPr>
+              <p:cNvGrpSpPr/>
+              <p:nvPr/>
+            </p:nvGrpSpPr>
+            <p:grpSpPr>
+              <a:xfrm>
+                <a:off x="2068497" y="3462222"/>
+                <a:ext cx="861134" cy="457509"/>
+                <a:chOff x="2068497" y="2574524"/>
+                <a:chExt cx="861134" cy="457509"/>
+              </a:xfrm>
+            </p:grpSpPr>
+            <p:sp>
+              <p:nvSpPr>
+                <p:cNvPr id="66" name="Ορθογώνιο 65">
+                  <a:extLst>
+                    <a:ext uri="{FF2B5EF4-FFF2-40B4-BE49-F238E27FC236}">
+                      <a16:creationId xmlns:a16="http://schemas.microsoft.com/office/drawing/2014/main" id="{C7AF8B77-CE52-78CF-206E-C85C92472841}"/>
+                    </a:ext>
+                  </a:extLst>
+                </p:cNvPr>
+                <p:cNvSpPr/>
+                <p:nvPr/>
+              </p:nvSpPr>
+              <p:spPr>
+                <a:xfrm>
+                  <a:off x="2068497" y="2574524"/>
+                  <a:ext cx="861134" cy="457509"/>
+                </a:xfrm>
+                <a:prstGeom prst="rect">
+                  <a:avLst/>
+                </a:prstGeom>
+                <a:ln>
+                  <a:noFill/>
+                </a:ln>
+                <a:effectLst>
+                  <a:glow rad="139700">
+                    <a:schemeClr val="accent1">
+                      <a:satMod val="175000"/>
+                      <a:alpha val="40000"/>
+                    </a:schemeClr>
+                  </a:glow>
+                </a:effectLst>
+              </p:spPr>
+              <p:style>
+                <a:lnRef idx="2">
+                  <a:schemeClr val="accent4">
+                    <a:shade val="50000"/>
+                  </a:schemeClr>
+                </a:lnRef>
+                <a:fillRef idx="1">
+                  <a:schemeClr val="accent4"/>
+                </a:fillRef>
+                <a:effectRef idx="0">
+                  <a:schemeClr val="accent4"/>
+                </a:effectRef>
+                <a:fontRef idx="minor">
+                  <a:schemeClr val="lt1"/>
+                </a:fontRef>
+              </p:style>
+              <p:txBody>
+                <a:bodyPr rtlCol="0" anchor="ctr"/>
+                <a:lstStyle/>
+                <a:p>
+                  <a:pPr algn="ctr"/>
+                  <a:endParaRPr lang="el-GR"/>
+                </a:p>
+              </p:txBody>
+            </p:sp>
+            <p:sp>
+              <p:nvSpPr>
+                <p:cNvPr id="67" name="TextBox 66">
+                  <a:extLst>
+                    <a:ext uri="{FF2B5EF4-FFF2-40B4-BE49-F238E27FC236}">
+                      <a16:creationId xmlns:a16="http://schemas.microsoft.com/office/drawing/2014/main" id="{8F8C3E88-2A00-16C0-8335-F9CC7735EB37}"/>
+                    </a:ext>
+                  </a:extLst>
+                </p:cNvPr>
+                <p:cNvSpPr txBox="1"/>
+                <p:nvPr/>
+              </p:nvSpPr>
+              <p:spPr>
+                <a:xfrm>
+                  <a:off x="2068497" y="2618612"/>
+                  <a:ext cx="861134" cy="308729"/>
+                </a:xfrm>
+                <a:prstGeom prst="rect">
+                  <a:avLst/>
+                </a:prstGeom>
+                <a:noFill/>
+              </p:spPr>
+              <p:txBody>
+                <a:bodyPr wrap="square" rtlCol="0">
+                  <a:spAutoFit/>
+                </a:bodyPr>
+                <a:lstStyle/>
+                <a:p>
+                  <a:pPr algn="ctr"/>
+                  <a:r>
+                    <a:rPr lang="el-GR" dirty="0"/>
+                    <a:t>1.1.2</a:t>
+                  </a:r>
+                </a:p>
+              </p:txBody>
+            </p:sp>
+          </p:grpSp>
+          <p:grpSp>
+            <p:nvGrpSpPr>
+              <p:cNvPr id="45" name="Ομάδα 44">
+                <a:extLst>
+                  <a:ext uri="{FF2B5EF4-FFF2-40B4-BE49-F238E27FC236}">
+                    <a16:creationId xmlns:a16="http://schemas.microsoft.com/office/drawing/2014/main" id="{4E334240-8D13-BF28-F3B7-9876BFE3EB08}"/>
+                  </a:ext>
+                </a:extLst>
+              </p:cNvPr>
+              <p:cNvGrpSpPr/>
+              <p:nvPr/>
+            </p:nvGrpSpPr>
+            <p:grpSpPr>
+              <a:xfrm>
+                <a:off x="2068497" y="4400465"/>
+                <a:ext cx="861134" cy="457509"/>
+                <a:chOff x="2068497" y="2574524"/>
+                <a:chExt cx="861134" cy="457509"/>
+              </a:xfrm>
+            </p:grpSpPr>
+            <p:sp>
+              <p:nvSpPr>
+                <p:cNvPr id="64" name="Ορθογώνιο 63">
+                  <a:extLst>
+                    <a:ext uri="{FF2B5EF4-FFF2-40B4-BE49-F238E27FC236}">
+                      <a16:creationId xmlns:a16="http://schemas.microsoft.com/office/drawing/2014/main" id="{1BC65D26-807B-B114-7759-10383424666D}"/>
+                    </a:ext>
+                  </a:extLst>
+                </p:cNvPr>
+                <p:cNvSpPr/>
+                <p:nvPr/>
+              </p:nvSpPr>
+              <p:spPr>
+                <a:xfrm>
+                  <a:off x="2068497" y="2574524"/>
+                  <a:ext cx="861134" cy="457509"/>
+                </a:xfrm>
+                <a:prstGeom prst="rect">
+                  <a:avLst/>
+                </a:prstGeom>
+                <a:ln>
+                  <a:noFill/>
+                </a:ln>
+                <a:effectLst>
+                  <a:glow rad="139700">
+                    <a:schemeClr val="accent1">
+                      <a:satMod val="175000"/>
+                      <a:alpha val="40000"/>
+                    </a:schemeClr>
+                  </a:glow>
+                </a:effectLst>
+              </p:spPr>
+              <p:style>
+                <a:lnRef idx="2">
+                  <a:schemeClr val="accent4">
+                    <a:shade val="50000"/>
+                  </a:schemeClr>
+                </a:lnRef>
+                <a:fillRef idx="1">
+                  <a:schemeClr val="accent4"/>
+                </a:fillRef>
+                <a:effectRef idx="0">
+                  <a:schemeClr val="accent4"/>
+                </a:effectRef>
+                <a:fontRef idx="minor">
+                  <a:schemeClr val="lt1"/>
+                </a:fontRef>
+              </p:style>
+              <p:txBody>
+                <a:bodyPr rtlCol="0" anchor="ctr"/>
+                <a:lstStyle/>
+                <a:p>
+                  <a:pPr algn="ctr"/>
+                  <a:endParaRPr lang="el-GR"/>
+                </a:p>
+              </p:txBody>
+            </p:sp>
+            <p:sp>
+              <p:nvSpPr>
+                <p:cNvPr id="65" name="TextBox 64">
+                  <a:extLst>
+                    <a:ext uri="{FF2B5EF4-FFF2-40B4-BE49-F238E27FC236}">
+                      <a16:creationId xmlns:a16="http://schemas.microsoft.com/office/drawing/2014/main" id="{58704143-9267-5785-6B7B-7CE2A4DFD4E0}"/>
+                    </a:ext>
+                  </a:extLst>
+                </p:cNvPr>
+                <p:cNvSpPr txBox="1"/>
+                <p:nvPr/>
+              </p:nvSpPr>
+              <p:spPr>
+                <a:xfrm>
+                  <a:off x="2068497" y="2618612"/>
+                  <a:ext cx="861134" cy="308729"/>
+                </a:xfrm>
+                <a:prstGeom prst="rect">
+                  <a:avLst/>
+                </a:prstGeom>
+                <a:noFill/>
+              </p:spPr>
+              <p:txBody>
+                <a:bodyPr wrap="square" rtlCol="0">
+                  <a:spAutoFit/>
+                </a:bodyPr>
+                <a:lstStyle/>
+                <a:p>
+                  <a:pPr algn="ctr"/>
+                  <a:r>
+                    <a:rPr lang="el-GR" dirty="0"/>
+                    <a:t>1.1.3</a:t>
+                  </a:r>
+                </a:p>
+              </p:txBody>
+            </p:sp>
+          </p:grpSp>
+          <p:grpSp>
+            <p:nvGrpSpPr>
+              <p:cNvPr id="46" name="Ομάδα 45">
+                <a:extLst>
+                  <a:ext uri="{FF2B5EF4-FFF2-40B4-BE49-F238E27FC236}">
+                    <a16:creationId xmlns:a16="http://schemas.microsoft.com/office/drawing/2014/main" id="{AE735C19-E787-7B23-B401-BAB7A75A719E}"/>
+                  </a:ext>
+                </a:extLst>
+              </p:cNvPr>
+              <p:cNvGrpSpPr/>
+              <p:nvPr/>
+            </p:nvGrpSpPr>
+            <p:grpSpPr>
+              <a:xfrm>
+                <a:off x="2068497" y="5153172"/>
+                <a:ext cx="861134" cy="457509"/>
+                <a:chOff x="2068497" y="2574524"/>
+                <a:chExt cx="861134" cy="457509"/>
+              </a:xfrm>
+            </p:grpSpPr>
+            <p:sp>
+              <p:nvSpPr>
+                <p:cNvPr id="62" name="Ορθογώνιο 61">
+                  <a:extLst>
+                    <a:ext uri="{FF2B5EF4-FFF2-40B4-BE49-F238E27FC236}">
+                      <a16:creationId xmlns:a16="http://schemas.microsoft.com/office/drawing/2014/main" id="{345A69D2-F0A4-6AEA-FA92-54F17D1BAACC}"/>
+                    </a:ext>
+                  </a:extLst>
+                </p:cNvPr>
+                <p:cNvSpPr/>
+                <p:nvPr/>
+              </p:nvSpPr>
+              <p:spPr>
+                <a:xfrm>
+                  <a:off x="2068497" y="2574524"/>
+                  <a:ext cx="861134" cy="457509"/>
+                </a:xfrm>
+                <a:prstGeom prst="rect">
+                  <a:avLst/>
+                </a:prstGeom>
+                <a:ln>
+                  <a:noFill/>
+                </a:ln>
+                <a:effectLst>
+                  <a:glow rad="139700">
+                    <a:schemeClr val="accent1">
+                      <a:satMod val="175000"/>
+                      <a:alpha val="40000"/>
+                    </a:schemeClr>
+                  </a:glow>
+                </a:effectLst>
+              </p:spPr>
+              <p:style>
+                <a:lnRef idx="2">
+                  <a:schemeClr val="accent4">
+                    <a:shade val="50000"/>
+                  </a:schemeClr>
+                </a:lnRef>
+                <a:fillRef idx="1">
+                  <a:schemeClr val="accent4"/>
+                </a:fillRef>
+                <a:effectRef idx="0">
+                  <a:schemeClr val="accent4"/>
+                </a:effectRef>
+                <a:fontRef idx="minor">
+                  <a:schemeClr val="lt1"/>
+                </a:fontRef>
+              </p:style>
+              <p:txBody>
+                <a:bodyPr rtlCol="0" anchor="ctr"/>
+                <a:lstStyle/>
+                <a:p>
+                  <a:pPr algn="ctr"/>
+                  <a:endParaRPr lang="el-GR"/>
+                </a:p>
+              </p:txBody>
+            </p:sp>
+            <p:sp>
+              <p:nvSpPr>
+                <p:cNvPr id="63" name="TextBox 62">
+                  <a:extLst>
+                    <a:ext uri="{FF2B5EF4-FFF2-40B4-BE49-F238E27FC236}">
+                      <a16:creationId xmlns:a16="http://schemas.microsoft.com/office/drawing/2014/main" id="{0836B29D-F5AE-2283-2D7C-FA29405B628C}"/>
+                    </a:ext>
+                  </a:extLst>
+                </p:cNvPr>
+                <p:cNvSpPr txBox="1"/>
+                <p:nvPr/>
+              </p:nvSpPr>
+              <p:spPr>
+                <a:xfrm>
+                  <a:off x="2068497" y="2618612"/>
+                  <a:ext cx="861134" cy="308729"/>
+                </a:xfrm>
+                <a:prstGeom prst="rect">
+                  <a:avLst/>
+                </a:prstGeom>
+                <a:noFill/>
+              </p:spPr>
+              <p:txBody>
+                <a:bodyPr wrap="square" rtlCol="0">
+                  <a:spAutoFit/>
+                </a:bodyPr>
+                <a:lstStyle/>
+                <a:p>
+                  <a:pPr algn="ctr"/>
+                  <a:r>
+                    <a:rPr lang="el-GR" dirty="0"/>
+                    <a:t>1.1.4</a:t>
+                  </a:r>
+                </a:p>
+              </p:txBody>
+            </p:sp>
+          </p:grpSp>
+          <p:grpSp>
+            <p:nvGrpSpPr>
+              <p:cNvPr id="47" name="Ομάδα 46">
+                <a:extLst>
+                  <a:ext uri="{FF2B5EF4-FFF2-40B4-BE49-F238E27FC236}">
+                    <a16:creationId xmlns:a16="http://schemas.microsoft.com/office/drawing/2014/main" id="{39EB9292-ACAE-9E67-49D1-4CD0A0614D35}"/>
+                  </a:ext>
+                </a:extLst>
+              </p:cNvPr>
+              <p:cNvGrpSpPr/>
+              <p:nvPr/>
+            </p:nvGrpSpPr>
+            <p:grpSpPr>
+              <a:xfrm>
+                <a:off x="3729361" y="2971491"/>
+                <a:ext cx="861134" cy="457509"/>
+                <a:chOff x="2068497" y="2574524"/>
+                <a:chExt cx="861134" cy="457509"/>
+              </a:xfrm>
+            </p:grpSpPr>
+            <p:sp>
+              <p:nvSpPr>
+                <p:cNvPr id="60" name="Ορθογώνιο 59">
+                  <a:extLst>
+                    <a:ext uri="{FF2B5EF4-FFF2-40B4-BE49-F238E27FC236}">
+                      <a16:creationId xmlns:a16="http://schemas.microsoft.com/office/drawing/2014/main" id="{F8948265-64EB-42C9-239A-44A0E664BAC0}"/>
+                    </a:ext>
+                  </a:extLst>
+                </p:cNvPr>
+                <p:cNvSpPr/>
+                <p:nvPr/>
+              </p:nvSpPr>
+              <p:spPr>
+                <a:xfrm>
+                  <a:off x="2068497" y="2574524"/>
+                  <a:ext cx="861134" cy="457509"/>
+                </a:xfrm>
+                <a:prstGeom prst="rect">
+                  <a:avLst/>
+                </a:prstGeom>
+                <a:ln>
+                  <a:noFill/>
+                </a:ln>
+                <a:effectLst>
+                  <a:glow rad="139700">
+                    <a:schemeClr val="accent1">
+                      <a:satMod val="175000"/>
+                      <a:alpha val="40000"/>
+                    </a:schemeClr>
+                  </a:glow>
+                </a:effectLst>
+              </p:spPr>
+              <p:style>
+                <a:lnRef idx="2">
+                  <a:schemeClr val="accent4">
+                    <a:shade val="50000"/>
+                  </a:schemeClr>
+                </a:lnRef>
+                <a:fillRef idx="1">
+                  <a:schemeClr val="accent4"/>
+                </a:fillRef>
+                <a:effectRef idx="0">
+                  <a:schemeClr val="accent4"/>
+                </a:effectRef>
+                <a:fontRef idx="minor">
+                  <a:schemeClr val="lt1"/>
+                </a:fontRef>
+              </p:style>
+              <p:txBody>
+                <a:bodyPr rtlCol="0" anchor="ctr"/>
+                <a:lstStyle/>
+                <a:p>
+                  <a:pPr algn="ctr"/>
+                  <a:endParaRPr lang="el-GR"/>
+                </a:p>
+              </p:txBody>
+            </p:sp>
+            <p:sp>
+              <p:nvSpPr>
+                <p:cNvPr id="61" name="TextBox 60">
+                  <a:extLst>
+                    <a:ext uri="{FF2B5EF4-FFF2-40B4-BE49-F238E27FC236}">
+                      <a16:creationId xmlns:a16="http://schemas.microsoft.com/office/drawing/2014/main" id="{F56D8F30-79CC-6854-52C3-4A6B18461E8A}"/>
+                    </a:ext>
+                  </a:extLst>
+                </p:cNvPr>
+                <p:cNvSpPr txBox="1"/>
+                <p:nvPr/>
+              </p:nvSpPr>
+              <p:spPr>
+                <a:xfrm>
+                  <a:off x="2068497" y="2618612"/>
+                  <a:ext cx="861134" cy="308729"/>
+                </a:xfrm>
+                <a:prstGeom prst="rect">
+                  <a:avLst/>
+                </a:prstGeom>
+                <a:noFill/>
+              </p:spPr>
+              <p:txBody>
+                <a:bodyPr wrap="square" rtlCol="0">
+                  <a:spAutoFit/>
+                </a:bodyPr>
+                <a:lstStyle/>
+                <a:p>
+                  <a:pPr algn="ctr"/>
+                  <a:r>
+                    <a:rPr lang="el-GR" dirty="0"/>
+                    <a:t>2.1.1</a:t>
+                  </a:r>
+                </a:p>
+              </p:txBody>
+            </p:sp>
+          </p:grpSp>
+          <p:grpSp>
+            <p:nvGrpSpPr>
+              <p:cNvPr id="48" name="Ομάδα 47">
+                <a:extLst>
+                  <a:ext uri="{FF2B5EF4-FFF2-40B4-BE49-F238E27FC236}">
+                    <a16:creationId xmlns:a16="http://schemas.microsoft.com/office/drawing/2014/main" id="{729E3C5D-7ACF-C4A5-446B-A370AE7DDFCE}"/>
+                  </a:ext>
+                </a:extLst>
+              </p:cNvPr>
+              <p:cNvGrpSpPr/>
+              <p:nvPr/>
+            </p:nvGrpSpPr>
+            <p:grpSpPr>
+              <a:xfrm>
+                <a:off x="3729361" y="4753052"/>
+                <a:ext cx="861134" cy="457509"/>
+                <a:chOff x="2068497" y="2574524"/>
+                <a:chExt cx="861134" cy="457509"/>
+              </a:xfrm>
+            </p:grpSpPr>
+            <p:sp>
+              <p:nvSpPr>
+                <p:cNvPr id="58" name="Ορθογώνιο 57">
+                  <a:extLst>
+                    <a:ext uri="{FF2B5EF4-FFF2-40B4-BE49-F238E27FC236}">
+                      <a16:creationId xmlns:a16="http://schemas.microsoft.com/office/drawing/2014/main" id="{1150B4A4-A7E1-3973-5116-C9F129356D6A}"/>
+                    </a:ext>
+                  </a:extLst>
+                </p:cNvPr>
+                <p:cNvSpPr/>
+                <p:nvPr/>
+              </p:nvSpPr>
+              <p:spPr>
+                <a:xfrm>
+                  <a:off x="2068497" y="2574524"/>
+                  <a:ext cx="861134" cy="457509"/>
+                </a:xfrm>
+                <a:prstGeom prst="rect">
+                  <a:avLst/>
+                </a:prstGeom>
+                <a:ln>
+                  <a:noFill/>
+                </a:ln>
+                <a:effectLst>
+                  <a:glow rad="139700">
+                    <a:schemeClr val="accent1">
+                      <a:satMod val="175000"/>
+                      <a:alpha val="40000"/>
+                    </a:schemeClr>
+                  </a:glow>
+                </a:effectLst>
+              </p:spPr>
+              <p:style>
+                <a:lnRef idx="2">
+                  <a:schemeClr val="accent4">
+                    <a:shade val="50000"/>
+                  </a:schemeClr>
+                </a:lnRef>
+                <a:fillRef idx="1">
+                  <a:schemeClr val="accent4"/>
+                </a:fillRef>
+                <a:effectRef idx="0">
+                  <a:schemeClr val="accent4"/>
+                </a:effectRef>
+                <a:fontRef idx="minor">
+                  <a:schemeClr val="lt1"/>
+                </a:fontRef>
+              </p:style>
+              <p:txBody>
+                <a:bodyPr rtlCol="0" anchor="ctr"/>
+                <a:lstStyle/>
+                <a:p>
+                  <a:pPr algn="ctr"/>
+                  <a:endParaRPr lang="el-GR"/>
+                </a:p>
+              </p:txBody>
+            </p:sp>
+            <p:sp>
+              <p:nvSpPr>
+                <p:cNvPr id="59" name="TextBox 58">
+                  <a:extLst>
+                    <a:ext uri="{FF2B5EF4-FFF2-40B4-BE49-F238E27FC236}">
+                      <a16:creationId xmlns:a16="http://schemas.microsoft.com/office/drawing/2014/main" id="{54B508A2-1D64-D018-8CAC-D392E37C1DAC}"/>
+                    </a:ext>
+                  </a:extLst>
+                </p:cNvPr>
+                <p:cNvSpPr txBox="1"/>
+                <p:nvPr/>
+              </p:nvSpPr>
+              <p:spPr>
+                <a:xfrm>
+                  <a:off x="2068497" y="2618612"/>
+                  <a:ext cx="861134" cy="308729"/>
+                </a:xfrm>
+                <a:prstGeom prst="rect">
+                  <a:avLst/>
+                </a:prstGeom>
+                <a:noFill/>
+              </p:spPr>
+              <p:txBody>
+                <a:bodyPr wrap="square" rtlCol="0">
+                  <a:spAutoFit/>
+                </a:bodyPr>
+                <a:lstStyle/>
+                <a:p>
+                  <a:pPr algn="ctr"/>
+                  <a:r>
+                    <a:rPr lang="el-GR" dirty="0"/>
+                    <a:t>2.1.2</a:t>
+                  </a:r>
+                </a:p>
+              </p:txBody>
+            </p:sp>
+          </p:grpSp>
+          <p:grpSp>
+            <p:nvGrpSpPr>
+              <p:cNvPr id="49" name="Ομάδα 48">
+                <a:extLst>
+                  <a:ext uri="{FF2B5EF4-FFF2-40B4-BE49-F238E27FC236}">
+                    <a16:creationId xmlns:a16="http://schemas.microsoft.com/office/drawing/2014/main" id="{03B28AE6-402A-42A5-9113-83D60758FA45}"/>
+                  </a:ext>
+                </a:extLst>
+              </p:cNvPr>
+              <p:cNvGrpSpPr/>
+              <p:nvPr/>
+            </p:nvGrpSpPr>
+            <p:grpSpPr>
+              <a:xfrm>
+                <a:off x="5100962" y="3825968"/>
+                <a:ext cx="861134" cy="457509"/>
+                <a:chOff x="2068497" y="2574524"/>
+                <a:chExt cx="861134" cy="457509"/>
+              </a:xfrm>
+            </p:grpSpPr>
+            <p:sp>
+              <p:nvSpPr>
+                <p:cNvPr id="56" name="Ορθογώνιο 55">
+                  <a:extLst>
+                    <a:ext uri="{FF2B5EF4-FFF2-40B4-BE49-F238E27FC236}">
+                      <a16:creationId xmlns:a16="http://schemas.microsoft.com/office/drawing/2014/main" id="{BBD4E3B0-F7DB-D7A6-F3E8-3EDFF6053FC5}"/>
+                    </a:ext>
+                  </a:extLst>
+                </p:cNvPr>
+                <p:cNvSpPr/>
+                <p:nvPr/>
+              </p:nvSpPr>
+              <p:spPr>
+                <a:xfrm>
+                  <a:off x="2068497" y="2574524"/>
+                  <a:ext cx="861134" cy="457509"/>
+                </a:xfrm>
+                <a:prstGeom prst="rect">
+                  <a:avLst/>
+                </a:prstGeom>
+                <a:ln>
+                  <a:noFill/>
+                </a:ln>
+                <a:effectLst>
+                  <a:glow rad="139700">
+                    <a:schemeClr val="accent1">
+                      <a:satMod val="175000"/>
+                      <a:alpha val="40000"/>
+                    </a:schemeClr>
+                  </a:glow>
+                </a:effectLst>
+              </p:spPr>
+              <p:style>
+                <a:lnRef idx="2">
+                  <a:schemeClr val="accent4">
+                    <a:shade val="50000"/>
+                  </a:schemeClr>
+                </a:lnRef>
+                <a:fillRef idx="1">
+                  <a:schemeClr val="accent4"/>
+                </a:fillRef>
+                <a:effectRef idx="0">
+                  <a:schemeClr val="accent4"/>
+                </a:effectRef>
+                <a:fontRef idx="minor">
+                  <a:schemeClr val="lt1"/>
+                </a:fontRef>
+              </p:style>
+              <p:txBody>
+                <a:bodyPr rtlCol="0" anchor="ctr"/>
+                <a:lstStyle/>
+                <a:p>
+                  <a:pPr algn="ctr"/>
+                  <a:endParaRPr lang="el-GR"/>
+                </a:p>
+              </p:txBody>
+            </p:sp>
+            <p:sp>
+              <p:nvSpPr>
+                <p:cNvPr id="57" name="TextBox 56">
+                  <a:extLst>
+                    <a:ext uri="{FF2B5EF4-FFF2-40B4-BE49-F238E27FC236}">
+                      <a16:creationId xmlns:a16="http://schemas.microsoft.com/office/drawing/2014/main" id="{AA7DA208-B89E-0FBD-08ED-E4571379F747}"/>
+                    </a:ext>
+                  </a:extLst>
+                </p:cNvPr>
+                <p:cNvSpPr txBox="1"/>
+                <p:nvPr/>
+              </p:nvSpPr>
+              <p:spPr>
+                <a:xfrm>
+                  <a:off x="2068497" y="2618612"/>
+                  <a:ext cx="861134" cy="308729"/>
+                </a:xfrm>
+                <a:prstGeom prst="rect">
+                  <a:avLst/>
+                </a:prstGeom>
+                <a:noFill/>
+              </p:spPr>
+              <p:txBody>
+                <a:bodyPr wrap="square" rtlCol="0">
+                  <a:spAutoFit/>
+                </a:bodyPr>
+                <a:lstStyle/>
+                <a:p>
+                  <a:pPr algn="ctr"/>
+                  <a:r>
+                    <a:rPr lang="el-GR" dirty="0"/>
+                    <a:t>3.1.1</a:t>
+                  </a:r>
+                </a:p>
+              </p:txBody>
+            </p:sp>
+          </p:grpSp>
+        </p:grpSp>
+        <p:grpSp>
+          <p:nvGrpSpPr>
+            <p:cNvPr id="70" name="Ομάδα 69">
+              <a:extLst>
+                <a:ext uri="{FF2B5EF4-FFF2-40B4-BE49-F238E27FC236}">
+                  <a16:creationId xmlns:a16="http://schemas.microsoft.com/office/drawing/2014/main" id="{8665528B-5721-B5BC-DD7B-94C39CF1ED9A}"/>
+                </a:ext>
+              </a:extLst>
+            </p:cNvPr>
+            <p:cNvGrpSpPr/>
+            <p:nvPr/>
+          </p:nvGrpSpPr>
+          <p:grpSpPr>
+            <a:xfrm>
+              <a:off x="1641779" y="4229892"/>
+              <a:ext cx="4573204" cy="2472094"/>
+              <a:chOff x="2068497" y="2709515"/>
+              <a:chExt cx="3893599" cy="2924697"/>
+            </a:xfrm>
+          </p:grpSpPr>
+          <p:grpSp>
+            <p:nvGrpSpPr>
+              <p:cNvPr id="71" name="Ομάδα 70">
+                <a:extLst>
+                  <a:ext uri="{FF2B5EF4-FFF2-40B4-BE49-F238E27FC236}">
+                    <a16:creationId xmlns:a16="http://schemas.microsoft.com/office/drawing/2014/main" id="{88F36163-00B4-07BB-4BA8-7DC88F231BDC}"/>
+                  </a:ext>
+                </a:extLst>
+              </p:cNvPr>
+              <p:cNvGrpSpPr/>
+              <p:nvPr/>
+            </p:nvGrpSpPr>
+            <p:grpSpPr>
+              <a:xfrm>
+                <a:off x="2068497" y="2709515"/>
+                <a:ext cx="861134" cy="481040"/>
+                <a:chOff x="2068497" y="2574524"/>
+                <a:chExt cx="861134" cy="481040"/>
+              </a:xfrm>
+            </p:grpSpPr>
+            <p:sp>
+              <p:nvSpPr>
+                <p:cNvPr id="90" name="Ορθογώνιο 89">
+                  <a:extLst>
+                    <a:ext uri="{FF2B5EF4-FFF2-40B4-BE49-F238E27FC236}">
+                      <a16:creationId xmlns:a16="http://schemas.microsoft.com/office/drawing/2014/main" id="{946E53F9-F05E-7B5D-C7EA-857A21899282}"/>
+                    </a:ext>
+                  </a:extLst>
+                </p:cNvPr>
+                <p:cNvSpPr/>
+                <p:nvPr/>
+              </p:nvSpPr>
+              <p:spPr>
+                <a:xfrm>
+                  <a:off x="2068497" y="2574524"/>
+                  <a:ext cx="861134" cy="457509"/>
+                </a:xfrm>
+                <a:prstGeom prst="rect">
+                  <a:avLst/>
+                </a:prstGeom>
+                <a:ln>
+                  <a:noFill/>
+                </a:ln>
+                <a:effectLst>
+                  <a:glow rad="139700">
+                    <a:schemeClr val="accent1">
+                      <a:satMod val="175000"/>
+                      <a:alpha val="40000"/>
+                    </a:schemeClr>
+                  </a:glow>
+                </a:effectLst>
+              </p:spPr>
+              <p:style>
+                <a:lnRef idx="2">
+                  <a:schemeClr val="accent4">
+                    <a:shade val="50000"/>
+                  </a:schemeClr>
+                </a:lnRef>
+                <a:fillRef idx="1">
+                  <a:schemeClr val="accent4"/>
+                </a:fillRef>
+                <a:effectRef idx="0">
+                  <a:schemeClr val="accent4"/>
+                </a:effectRef>
+                <a:fontRef idx="minor">
+                  <a:schemeClr val="lt1"/>
+                </a:fontRef>
+              </p:style>
+              <p:txBody>
+                <a:bodyPr rtlCol="0" anchor="ctr"/>
+                <a:lstStyle/>
+                <a:p>
+                  <a:pPr algn="ctr"/>
+                  <a:endParaRPr lang="el-GR"/>
+                </a:p>
+              </p:txBody>
+            </p:sp>
+            <p:sp>
+              <p:nvSpPr>
+                <p:cNvPr id="91" name="TextBox 90">
+                  <a:extLst>
+                    <a:ext uri="{FF2B5EF4-FFF2-40B4-BE49-F238E27FC236}">
+                      <a16:creationId xmlns:a16="http://schemas.microsoft.com/office/drawing/2014/main" id="{D19D425D-37CB-B791-AA44-77DBC1FB9B29}"/>
+                    </a:ext>
+                  </a:extLst>
+                </p:cNvPr>
+                <p:cNvSpPr txBox="1"/>
+                <p:nvPr/>
+              </p:nvSpPr>
+              <p:spPr>
+                <a:xfrm>
+                  <a:off x="2068497" y="2618612"/>
+                  <a:ext cx="861134" cy="436952"/>
+                </a:xfrm>
+                <a:prstGeom prst="rect">
+                  <a:avLst/>
+                </a:prstGeom>
+                <a:noFill/>
+              </p:spPr>
+              <p:txBody>
+                <a:bodyPr wrap="square" rtlCol="0">
+                  <a:spAutoFit/>
+                </a:bodyPr>
+                <a:lstStyle/>
+                <a:p>
+                  <a:pPr algn="ctr"/>
+                  <a:r>
+                    <a:rPr lang="el-GR" dirty="0"/>
+                    <a:t>1.2.1</a:t>
+                  </a:r>
+                </a:p>
+              </p:txBody>
+            </p:sp>
+          </p:grpSp>
+          <p:grpSp>
+            <p:nvGrpSpPr>
+              <p:cNvPr id="72" name="Ομάδα 71">
+                <a:extLst>
+                  <a:ext uri="{FF2B5EF4-FFF2-40B4-BE49-F238E27FC236}">
+                    <a16:creationId xmlns:a16="http://schemas.microsoft.com/office/drawing/2014/main" id="{A0A282D7-8939-D700-235C-C16F2FBA9723}"/>
+                  </a:ext>
+                </a:extLst>
+              </p:cNvPr>
+              <p:cNvGrpSpPr/>
+              <p:nvPr/>
+            </p:nvGrpSpPr>
+            <p:grpSpPr>
+              <a:xfrm>
+                <a:off x="2068497" y="3462222"/>
+                <a:ext cx="861134" cy="481040"/>
+                <a:chOff x="2068497" y="2574524"/>
+                <a:chExt cx="861134" cy="481040"/>
+              </a:xfrm>
+            </p:grpSpPr>
+            <p:sp>
+              <p:nvSpPr>
+                <p:cNvPr id="88" name="Ορθογώνιο 87">
+                  <a:extLst>
+                    <a:ext uri="{FF2B5EF4-FFF2-40B4-BE49-F238E27FC236}">
+                      <a16:creationId xmlns:a16="http://schemas.microsoft.com/office/drawing/2014/main" id="{3F53DE9D-1D87-3734-5CC7-CBB0F6EEE305}"/>
+                    </a:ext>
+                  </a:extLst>
+                </p:cNvPr>
+                <p:cNvSpPr/>
+                <p:nvPr/>
+              </p:nvSpPr>
+              <p:spPr>
+                <a:xfrm>
+                  <a:off x="2068497" y="2574524"/>
+                  <a:ext cx="861134" cy="457509"/>
+                </a:xfrm>
+                <a:prstGeom prst="rect">
+                  <a:avLst/>
+                </a:prstGeom>
+                <a:ln>
+                  <a:noFill/>
+                </a:ln>
+                <a:effectLst>
+                  <a:glow rad="139700">
+                    <a:schemeClr val="accent1">
+                      <a:satMod val="175000"/>
+                      <a:alpha val="40000"/>
+                    </a:schemeClr>
+                  </a:glow>
+                </a:effectLst>
+              </p:spPr>
+              <p:style>
+                <a:lnRef idx="2">
+                  <a:schemeClr val="accent4">
+                    <a:shade val="50000"/>
+                  </a:schemeClr>
+                </a:lnRef>
+                <a:fillRef idx="1">
+                  <a:schemeClr val="accent4"/>
+                </a:fillRef>
+                <a:effectRef idx="0">
+                  <a:schemeClr val="accent4"/>
+                </a:effectRef>
+                <a:fontRef idx="minor">
+                  <a:schemeClr val="lt1"/>
+                </a:fontRef>
+              </p:style>
+              <p:txBody>
+                <a:bodyPr rtlCol="0" anchor="ctr"/>
+                <a:lstStyle/>
+                <a:p>
+                  <a:pPr algn="ctr"/>
+                  <a:endParaRPr lang="el-GR"/>
+                </a:p>
+              </p:txBody>
+            </p:sp>
+            <p:sp>
+              <p:nvSpPr>
+                <p:cNvPr id="89" name="TextBox 88">
+                  <a:extLst>
+                    <a:ext uri="{FF2B5EF4-FFF2-40B4-BE49-F238E27FC236}">
+                      <a16:creationId xmlns:a16="http://schemas.microsoft.com/office/drawing/2014/main" id="{690FB0EC-1482-1364-B08A-9F34F4A69418}"/>
+                    </a:ext>
+                  </a:extLst>
+                </p:cNvPr>
+                <p:cNvSpPr txBox="1"/>
+                <p:nvPr/>
+              </p:nvSpPr>
+              <p:spPr>
+                <a:xfrm>
+                  <a:off x="2068497" y="2618612"/>
+                  <a:ext cx="861134" cy="436952"/>
+                </a:xfrm>
+                <a:prstGeom prst="rect">
+                  <a:avLst/>
+                </a:prstGeom>
+                <a:noFill/>
+              </p:spPr>
+              <p:txBody>
+                <a:bodyPr wrap="square" rtlCol="0">
+                  <a:spAutoFit/>
+                </a:bodyPr>
+                <a:lstStyle/>
+                <a:p>
+                  <a:pPr algn="ctr"/>
+                  <a:r>
+                    <a:rPr lang="el-GR" dirty="0"/>
+                    <a:t>1.2.2</a:t>
+                  </a:r>
+                </a:p>
+              </p:txBody>
+            </p:sp>
+          </p:grpSp>
+          <p:grpSp>
+            <p:nvGrpSpPr>
+              <p:cNvPr id="73" name="Ομάδα 72">
+                <a:extLst>
+                  <a:ext uri="{FF2B5EF4-FFF2-40B4-BE49-F238E27FC236}">
+                    <a16:creationId xmlns:a16="http://schemas.microsoft.com/office/drawing/2014/main" id="{9811851C-E4EA-A56E-27A2-A1C50CFDD09C}"/>
+                  </a:ext>
+                </a:extLst>
+              </p:cNvPr>
+              <p:cNvGrpSpPr/>
+              <p:nvPr/>
+            </p:nvGrpSpPr>
+            <p:grpSpPr>
+              <a:xfrm>
+                <a:off x="2068497" y="4400465"/>
+                <a:ext cx="861134" cy="481040"/>
+                <a:chOff x="2068497" y="2574524"/>
+                <a:chExt cx="861134" cy="481040"/>
+              </a:xfrm>
+            </p:grpSpPr>
+            <p:sp>
+              <p:nvSpPr>
+                <p:cNvPr id="86" name="Ορθογώνιο 85">
+                  <a:extLst>
+                    <a:ext uri="{FF2B5EF4-FFF2-40B4-BE49-F238E27FC236}">
+                      <a16:creationId xmlns:a16="http://schemas.microsoft.com/office/drawing/2014/main" id="{B2A1E0BA-1FD3-379F-9BA2-8C6366238805}"/>
+                    </a:ext>
+                  </a:extLst>
+                </p:cNvPr>
+                <p:cNvSpPr/>
+                <p:nvPr/>
+              </p:nvSpPr>
+              <p:spPr>
+                <a:xfrm>
+                  <a:off x="2068497" y="2574524"/>
+                  <a:ext cx="861134" cy="457509"/>
+                </a:xfrm>
+                <a:prstGeom prst="rect">
+                  <a:avLst/>
+                </a:prstGeom>
+                <a:ln>
+                  <a:noFill/>
+                </a:ln>
+                <a:effectLst>
+                  <a:glow rad="139700">
+                    <a:schemeClr val="accent1">
+                      <a:satMod val="175000"/>
+                      <a:alpha val="40000"/>
+                    </a:schemeClr>
+                  </a:glow>
+                </a:effectLst>
+              </p:spPr>
+              <p:style>
+                <a:lnRef idx="2">
+                  <a:schemeClr val="accent4">
+                    <a:shade val="50000"/>
+                  </a:schemeClr>
+                </a:lnRef>
+                <a:fillRef idx="1">
+                  <a:schemeClr val="accent4"/>
+                </a:fillRef>
+                <a:effectRef idx="0">
+                  <a:schemeClr val="accent4"/>
+                </a:effectRef>
+                <a:fontRef idx="minor">
+                  <a:schemeClr val="lt1"/>
+                </a:fontRef>
+              </p:style>
+              <p:txBody>
+                <a:bodyPr rtlCol="0" anchor="ctr"/>
+                <a:lstStyle/>
+                <a:p>
+                  <a:pPr algn="ctr"/>
+                  <a:endParaRPr lang="el-GR"/>
+                </a:p>
+              </p:txBody>
+            </p:sp>
+            <p:sp>
+              <p:nvSpPr>
+                <p:cNvPr id="87" name="TextBox 86">
+                  <a:extLst>
+                    <a:ext uri="{FF2B5EF4-FFF2-40B4-BE49-F238E27FC236}">
+                      <a16:creationId xmlns:a16="http://schemas.microsoft.com/office/drawing/2014/main" id="{DFB68479-C4F0-9BE1-9327-295D5E23C2F3}"/>
+                    </a:ext>
+                  </a:extLst>
+                </p:cNvPr>
+                <p:cNvSpPr txBox="1"/>
+                <p:nvPr/>
+              </p:nvSpPr>
+              <p:spPr>
+                <a:xfrm>
+                  <a:off x="2068497" y="2618612"/>
+                  <a:ext cx="861134" cy="436952"/>
+                </a:xfrm>
+                <a:prstGeom prst="rect">
+                  <a:avLst/>
+                </a:prstGeom>
+                <a:noFill/>
+              </p:spPr>
+              <p:txBody>
+                <a:bodyPr wrap="square" rtlCol="0">
+                  <a:spAutoFit/>
+                </a:bodyPr>
+                <a:lstStyle/>
+                <a:p>
+                  <a:pPr algn="ctr"/>
+                  <a:r>
+                    <a:rPr lang="el-GR" dirty="0"/>
+                    <a:t>1.2.3</a:t>
+                  </a:r>
+                </a:p>
+              </p:txBody>
+            </p:sp>
+          </p:grpSp>
+          <p:grpSp>
+            <p:nvGrpSpPr>
+              <p:cNvPr id="74" name="Ομάδα 73">
+                <a:extLst>
+                  <a:ext uri="{FF2B5EF4-FFF2-40B4-BE49-F238E27FC236}">
+                    <a16:creationId xmlns:a16="http://schemas.microsoft.com/office/drawing/2014/main" id="{80503DBD-83B7-AA76-75DD-801E277B2862}"/>
+                  </a:ext>
+                </a:extLst>
+              </p:cNvPr>
+              <p:cNvGrpSpPr/>
+              <p:nvPr/>
+            </p:nvGrpSpPr>
+            <p:grpSpPr>
+              <a:xfrm>
+                <a:off x="2068497" y="5153172"/>
+                <a:ext cx="861134" cy="481040"/>
+                <a:chOff x="2068497" y="2574524"/>
+                <a:chExt cx="861134" cy="481040"/>
+              </a:xfrm>
+            </p:grpSpPr>
+            <p:sp>
+              <p:nvSpPr>
+                <p:cNvPr id="84" name="Ορθογώνιο 83">
+                  <a:extLst>
+                    <a:ext uri="{FF2B5EF4-FFF2-40B4-BE49-F238E27FC236}">
+                      <a16:creationId xmlns:a16="http://schemas.microsoft.com/office/drawing/2014/main" id="{9F6ADD0C-E8EB-DB46-60CA-3D5996072750}"/>
+                    </a:ext>
+                  </a:extLst>
+                </p:cNvPr>
+                <p:cNvSpPr/>
+                <p:nvPr/>
+              </p:nvSpPr>
+              <p:spPr>
+                <a:xfrm>
+                  <a:off x="2068497" y="2574524"/>
+                  <a:ext cx="861134" cy="457509"/>
+                </a:xfrm>
+                <a:prstGeom prst="rect">
+                  <a:avLst/>
+                </a:prstGeom>
+                <a:ln>
+                  <a:noFill/>
+                </a:ln>
+                <a:effectLst>
+                  <a:glow rad="139700">
+                    <a:schemeClr val="accent1">
+                      <a:satMod val="175000"/>
+                      <a:alpha val="40000"/>
+                    </a:schemeClr>
+                  </a:glow>
+                </a:effectLst>
+              </p:spPr>
+              <p:style>
+                <a:lnRef idx="2">
+                  <a:schemeClr val="accent4">
+                    <a:shade val="50000"/>
+                  </a:schemeClr>
+                </a:lnRef>
+                <a:fillRef idx="1">
+                  <a:schemeClr val="accent4"/>
+                </a:fillRef>
+                <a:effectRef idx="0">
+                  <a:schemeClr val="accent4"/>
+                </a:effectRef>
+                <a:fontRef idx="minor">
+                  <a:schemeClr val="lt1"/>
+                </a:fontRef>
+              </p:style>
+              <p:txBody>
+                <a:bodyPr rtlCol="0" anchor="ctr"/>
+                <a:lstStyle/>
+                <a:p>
+                  <a:pPr algn="ctr"/>
+                  <a:endParaRPr lang="el-GR"/>
+                </a:p>
+              </p:txBody>
+            </p:sp>
+            <p:sp>
+              <p:nvSpPr>
+                <p:cNvPr id="85" name="TextBox 84">
+                  <a:extLst>
+                    <a:ext uri="{FF2B5EF4-FFF2-40B4-BE49-F238E27FC236}">
+                      <a16:creationId xmlns:a16="http://schemas.microsoft.com/office/drawing/2014/main" id="{312A26B4-23E5-FD1B-98BA-75130C20DE5F}"/>
+                    </a:ext>
+                  </a:extLst>
+                </p:cNvPr>
+                <p:cNvSpPr txBox="1"/>
+                <p:nvPr/>
+              </p:nvSpPr>
+              <p:spPr>
+                <a:xfrm>
+                  <a:off x="2068497" y="2618612"/>
+                  <a:ext cx="861134" cy="436952"/>
+                </a:xfrm>
+                <a:prstGeom prst="rect">
+                  <a:avLst/>
+                </a:prstGeom>
+                <a:noFill/>
+              </p:spPr>
+              <p:txBody>
+                <a:bodyPr wrap="square" rtlCol="0">
+                  <a:spAutoFit/>
+                </a:bodyPr>
+                <a:lstStyle/>
+                <a:p>
+                  <a:pPr algn="ctr"/>
+                  <a:r>
+                    <a:rPr lang="el-GR" dirty="0"/>
+                    <a:t>1.2.4</a:t>
+                  </a:r>
+                </a:p>
+              </p:txBody>
+            </p:sp>
+          </p:grpSp>
+          <p:grpSp>
+            <p:nvGrpSpPr>
+              <p:cNvPr id="75" name="Ομάδα 74">
+                <a:extLst>
+                  <a:ext uri="{FF2B5EF4-FFF2-40B4-BE49-F238E27FC236}">
+                    <a16:creationId xmlns:a16="http://schemas.microsoft.com/office/drawing/2014/main" id="{F21EE7A5-DCA6-186B-960C-23752235E1DC}"/>
+                  </a:ext>
+                </a:extLst>
+              </p:cNvPr>
+              <p:cNvGrpSpPr/>
+              <p:nvPr/>
+            </p:nvGrpSpPr>
+            <p:grpSpPr>
+              <a:xfrm>
+                <a:off x="3729361" y="2971491"/>
+                <a:ext cx="861134" cy="481039"/>
+                <a:chOff x="2068497" y="2574524"/>
+                <a:chExt cx="861134" cy="481039"/>
+              </a:xfrm>
+            </p:grpSpPr>
+            <p:sp>
+              <p:nvSpPr>
+                <p:cNvPr id="82" name="Ορθογώνιο 81">
+                  <a:extLst>
+                    <a:ext uri="{FF2B5EF4-FFF2-40B4-BE49-F238E27FC236}">
+                      <a16:creationId xmlns:a16="http://schemas.microsoft.com/office/drawing/2014/main" id="{5FBDA67E-E1C9-DA90-E093-5BE47DA7F06A}"/>
+                    </a:ext>
+                  </a:extLst>
+                </p:cNvPr>
+                <p:cNvSpPr/>
+                <p:nvPr/>
+              </p:nvSpPr>
+              <p:spPr>
+                <a:xfrm>
+                  <a:off x="2068497" y="2574524"/>
+                  <a:ext cx="861134" cy="457509"/>
+                </a:xfrm>
+                <a:prstGeom prst="rect">
+                  <a:avLst/>
+                </a:prstGeom>
+                <a:ln>
+                  <a:noFill/>
+                </a:ln>
+                <a:effectLst>
+                  <a:glow rad="139700">
+                    <a:schemeClr val="accent1">
+                      <a:satMod val="175000"/>
+                      <a:alpha val="40000"/>
+                    </a:schemeClr>
+                  </a:glow>
+                </a:effectLst>
+              </p:spPr>
+              <p:style>
+                <a:lnRef idx="2">
+                  <a:schemeClr val="accent4">
+                    <a:shade val="50000"/>
+                  </a:schemeClr>
+                </a:lnRef>
+                <a:fillRef idx="1">
+                  <a:schemeClr val="accent4"/>
+                </a:fillRef>
+                <a:effectRef idx="0">
+                  <a:schemeClr val="accent4"/>
+                </a:effectRef>
+                <a:fontRef idx="minor">
+                  <a:schemeClr val="lt1"/>
+                </a:fontRef>
+              </p:style>
+              <p:txBody>
+                <a:bodyPr rtlCol="0" anchor="ctr"/>
+                <a:lstStyle/>
+                <a:p>
+                  <a:pPr algn="ctr"/>
+                  <a:endParaRPr lang="el-GR"/>
+                </a:p>
+              </p:txBody>
+            </p:sp>
+            <p:sp>
+              <p:nvSpPr>
+                <p:cNvPr id="83" name="TextBox 82">
+                  <a:extLst>
+                    <a:ext uri="{FF2B5EF4-FFF2-40B4-BE49-F238E27FC236}">
+                      <a16:creationId xmlns:a16="http://schemas.microsoft.com/office/drawing/2014/main" id="{2815ABED-CC79-58C3-2F75-DC4BA3EB69DF}"/>
+                    </a:ext>
+                  </a:extLst>
+                </p:cNvPr>
+                <p:cNvSpPr txBox="1"/>
+                <p:nvPr/>
+              </p:nvSpPr>
+              <p:spPr>
+                <a:xfrm>
+                  <a:off x="2068497" y="2618612"/>
+                  <a:ext cx="861134" cy="436951"/>
+                </a:xfrm>
+                <a:prstGeom prst="rect">
+                  <a:avLst/>
+                </a:prstGeom>
+                <a:noFill/>
+              </p:spPr>
+              <p:txBody>
+                <a:bodyPr wrap="square" rtlCol="0">
+                  <a:spAutoFit/>
+                </a:bodyPr>
+                <a:lstStyle/>
+                <a:p>
+                  <a:pPr algn="ctr"/>
+                  <a:r>
+                    <a:rPr lang="el-GR" dirty="0"/>
+                    <a:t>2.2.1</a:t>
+                  </a:r>
+                </a:p>
+              </p:txBody>
+            </p:sp>
+          </p:grpSp>
+          <p:grpSp>
+            <p:nvGrpSpPr>
+              <p:cNvPr id="76" name="Ομάδα 75">
+                <a:extLst>
+                  <a:ext uri="{FF2B5EF4-FFF2-40B4-BE49-F238E27FC236}">
+                    <a16:creationId xmlns:a16="http://schemas.microsoft.com/office/drawing/2014/main" id="{057CD2DC-4289-C04F-4C1F-CF6491CA5888}"/>
+                  </a:ext>
+                </a:extLst>
+              </p:cNvPr>
+              <p:cNvGrpSpPr/>
+              <p:nvPr/>
+            </p:nvGrpSpPr>
+            <p:grpSpPr>
+              <a:xfrm>
+                <a:off x="3729361" y="4753052"/>
+                <a:ext cx="861134" cy="481039"/>
+                <a:chOff x="2068497" y="2574524"/>
+                <a:chExt cx="861134" cy="481039"/>
+              </a:xfrm>
+            </p:grpSpPr>
+            <p:sp>
+              <p:nvSpPr>
+                <p:cNvPr id="80" name="Ορθογώνιο 79">
+                  <a:extLst>
+                    <a:ext uri="{FF2B5EF4-FFF2-40B4-BE49-F238E27FC236}">
+                      <a16:creationId xmlns:a16="http://schemas.microsoft.com/office/drawing/2014/main" id="{DE6C6A9C-70C1-9CDD-1C08-054ACC87EBF8}"/>
+                    </a:ext>
+                  </a:extLst>
+                </p:cNvPr>
+                <p:cNvSpPr/>
+                <p:nvPr/>
+              </p:nvSpPr>
+              <p:spPr>
+                <a:xfrm>
+                  <a:off x="2068497" y="2574524"/>
+                  <a:ext cx="861134" cy="457509"/>
+                </a:xfrm>
+                <a:prstGeom prst="rect">
+                  <a:avLst/>
+                </a:prstGeom>
+                <a:ln>
+                  <a:noFill/>
+                </a:ln>
+                <a:effectLst>
+                  <a:glow rad="139700">
+                    <a:schemeClr val="accent1">
+                      <a:satMod val="175000"/>
+                      <a:alpha val="40000"/>
+                    </a:schemeClr>
+                  </a:glow>
+                </a:effectLst>
+              </p:spPr>
+              <p:style>
+                <a:lnRef idx="2">
+                  <a:schemeClr val="accent4">
+                    <a:shade val="50000"/>
+                  </a:schemeClr>
+                </a:lnRef>
+                <a:fillRef idx="1">
+                  <a:schemeClr val="accent4"/>
+                </a:fillRef>
+                <a:effectRef idx="0">
+                  <a:schemeClr val="accent4"/>
+                </a:effectRef>
+                <a:fontRef idx="minor">
+                  <a:schemeClr val="lt1"/>
+                </a:fontRef>
+              </p:style>
+              <p:txBody>
+                <a:bodyPr rtlCol="0" anchor="ctr"/>
+                <a:lstStyle/>
+                <a:p>
+                  <a:pPr algn="ctr"/>
+                  <a:endParaRPr lang="el-GR"/>
+                </a:p>
+              </p:txBody>
+            </p:sp>
+            <p:sp>
+              <p:nvSpPr>
+                <p:cNvPr id="81" name="TextBox 80">
+                  <a:extLst>
+                    <a:ext uri="{FF2B5EF4-FFF2-40B4-BE49-F238E27FC236}">
+                      <a16:creationId xmlns:a16="http://schemas.microsoft.com/office/drawing/2014/main" id="{158F8A13-68D5-CD4E-F186-95B0B56F1F7C}"/>
+                    </a:ext>
+                  </a:extLst>
+                </p:cNvPr>
+                <p:cNvSpPr txBox="1"/>
+                <p:nvPr/>
+              </p:nvSpPr>
+              <p:spPr>
+                <a:xfrm>
+                  <a:off x="2068497" y="2618612"/>
+                  <a:ext cx="861134" cy="436951"/>
+                </a:xfrm>
+                <a:prstGeom prst="rect">
+                  <a:avLst/>
+                </a:prstGeom>
+                <a:noFill/>
+              </p:spPr>
+              <p:txBody>
+                <a:bodyPr wrap="square" rtlCol="0">
+                  <a:spAutoFit/>
+                </a:bodyPr>
+                <a:lstStyle/>
+                <a:p>
+                  <a:pPr algn="ctr"/>
+                  <a:r>
+                    <a:rPr lang="el-GR" dirty="0"/>
+                    <a:t>2.2.2</a:t>
+                  </a:r>
+                </a:p>
+              </p:txBody>
+            </p:sp>
+          </p:grpSp>
+          <p:grpSp>
+            <p:nvGrpSpPr>
+              <p:cNvPr id="77" name="Ομάδα 76">
+                <a:extLst>
+                  <a:ext uri="{FF2B5EF4-FFF2-40B4-BE49-F238E27FC236}">
+                    <a16:creationId xmlns:a16="http://schemas.microsoft.com/office/drawing/2014/main" id="{4CAC8BD9-8D2E-EC22-7E08-B62C47AECFD5}"/>
+                  </a:ext>
+                </a:extLst>
+              </p:cNvPr>
+              <p:cNvGrpSpPr/>
+              <p:nvPr/>
+            </p:nvGrpSpPr>
+            <p:grpSpPr>
+              <a:xfrm>
+                <a:off x="5100962" y="3825968"/>
+                <a:ext cx="861134" cy="481039"/>
+                <a:chOff x="2068497" y="2574524"/>
+                <a:chExt cx="861134" cy="481039"/>
+              </a:xfrm>
+            </p:grpSpPr>
+            <p:sp>
+              <p:nvSpPr>
+                <p:cNvPr id="78" name="Ορθογώνιο 77">
+                  <a:extLst>
+                    <a:ext uri="{FF2B5EF4-FFF2-40B4-BE49-F238E27FC236}">
+                      <a16:creationId xmlns:a16="http://schemas.microsoft.com/office/drawing/2014/main" id="{6B4710D5-3D45-3836-D9BD-EC32A3C35E7A}"/>
+                    </a:ext>
+                  </a:extLst>
+                </p:cNvPr>
+                <p:cNvSpPr/>
+                <p:nvPr/>
+              </p:nvSpPr>
+              <p:spPr>
+                <a:xfrm>
+                  <a:off x="2068497" y="2574524"/>
+                  <a:ext cx="861134" cy="457509"/>
+                </a:xfrm>
+                <a:prstGeom prst="rect">
+                  <a:avLst/>
+                </a:prstGeom>
+                <a:ln>
+                  <a:noFill/>
+                </a:ln>
+                <a:effectLst>
+                  <a:glow rad="139700">
+                    <a:schemeClr val="accent1">
+                      <a:satMod val="175000"/>
+                      <a:alpha val="40000"/>
+                    </a:schemeClr>
+                  </a:glow>
+                </a:effectLst>
+              </p:spPr>
+              <p:style>
+                <a:lnRef idx="2">
+                  <a:schemeClr val="accent4">
+                    <a:shade val="50000"/>
+                  </a:schemeClr>
+                </a:lnRef>
+                <a:fillRef idx="1">
+                  <a:schemeClr val="accent4"/>
+                </a:fillRef>
+                <a:effectRef idx="0">
+                  <a:schemeClr val="accent4"/>
+                </a:effectRef>
+                <a:fontRef idx="minor">
+                  <a:schemeClr val="lt1"/>
+                </a:fontRef>
+              </p:style>
+              <p:txBody>
+                <a:bodyPr rtlCol="0" anchor="ctr"/>
+                <a:lstStyle/>
+                <a:p>
+                  <a:pPr algn="ctr"/>
+                  <a:endParaRPr lang="el-GR"/>
+                </a:p>
+              </p:txBody>
+            </p:sp>
+            <p:sp>
+              <p:nvSpPr>
+                <p:cNvPr id="79" name="TextBox 78">
+                  <a:extLst>
+                    <a:ext uri="{FF2B5EF4-FFF2-40B4-BE49-F238E27FC236}">
+                      <a16:creationId xmlns:a16="http://schemas.microsoft.com/office/drawing/2014/main" id="{CC48A61B-2A54-EDEE-3178-962595D5332D}"/>
+                    </a:ext>
+                  </a:extLst>
+                </p:cNvPr>
+                <p:cNvSpPr txBox="1"/>
+                <p:nvPr/>
+              </p:nvSpPr>
+              <p:spPr>
+                <a:xfrm>
+                  <a:off x="2068497" y="2618612"/>
+                  <a:ext cx="861134" cy="436951"/>
+                </a:xfrm>
+                <a:prstGeom prst="rect">
+                  <a:avLst/>
+                </a:prstGeom>
+                <a:noFill/>
+              </p:spPr>
+              <p:txBody>
+                <a:bodyPr wrap="square" rtlCol="0">
+                  <a:spAutoFit/>
+                </a:bodyPr>
+                <a:lstStyle/>
+                <a:p>
+                  <a:pPr algn="ctr"/>
+                  <a:r>
+                    <a:rPr lang="el-GR" dirty="0"/>
+                    <a:t>3.2.1</a:t>
+                  </a:r>
+                </a:p>
+              </p:txBody>
+            </p:sp>
+          </p:grpSp>
+        </p:grpSp>
+        <p:grpSp>
+          <p:nvGrpSpPr>
+            <p:cNvPr id="94" name="Ομάδα 93">
+              <a:extLst>
+                <a:ext uri="{FF2B5EF4-FFF2-40B4-BE49-F238E27FC236}">
+                  <a16:creationId xmlns:a16="http://schemas.microsoft.com/office/drawing/2014/main" id="{2D940F21-833A-88AB-0C0F-95A2C30D2AB7}"/>
+                </a:ext>
+              </a:extLst>
+            </p:cNvPr>
+            <p:cNvGrpSpPr/>
+            <p:nvPr/>
+          </p:nvGrpSpPr>
+          <p:grpSpPr>
+            <a:xfrm>
+              <a:off x="6953923" y="3799684"/>
+              <a:ext cx="1011440" cy="386708"/>
+              <a:chOff x="6953923" y="3799684"/>
+              <a:chExt cx="1011440" cy="386708"/>
+            </a:xfrm>
+          </p:grpSpPr>
+          <p:sp>
+            <p:nvSpPr>
+              <p:cNvPr id="92" name="Ορθογώνιο 91">
+                <a:extLst>
+                  <a:ext uri="{FF2B5EF4-FFF2-40B4-BE49-F238E27FC236}">
+                    <a16:creationId xmlns:a16="http://schemas.microsoft.com/office/drawing/2014/main" id="{C14B8458-2317-DC34-EA64-7E08490404C9}"/>
+                  </a:ext>
+                </a:extLst>
+              </p:cNvPr>
+              <p:cNvSpPr/>
+              <p:nvPr/>
+            </p:nvSpPr>
+            <p:spPr>
+              <a:xfrm>
+                <a:off x="6953923" y="3799684"/>
+                <a:ext cx="1011440" cy="386708"/>
+              </a:xfrm>
+              <a:prstGeom prst="rect">
+                <a:avLst/>
+              </a:prstGeom>
+              <a:ln>
+                <a:noFill/>
+              </a:ln>
+              <a:effectLst>
+                <a:glow rad="139700">
+                  <a:schemeClr val="accent1">
+                    <a:satMod val="175000"/>
+                    <a:alpha val="40000"/>
+                  </a:schemeClr>
+                </a:glow>
+              </a:effectLst>
+            </p:spPr>
+            <p:style>
+              <a:lnRef idx="2">
+                <a:schemeClr val="accent4">
+                  <a:shade val="50000"/>
+                </a:schemeClr>
+              </a:lnRef>
+              <a:fillRef idx="1">
+                <a:schemeClr val="accent4"/>
+              </a:fillRef>
+              <a:effectRef idx="0">
+                <a:schemeClr val="accent4"/>
+              </a:effectRef>
+              <a:fontRef idx="minor">
+                <a:schemeClr val="lt1"/>
+              </a:fontRef>
+            </p:style>
+            <p:txBody>
+              <a:bodyPr rtlCol="0" anchor="ctr"/>
+              <a:lstStyle/>
+              <a:p>
+                <a:pPr algn="ctr"/>
+                <a:endParaRPr lang="el-GR"/>
+              </a:p>
+            </p:txBody>
+          </p:sp>
+          <p:sp>
+            <p:nvSpPr>
+              <p:cNvPr id="93" name="TextBox 92">
+                <a:extLst>
+                  <a:ext uri="{FF2B5EF4-FFF2-40B4-BE49-F238E27FC236}">
+                    <a16:creationId xmlns:a16="http://schemas.microsoft.com/office/drawing/2014/main" id="{51BE6B70-A0C3-3DBB-9149-3C1387C9DE52}"/>
+                  </a:ext>
+                </a:extLst>
+              </p:cNvPr>
+              <p:cNvSpPr txBox="1"/>
+              <p:nvPr/>
+            </p:nvSpPr>
+            <p:spPr>
+              <a:xfrm>
+                <a:off x="7052624" y="3799684"/>
+                <a:ext cx="814038" cy="369332"/>
+              </a:xfrm>
+              <a:prstGeom prst="rect">
+                <a:avLst/>
+              </a:prstGeom>
+              <a:noFill/>
+            </p:spPr>
+            <p:txBody>
+              <a:bodyPr wrap="square" rtlCol="0">
+                <a:spAutoFit/>
+              </a:bodyPr>
+              <a:lstStyle/>
+              <a:p>
+                <a:pPr algn="ctr"/>
+                <a:r>
+                  <a:rPr lang="el-GR" dirty="0"/>
+                  <a:t>4.1</a:t>
+                </a:r>
+              </a:p>
+            </p:txBody>
+          </p:sp>
+        </p:grpSp>
+      </p:grpSp>
+    </p:spTree>
+    <p:extLst>
+      <p:ext uri="{BB962C8B-B14F-4D97-AF65-F5344CB8AC3E}">
+        <p14:creationId xmlns:p14="http://schemas.microsoft.com/office/powerpoint/2010/main" val="2317495897"/>
+      </p:ext>
+    </p:extLst>
+  </p:cSld>
+  <p:clrMapOvr>
+    <a:masterClrMapping/>
+  </p:clrMapOvr>
+</p:sld>
+</file>
+
+<file path=ppt/slides/slide17.xml><?xml version="1.0" encoding="utf-8"?>
+<p:sld xmlns:a="http://schemas.openxmlformats.org/drawingml/2006/main" xmlns:r="http://schemas.openxmlformats.org/officeDocument/2006/relationships" xmlns:p="http://schemas.openxmlformats.org/presentationml/2006/main">
+  <p:cSld>
+    <p:spTree>
+      <p:nvGrpSpPr>
+        <p:cNvPr id="1" name=""/>
+        <p:cNvGrpSpPr/>
+        <p:nvPr/>
+      </p:nvGrpSpPr>
+      <p:grpSpPr>
+        <a:xfrm>
+          <a:off x="0" y="0"/>
+          <a:ext cx="0" cy="0"/>
+          <a:chOff x="0" y="0"/>
+          <a:chExt cx="0" cy="0"/>
+        </a:xfrm>
+      </p:grpSpPr>
+      <p:sp>
+        <p:nvSpPr>
+          <p:cNvPr id="2" name="Τίτλος 1">
+            <a:extLst>
+              <a:ext uri="{FF2B5EF4-FFF2-40B4-BE49-F238E27FC236}">
+                <a16:creationId xmlns:a16="http://schemas.microsoft.com/office/drawing/2014/main" id="{9DC75596-FF6A-7B81-0B24-9A9ACDDA0864}"/>
+              </a:ext>
+            </a:extLst>
+          </p:cNvPr>
+          <p:cNvSpPr>
+            <a:spLocks noGrp="1"/>
+          </p:cNvSpPr>
+          <p:nvPr>
+            <p:ph type="title"/>
+          </p:nvPr>
+        </p:nvSpPr>
+        <p:spPr/>
+        <p:txBody>
+          <a:bodyPr/>
+          <a:lstStyle/>
+          <a:p>
+            <a:r>
+              <a:rPr lang="el-GR" dirty="0"/>
+              <a:t>Αλγόριθμος Σχηματισμού Δέντρου Τουρνουά</a:t>
+            </a:r>
+          </a:p>
+        </p:txBody>
+      </p:sp>
+      <p:grpSp>
+        <p:nvGrpSpPr>
+          <p:cNvPr id="38" name="Ομάδα 37">
+            <a:extLst>
+              <a:ext uri="{FF2B5EF4-FFF2-40B4-BE49-F238E27FC236}">
+                <a16:creationId xmlns:a16="http://schemas.microsoft.com/office/drawing/2014/main" id="{26FEBB01-8623-6748-7D81-85DED5BA29D7}"/>
+              </a:ext>
+            </a:extLst>
+          </p:cNvPr>
+          <p:cNvGrpSpPr/>
+          <p:nvPr/>
+        </p:nvGrpSpPr>
+        <p:grpSpPr>
+          <a:xfrm>
+            <a:off x="3116062" y="1843245"/>
+            <a:ext cx="6267635" cy="3794075"/>
+            <a:chOff x="3116062" y="1843245"/>
+            <a:chExt cx="6267635" cy="3794075"/>
+          </a:xfrm>
+        </p:grpSpPr>
+        <p:grpSp>
+          <p:nvGrpSpPr>
+            <p:cNvPr id="31" name="Ομάδα 30">
+              <a:extLst>
+                <a:ext uri="{FF2B5EF4-FFF2-40B4-BE49-F238E27FC236}">
+                  <a16:creationId xmlns:a16="http://schemas.microsoft.com/office/drawing/2014/main" id="{4E853AD9-6359-7B45-B0B2-DAEB7C8C57BF}"/>
+                </a:ext>
+              </a:extLst>
+            </p:cNvPr>
+            <p:cNvGrpSpPr/>
+            <p:nvPr/>
+          </p:nvGrpSpPr>
+          <p:grpSpPr>
+            <a:xfrm>
+              <a:off x="3116062" y="1843245"/>
+              <a:ext cx="6267635" cy="3794075"/>
+              <a:chOff x="1296140" y="2439172"/>
+              <a:chExt cx="4665956" cy="3171509"/>
+            </a:xfrm>
+          </p:grpSpPr>
+          <p:grpSp>
+            <p:nvGrpSpPr>
+              <p:cNvPr id="6" name="Ομάδα 5">
+                <a:extLst>
+                  <a:ext uri="{FF2B5EF4-FFF2-40B4-BE49-F238E27FC236}">
+                    <a16:creationId xmlns:a16="http://schemas.microsoft.com/office/drawing/2014/main" id="{E3288E76-16FA-FA2B-B86F-A9D6E899A452}"/>
+                  </a:ext>
+                </a:extLst>
+              </p:cNvPr>
+              <p:cNvGrpSpPr/>
+              <p:nvPr/>
+            </p:nvGrpSpPr>
+            <p:grpSpPr>
+              <a:xfrm>
+                <a:off x="2068497" y="2709515"/>
+                <a:ext cx="861134" cy="457509"/>
+                <a:chOff x="2068497" y="2574524"/>
+                <a:chExt cx="861134" cy="457509"/>
+              </a:xfrm>
+            </p:grpSpPr>
+            <p:sp>
+              <p:nvSpPr>
+                <p:cNvPr id="4" name="Ορθογώνιο 3">
+                  <a:extLst>
+                    <a:ext uri="{FF2B5EF4-FFF2-40B4-BE49-F238E27FC236}">
+                      <a16:creationId xmlns:a16="http://schemas.microsoft.com/office/drawing/2014/main" id="{57B53C5C-6935-9966-6FBC-13B481601AF9}"/>
+                    </a:ext>
+                  </a:extLst>
+                </p:cNvPr>
+                <p:cNvSpPr/>
+                <p:nvPr/>
+              </p:nvSpPr>
+              <p:spPr>
+                <a:xfrm>
+                  <a:off x="2068497" y="2574524"/>
+                  <a:ext cx="861134" cy="457509"/>
+                </a:xfrm>
+                <a:prstGeom prst="rect">
+                  <a:avLst/>
+                </a:prstGeom>
+                <a:ln>
+                  <a:noFill/>
+                </a:ln>
+                <a:effectLst>
+                  <a:glow rad="139700">
+                    <a:schemeClr val="accent1">
+                      <a:satMod val="175000"/>
+                      <a:alpha val="40000"/>
+                    </a:schemeClr>
+                  </a:glow>
+                </a:effectLst>
+              </p:spPr>
+              <p:style>
+                <a:lnRef idx="2">
+                  <a:schemeClr val="accent4">
+                    <a:shade val="50000"/>
+                  </a:schemeClr>
+                </a:lnRef>
+                <a:fillRef idx="1">
+                  <a:schemeClr val="accent4"/>
+                </a:fillRef>
+                <a:effectRef idx="0">
+                  <a:schemeClr val="accent4"/>
+                </a:effectRef>
+                <a:fontRef idx="minor">
+                  <a:schemeClr val="lt1"/>
+                </a:fontRef>
+              </p:style>
+              <p:txBody>
+                <a:bodyPr rtlCol="0" anchor="ctr"/>
+                <a:lstStyle/>
+                <a:p>
+                  <a:pPr algn="ctr"/>
+                  <a:endParaRPr lang="el-GR"/>
+                </a:p>
+              </p:txBody>
+            </p:sp>
+            <p:sp>
+              <p:nvSpPr>
+                <p:cNvPr id="5" name="TextBox 4">
+                  <a:extLst>
+                    <a:ext uri="{FF2B5EF4-FFF2-40B4-BE49-F238E27FC236}">
+                      <a16:creationId xmlns:a16="http://schemas.microsoft.com/office/drawing/2014/main" id="{F145A2C5-41D3-E507-982A-B5EFB567DD57}"/>
+                    </a:ext>
+                  </a:extLst>
+                </p:cNvPr>
+                <p:cNvSpPr txBox="1"/>
+                <p:nvPr/>
+              </p:nvSpPr>
+              <p:spPr>
+                <a:xfrm>
+                  <a:off x="2068497" y="2618612"/>
+                  <a:ext cx="861134" cy="308729"/>
+                </a:xfrm>
+                <a:prstGeom prst="rect">
+                  <a:avLst/>
+                </a:prstGeom>
+                <a:noFill/>
+              </p:spPr>
+              <p:txBody>
+                <a:bodyPr wrap="square" rtlCol="0">
+                  <a:spAutoFit/>
+                </a:bodyPr>
+                <a:lstStyle/>
+                <a:p>
+                  <a:pPr algn="ctr"/>
+                  <a:r>
+                    <a:rPr lang="el-GR" dirty="0"/>
+                    <a:t>0,0</a:t>
+                  </a:r>
+                </a:p>
+              </p:txBody>
+            </p:sp>
+          </p:grpSp>
+          <p:grpSp>
+            <p:nvGrpSpPr>
+              <p:cNvPr id="7" name="Ομάδα 6">
+                <a:extLst>
+                  <a:ext uri="{FF2B5EF4-FFF2-40B4-BE49-F238E27FC236}">
+                    <a16:creationId xmlns:a16="http://schemas.microsoft.com/office/drawing/2014/main" id="{85419129-61EF-C45B-B303-9088CD0C24BC}"/>
+                  </a:ext>
+                </a:extLst>
+              </p:cNvPr>
+              <p:cNvGrpSpPr/>
+              <p:nvPr/>
+            </p:nvGrpSpPr>
+            <p:grpSpPr>
+              <a:xfrm>
+                <a:off x="2068497" y="3462222"/>
+                <a:ext cx="861134" cy="457509"/>
+                <a:chOff x="2068497" y="2574524"/>
+                <a:chExt cx="861134" cy="457509"/>
+              </a:xfrm>
+            </p:grpSpPr>
+            <p:sp>
+              <p:nvSpPr>
+                <p:cNvPr id="8" name="Ορθογώνιο 7">
+                  <a:extLst>
+                    <a:ext uri="{FF2B5EF4-FFF2-40B4-BE49-F238E27FC236}">
+                      <a16:creationId xmlns:a16="http://schemas.microsoft.com/office/drawing/2014/main" id="{727D3959-01BF-26FB-D4CF-3A0FF24210DA}"/>
+                    </a:ext>
+                  </a:extLst>
+                </p:cNvPr>
+                <p:cNvSpPr/>
+                <p:nvPr/>
+              </p:nvSpPr>
+              <p:spPr>
+                <a:xfrm>
+                  <a:off x="2068497" y="2574524"/>
+                  <a:ext cx="861134" cy="457509"/>
+                </a:xfrm>
+                <a:prstGeom prst="rect">
+                  <a:avLst/>
+                </a:prstGeom>
+                <a:ln>
+                  <a:noFill/>
+                </a:ln>
+                <a:effectLst>
+                  <a:glow rad="139700">
+                    <a:schemeClr val="accent1">
+                      <a:satMod val="175000"/>
+                      <a:alpha val="40000"/>
+                    </a:schemeClr>
+                  </a:glow>
+                </a:effectLst>
+              </p:spPr>
+              <p:style>
+                <a:lnRef idx="2">
+                  <a:schemeClr val="accent4">
+                    <a:shade val="50000"/>
+                  </a:schemeClr>
+                </a:lnRef>
+                <a:fillRef idx="1">
+                  <a:schemeClr val="accent4"/>
+                </a:fillRef>
+                <a:effectRef idx="0">
+                  <a:schemeClr val="accent4"/>
+                </a:effectRef>
+                <a:fontRef idx="minor">
+                  <a:schemeClr val="lt1"/>
+                </a:fontRef>
+              </p:style>
+              <p:txBody>
+                <a:bodyPr rtlCol="0" anchor="ctr"/>
+                <a:lstStyle/>
+                <a:p>
+                  <a:pPr algn="ctr"/>
+                  <a:endParaRPr lang="el-GR"/>
+                </a:p>
+              </p:txBody>
+            </p:sp>
+            <p:sp>
+              <p:nvSpPr>
+                <p:cNvPr id="9" name="TextBox 8">
+                  <a:extLst>
+                    <a:ext uri="{FF2B5EF4-FFF2-40B4-BE49-F238E27FC236}">
+                      <a16:creationId xmlns:a16="http://schemas.microsoft.com/office/drawing/2014/main" id="{E0C47960-0B01-16B8-7D05-1A83E3DC2DEA}"/>
+                    </a:ext>
+                  </a:extLst>
+                </p:cNvPr>
+                <p:cNvSpPr txBox="1"/>
+                <p:nvPr/>
+              </p:nvSpPr>
+              <p:spPr>
+                <a:xfrm>
+                  <a:off x="2068497" y="2618612"/>
+                  <a:ext cx="861134" cy="308729"/>
+                </a:xfrm>
+                <a:prstGeom prst="rect">
+                  <a:avLst/>
+                </a:prstGeom>
+                <a:noFill/>
+              </p:spPr>
+              <p:txBody>
+                <a:bodyPr wrap="square" rtlCol="0">
+                  <a:spAutoFit/>
+                </a:bodyPr>
+                <a:lstStyle/>
+                <a:p>
+                  <a:pPr algn="ctr"/>
+                  <a:r>
+                    <a:rPr lang="el-GR" dirty="0"/>
+                    <a:t>8,0</a:t>
+                  </a:r>
+                </a:p>
+              </p:txBody>
+            </p:sp>
+          </p:grpSp>
+          <p:grpSp>
+            <p:nvGrpSpPr>
+              <p:cNvPr id="10" name="Ομάδα 9">
+                <a:extLst>
+                  <a:ext uri="{FF2B5EF4-FFF2-40B4-BE49-F238E27FC236}">
+                    <a16:creationId xmlns:a16="http://schemas.microsoft.com/office/drawing/2014/main" id="{3818500F-09ED-C75A-AA23-A0B97A3B6607}"/>
+                  </a:ext>
+                </a:extLst>
+              </p:cNvPr>
+              <p:cNvGrpSpPr/>
+              <p:nvPr/>
+            </p:nvGrpSpPr>
+            <p:grpSpPr>
+              <a:xfrm>
+                <a:off x="2068497" y="4400465"/>
+                <a:ext cx="861134" cy="457509"/>
+                <a:chOff x="2068497" y="2574524"/>
+                <a:chExt cx="861134" cy="457509"/>
+              </a:xfrm>
+            </p:grpSpPr>
+            <p:sp>
+              <p:nvSpPr>
+                <p:cNvPr id="11" name="Ορθογώνιο 10">
+                  <a:extLst>
+                    <a:ext uri="{FF2B5EF4-FFF2-40B4-BE49-F238E27FC236}">
+                      <a16:creationId xmlns:a16="http://schemas.microsoft.com/office/drawing/2014/main" id="{AB47972C-08C2-1892-3283-D3D6377D90DB}"/>
+                    </a:ext>
+                  </a:extLst>
+                </p:cNvPr>
+                <p:cNvSpPr/>
+                <p:nvPr/>
+              </p:nvSpPr>
+              <p:spPr>
+                <a:xfrm>
+                  <a:off x="2068497" y="2574524"/>
+                  <a:ext cx="861134" cy="457509"/>
+                </a:xfrm>
+                <a:prstGeom prst="rect">
+                  <a:avLst/>
+                </a:prstGeom>
+                <a:ln>
+                  <a:noFill/>
+                </a:ln>
+                <a:effectLst>
+                  <a:glow rad="139700">
+                    <a:schemeClr val="accent1">
+                      <a:satMod val="175000"/>
+                      <a:alpha val="40000"/>
+                    </a:schemeClr>
+                  </a:glow>
+                </a:effectLst>
+              </p:spPr>
+              <p:style>
+                <a:lnRef idx="2">
+                  <a:schemeClr val="accent4">
+                    <a:shade val="50000"/>
+                  </a:schemeClr>
+                </a:lnRef>
+                <a:fillRef idx="1">
+                  <a:schemeClr val="accent4"/>
+                </a:fillRef>
+                <a:effectRef idx="0">
+                  <a:schemeClr val="accent4"/>
+                </a:effectRef>
+                <a:fontRef idx="minor">
+                  <a:schemeClr val="lt1"/>
+                </a:fontRef>
+              </p:style>
+              <p:txBody>
+                <a:bodyPr rtlCol="0" anchor="ctr"/>
+                <a:lstStyle/>
+                <a:p>
+                  <a:pPr algn="ctr"/>
+                  <a:endParaRPr lang="el-GR"/>
+                </a:p>
+              </p:txBody>
+            </p:sp>
+            <p:sp>
+              <p:nvSpPr>
+                <p:cNvPr id="12" name="TextBox 11">
+                  <a:extLst>
+                    <a:ext uri="{FF2B5EF4-FFF2-40B4-BE49-F238E27FC236}">
+                      <a16:creationId xmlns:a16="http://schemas.microsoft.com/office/drawing/2014/main" id="{1FE9B483-5D01-B86B-4B51-6E41820E8B4D}"/>
+                    </a:ext>
+                  </a:extLst>
+                </p:cNvPr>
+                <p:cNvSpPr txBox="1"/>
+                <p:nvPr/>
+              </p:nvSpPr>
+              <p:spPr>
+                <a:xfrm>
+                  <a:off x="2068497" y="2618612"/>
+                  <a:ext cx="861134" cy="308729"/>
+                </a:xfrm>
+                <a:prstGeom prst="rect">
+                  <a:avLst/>
+                </a:prstGeom>
+                <a:noFill/>
+              </p:spPr>
+              <p:txBody>
+                <a:bodyPr wrap="square" rtlCol="0">
+                  <a:spAutoFit/>
+                </a:bodyPr>
+                <a:lstStyle/>
+                <a:p>
+                  <a:pPr algn="ctr"/>
+                  <a:r>
+                    <a:rPr lang="el-GR" dirty="0"/>
+                    <a:t>16,0</a:t>
+                  </a:r>
+                </a:p>
+              </p:txBody>
+            </p:sp>
+          </p:grpSp>
+          <p:grpSp>
+            <p:nvGrpSpPr>
+              <p:cNvPr id="13" name="Ομάδα 12">
+                <a:extLst>
+                  <a:ext uri="{FF2B5EF4-FFF2-40B4-BE49-F238E27FC236}">
+                    <a16:creationId xmlns:a16="http://schemas.microsoft.com/office/drawing/2014/main" id="{80F2929C-327C-BB32-8382-DC120758A80B}"/>
+                  </a:ext>
+                </a:extLst>
+              </p:cNvPr>
+              <p:cNvGrpSpPr/>
+              <p:nvPr/>
+            </p:nvGrpSpPr>
+            <p:grpSpPr>
+              <a:xfrm>
+                <a:off x="2068497" y="5153172"/>
+                <a:ext cx="861134" cy="457509"/>
+                <a:chOff x="2068497" y="2574524"/>
+                <a:chExt cx="861134" cy="457509"/>
+              </a:xfrm>
+            </p:grpSpPr>
+            <p:sp>
+              <p:nvSpPr>
+                <p:cNvPr id="14" name="Ορθογώνιο 13">
+                  <a:extLst>
+                    <a:ext uri="{FF2B5EF4-FFF2-40B4-BE49-F238E27FC236}">
+                      <a16:creationId xmlns:a16="http://schemas.microsoft.com/office/drawing/2014/main" id="{E48D7292-4244-FAF1-99FE-122F49E5120A}"/>
+                    </a:ext>
+                  </a:extLst>
+                </p:cNvPr>
+                <p:cNvSpPr/>
+                <p:nvPr/>
+              </p:nvSpPr>
+              <p:spPr>
+                <a:xfrm>
+                  <a:off x="2068497" y="2574524"/>
+                  <a:ext cx="861134" cy="457509"/>
+                </a:xfrm>
+                <a:prstGeom prst="rect">
+                  <a:avLst/>
+                </a:prstGeom>
+                <a:ln>
+                  <a:noFill/>
+                </a:ln>
+                <a:effectLst>
+                  <a:glow rad="139700">
+                    <a:schemeClr val="accent1">
+                      <a:satMod val="175000"/>
+                      <a:alpha val="40000"/>
+                    </a:schemeClr>
+                  </a:glow>
+                </a:effectLst>
+              </p:spPr>
+              <p:style>
+                <a:lnRef idx="2">
+                  <a:schemeClr val="accent4">
+                    <a:shade val="50000"/>
+                  </a:schemeClr>
+                </a:lnRef>
+                <a:fillRef idx="1">
+                  <a:schemeClr val="accent4"/>
+                </a:fillRef>
+                <a:effectRef idx="0">
+                  <a:schemeClr val="accent4"/>
+                </a:effectRef>
+                <a:fontRef idx="minor">
+                  <a:schemeClr val="lt1"/>
+                </a:fontRef>
+              </p:style>
+              <p:txBody>
+                <a:bodyPr rtlCol="0" anchor="ctr"/>
+                <a:lstStyle/>
+                <a:p>
+                  <a:pPr algn="ctr"/>
+                  <a:endParaRPr lang="el-GR"/>
+                </a:p>
+              </p:txBody>
+            </p:sp>
+            <p:sp>
+              <p:nvSpPr>
+                <p:cNvPr id="15" name="TextBox 14">
+                  <a:extLst>
+                    <a:ext uri="{FF2B5EF4-FFF2-40B4-BE49-F238E27FC236}">
+                      <a16:creationId xmlns:a16="http://schemas.microsoft.com/office/drawing/2014/main" id="{0A04E3BE-56E4-A4B7-9EA6-65D1E37636A9}"/>
+                    </a:ext>
+                  </a:extLst>
+                </p:cNvPr>
+                <p:cNvSpPr txBox="1"/>
+                <p:nvPr/>
+              </p:nvSpPr>
+              <p:spPr>
+                <a:xfrm>
+                  <a:off x="2068497" y="2618612"/>
+                  <a:ext cx="861134" cy="308729"/>
+                </a:xfrm>
+                <a:prstGeom prst="rect">
+                  <a:avLst/>
+                </a:prstGeom>
+                <a:noFill/>
+              </p:spPr>
+              <p:txBody>
+                <a:bodyPr wrap="square" rtlCol="0">
+                  <a:spAutoFit/>
+                </a:bodyPr>
+                <a:lstStyle/>
+                <a:p>
+                  <a:pPr algn="ctr"/>
+                  <a:r>
+                    <a:rPr lang="el-GR" dirty="0"/>
+                    <a:t>24,0</a:t>
+                  </a:r>
+                </a:p>
+              </p:txBody>
+            </p:sp>
+          </p:grpSp>
+          <p:grpSp>
+            <p:nvGrpSpPr>
+              <p:cNvPr id="16" name="Ομάδα 15">
+                <a:extLst>
+                  <a:ext uri="{FF2B5EF4-FFF2-40B4-BE49-F238E27FC236}">
+                    <a16:creationId xmlns:a16="http://schemas.microsoft.com/office/drawing/2014/main" id="{71D31B75-6175-EF0B-7647-8AB4F0523932}"/>
+                  </a:ext>
+                </a:extLst>
+              </p:cNvPr>
+              <p:cNvGrpSpPr/>
+              <p:nvPr/>
+            </p:nvGrpSpPr>
+            <p:grpSpPr>
+              <a:xfrm>
+                <a:off x="3729361" y="2971491"/>
+                <a:ext cx="861134" cy="457509"/>
+                <a:chOff x="2068497" y="2574524"/>
+                <a:chExt cx="861134" cy="457509"/>
+              </a:xfrm>
+            </p:grpSpPr>
+            <p:sp>
+              <p:nvSpPr>
+                <p:cNvPr id="17" name="Ορθογώνιο 16">
+                  <a:extLst>
+                    <a:ext uri="{FF2B5EF4-FFF2-40B4-BE49-F238E27FC236}">
+                      <a16:creationId xmlns:a16="http://schemas.microsoft.com/office/drawing/2014/main" id="{B3638929-C0C9-9C74-F909-48A970DD425E}"/>
+                    </a:ext>
+                  </a:extLst>
+                </p:cNvPr>
+                <p:cNvSpPr/>
+                <p:nvPr/>
+              </p:nvSpPr>
+              <p:spPr>
+                <a:xfrm>
+                  <a:off x="2068497" y="2574524"/>
+                  <a:ext cx="861134" cy="457509"/>
+                </a:xfrm>
+                <a:prstGeom prst="rect">
+                  <a:avLst/>
+                </a:prstGeom>
+                <a:ln>
+                  <a:noFill/>
+                </a:ln>
+                <a:effectLst>
+                  <a:glow rad="139700">
+                    <a:schemeClr val="accent1">
+                      <a:satMod val="175000"/>
+                      <a:alpha val="40000"/>
+                    </a:schemeClr>
+                  </a:glow>
+                </a:effectLst>
+              </p:spPr>
+              <p:style>
+                <a:lnRef idx="2">
+                  <a:schemeClr val="accent4">
+                    <a:shade val="50000"/>
+                  </a:schemeClr>
+                </a:lnRef>
+                <a:fillRef idx="1">
+                  <a:schemeClr val="accent4"/>
+                </a:fillRef>
+                <a:effectRef idx="0">
+                  <a:schemeClr val="accent4"/>
+                </a:effectRef>
+                <a:fontRef idx="minor">
+                  <a:schemeClr val="lt1"/>
+                </a:fontRef>
+              </p:style>
+              <p:txBody>
+                <a:bodyPr rtlCol="0" anchor="ctr"/>
+                <a:lstStyle/>
+                <a:p>
+                  <a:pPr algn="ctr"/>
+                  <a:endParaRPr lang="el-GR"/>
+                </a:p>
+              </p:txBody>
+            </p:sp>
+            <p:sp>
+              <p:nvSpPr>
+                <p:cNvPr id="18" name="TextBox 17">
+                  <a:extLst>
+                    <a:ext uri="{FF2B5EF4-FFF2-40B4-BE49-F238E27FC236}">
+                      <a16:creationId xmlns:a16="http://schemas.microsoft.com/office/drawing/2014/main" id="{70EEDD2F-1A69-A734-CA58-2C072F57F172}"/>
+                    </a:ext>
+                  </a:extLst>
+                </p:cNvPr>
+                <p:cNvSpPr txBox="1"/>
+                <p:nvPr/>
+              </p:nvSpPr>
+              <p:spPr>
+                <a:xfrm>
+                  <a:off x="2068497" y="2618612"/>
+                  <a:ext cx="861134" cy="308729"/>
+                </a:xfrm>
+                <a:prstGeom prst="rect">
+                  <a:avLst/>
+                </a:prstGeom>
+                <a:noFill/>
+              </p:spPr>
+              <p:txBody>
+                <a:bodyPr wrap="square" rtlCol="0">
+                  <a:spAutoFit/>
+                </a:bodyPr>
+                <a:lstStyle/>
+                <a:p>
+                  <a:pPr algn="ctr"/>
+                  <a:r>
+                    <a:rPr lang="el-GR" dirty="0"/>
+                    <a:t>4,4</a:t>
+                  </a:r>
+                </a:p>
+              </p:txBody>
+            </p:sp>
+          </p:grpSp>
+          <p:grpSp>
+            <p:nvGrpSpPr>
+              <p:cNvPr id="19" name="Ομάδα 18">
+                <a:extLst>
+                  <a:ext uri="{FF2B5EF4-FFF2-40B4-BE49-F238E27FC236}">
+                    <a16:creationId xmlns:a16="http://schemas.microsoft.com/office/drawing/2014/main" id="{7B83CD2A-3955-5178-F24F-3C8EBDB3FD0E}"/>
+                  </a:ext>
+                </a:extLst>
+              </p:cNvPr>
+              <p:cNvGrpSpPr/>
+              <p:nvPr/>
+            </p:nvGrpSpPr>
+            <p:grpSpPr>
+              <a:xfrm>
+                <a:off x="3729361" y="4753052"/>
+                <a:ext cx="861134" cy="457509"/>
+                <a:chOff x="2068497" y="2574524"/>
+                <a:chExt cx="861134" cy="457509"/>
+              </a:xfrm>
+            </p:grpSpPr>
+            <p:sp>
+              <p:nvSpPr>
+                <p:cNvPr id="20" name="Ορθογώνιο 19">
+                  <a:extLst>
+                    <a:ext uri="{FF2B5EF4-FFF2-40B4-BE49-F238E27FC236}">
+                      <a16:creationId xmlns:a16="http://schemas.microsoft.com/office/drawing/2014/main" id="{738DDB6C-252C-6ED1-CA2C-E9C6C730348F}"/>
+                    </a:ext>
+                  </a:extLst>
+                </p:cNvPr>
+                <p:cNvSpPr/>
+                <p:nvPr/>
+              </p:nvSpPr>
+              <p:spPr>
+                <a:xfrm>
+                  <a:off x="2068497" y="2574524"/>
+                  <a:ext cx="861134" cy="457509"/>
+                </a:xfrm>
+                <a:prstGeom prst="rect">
+                  <a:avLst/>
+                </a:prstGeom>
+                <a:ln>
+                  <a:noFill/>
+                </a:ln>
+                <a:effectLst>
+                  <a:glow rad="139700">
+                    <a:schemeClr val="accent1">
+                      <a:satMod val="175000"/>
+                      <a:alpha val="40000"/>
+                    </a:schemeClr>
+                  </a:glow>
+                </a:effectLst>
+              </p:spPr>
+              <p:style>
+                <a:lnRef idx="2">
+                  <a:schemeClr val="accent4">
+                    <a:shade val="50000"/>
+                  </a:schemeClr>
+                </a:lnRef>
+                <a:fillRef idx="1">
+                  <a:schemeClr val="accent4"/>
+                </a:fillRef>
+                <a:effectRef idx="0">
+                  <a:schemeClr val="accent4"/>
+                </a:effectRef>
+                <a:fontRef idx="minor">
+                  <a:schemeClr val="lt1"/>
+                </a:fontRef>
+              </p:style>
+              <p:txBody>
+                <a:bodyPr rtlCol="0" anchor="ctr"/>
+                <a:lstStyle/>
+                <a:p>
+                  <a:pPr algn="ctr"/>
+                  <a:endParaRPr lang="el-GR"/>
+                </a:p>
+              </p:txBody>
+            </p:sp>
+            <p:sp>
+              <p:nvSpPr>
+                <p:cNvPr id="21" name="TextBox 20">
+                  <a:extLst>
+                    <a:ext uri="{FF2B5EF4-FFF2-40B4-BE49-F238E27FC236}">
+                      <a16:creationId xmlns:a16="http://schemas.microsoft.com/office/drawing/2014/main" id="{C80AADE7-8DA8-E843-E43A-3E61FD48A4D0}"/>
+                    </a:ext>
+                  </a:extLst>
+                </p:cNvPr>
+                <p:cNvSpPr txBox="1"/>
+                <p:nvPr/>
+              </p:nvSpPr>
+              <p:spPr>
+                <a:xfrm>
+                  <a:off x="2068497" y="2618612"/>
+                  <a:ext cx="861134" cy="308729"/>
+                </a:xfrm>
+                <a:prstGeom prst="rect">
+                  <a:avLst/>
+                </a:prstGeom>
+                <a:noFill/>
+              </p:spPr>
+              <p:txBody>
+                <a:bodyPr wrap="square" rtlCol="0">
+                  <a:spAutoFit/>
+                </a:bodyPr>
+                <a:lstStyle/>
+                <a:p>
+                  <a:pPr algn="ctr"/>
+                  <a:r>
+                    <a:rPr lang="el-GR" dirty="0"/>
+                    <a:t>20,4</a:t>
+                  </a:r>
+                </a:p>
+              </p:txBody>
+            </p:sp>
+          </p:grpSp>
+          <p:grpSp>
+            <p:nvGrpSpPr>
+              <p:cNvPr id="22" name="Ομάδα 21">
+                <a:extLst>
+                  <a:ext uri="{FF2B5EF4-FFF2-40B4-BE49-F238E27FC236}">
+                    <a16:creationId xmlns:a16="http://schemas.microsoft.com/office/drawing/2014/main" id="{ACBDBFD6-4D06-9E19-ABA5-C389F424EF11}"/>
+                  </a:ext>
+                </a:extLst>
+              </p:cNvPr>
+              <p:cNvGrpSpPr/>
+              <p:nvPr/>
+            </p:nvGrpSpPr>
+            <p:grpSpPr>
+              <a:xfrm>
+                <a:off x="5100962" y="3825968"/>
+                <a:ext cx="861134" cy="457509"/>
+                <a:chOff x="2068497" y="2574524"/>
+                <a:chExt cx="861134" cy="457509"/>
+              </a:xfrm>
+            </p:grpSpPr>
+            <p:sp>
+              <p:nvSpPr>
+                <p:cNvPr id="23" name="Ορθογώνιο 22">
+                  <a:extLst>
+                    <a:ext uri="{FF2B5EF4-FFF2-40B4-BE49-F238E27FC236}">
+                      <a16:creationId xmlns:a16="http://schemas.microsoft.com/office/drawing/2014/main" id="{E15AC403-EE2F-2036-CD72-FD18201AA91E}"/>
+                    </a:ext>
+                  </a:extLst>
+                </p:cNvPr>
+                <p:cNvSpPr/>
+                <p:nvPr/>
+              </p:nvSpPr>
+              <p:spPr>
+                <a:xfrm>
+                  <a:off x="2068497" y="2574524"/>
+                  <a:ext cx="861134" cy="457509"/>
+                </a:xfrm>
+                <a:prstGeom prst="rect">
+                  <a:avLst/>
+                </a:prstGeom>
+                <a:ln>
+                  <a:noFill/>
+                </a:ln>
+                <a:effectLst>
+                  <a:glow rad="139700">
+                    <a:schemeClr val="accent1">
+                      <a:satMod val="175000"/>
+                      <a:alpha val="40000"/>
+                    </a:schemeClr>
+                  </a:glow>
+                </a:effectLst>
+              </p:spPr>
+              <p:style>
+                <a:lnRef idx="2">
+                  <a:schemeClr val="accent4">
+                    <a:shade val="50000"/>
+                  </a:schemeClr>
+                </a:lnRef>
+                <a:fillRef idx="1">
+                  <a:schemeClr val="accent4"/>
+                </a:fillRef>
+                <a:effectRef idx="0">
+                  <a:schemeClr val="accent4"/>
+                </a:effectRef>
+                <a:fontRef idx="minor">
+                  <a:schemeClr val="lt1"/>
+                </a:fontRef>
+              </p:style>
+              <p:txBody>
+                <a:bodyPr rtlCol="0" anchor="ctr"/>
+                <a:lstStyle/>
+                <a:p>
+                  <a:pPr algn="ctr"/>
+                  <a:endParaRPr lang="el-GR"/>
+                </a:p>
+              </p:txBody>
+            </p:sp>
+            <p:sp>
+              <p:nvSpPr>
+                <p:cNvPr id="24" name="TextBox 23">
+                  <a:extLst>
+                    <a:ext uri="{FF2B5EF4-FFF2-40B4-BE49-F238E27FC236}">
+                      <a16:creationId xmlns:a16="http://schemas.microsoft.com/office/drawing/2014/main" id="{809400D9-E809-3651-79E8-0293E1FAF0FC}"/>
+                    </a:ext>
+                  </a:extLst>
+                </p:cNvPr>
+                <p:cNvSpPr txBox="1"/>
+                <p:nvPr/>
+              </p:nvSpPr>
+              <p:spPr>
+                <a:xfrm>
+                  <a:off x="2068497" y="2618612"/>
+                  <a:ext cx="861134" cy="308729"/>
+                </a:xfrm>
+                <a:prstGeom prst="rect">
+                  <a:avLst/>
+                </a:prstGeom>
+                <a:noFill/>
+              </p:spPr>
+              <p:txBody>
+                <a:bodyPr wrap="square" rtlCol="0">
+                  <a:spAutoFit/>
+                </a:bodyPr>
+                <a:lstStyle/>
+                <a:p>
+                  <a:pPr algn="ctr"/>
+                  <a:r>
+                    <a:rPr lang="el-GR" dirty="0"/>
+                    <a:t>12,8</a:t>
+                  </a:r>
+                </a:p>
+              </p:txBody>
+            </p:sp>
+          </p:grpSp>
+          <p:sp>
+            <p:nvSpPr>
+              <p:cNvPr id="25" name="TextBox 24">
+                <a:extLst>
+                  <a:ext uri="{FF2B5EF4-FFF2-40B4-BE49-F238E27FC236}">
+                    <a16:creationId xmlns:a16="http://schemas.microsoft.com/office/drawing/2014/main" id="{0075BB86-775A-D183-87B1-BC54D3BFEBFC}"/>
+                  </a:ext>
+                </a:extLst>
+              </p:cNvPr>
+              <p:cNvSpPr txBox="1"/>
+              <p:nvPr/>
+            </p:nvSpPr>
+            <p:spPr>
+              <a:xfrm>
+                <a:off x="1296140" y="3139707"/>
+                <a:ext cx="1748901" cy="488820"/>
+              </a:xfrm>
+              <a:prstGeom prst="rect">
+                <a:avLst/>
+              </a:prstGeom>
+              <a:noFill/>
+            </p:spPr>
+            <p:txBody>
+              <a:bodyPr wrap="square" rtlCol="0">
+                <a:spAutoFit/>
+              </a:bodyPr>
+              <a:lstStyle/>
+              <a:p>
+                <a:pPr algn="ctr"/>
+                <a:r>
+                  <a:rPr lang="el-GR" sz="1600" dirty="0"/>
+                  <a:t>+</a:t>
+                </a:r>
+                <a:r>
+                  <a:rPr lang="en-US" sz="1600" dirty="0"/>
+                  <a:t>add_param = 8</a:t>
+                </a:r>
+              </a:p>
+              <a:p>
+                <a:pPr algn="ctr"/>
+                <a:endParaRPr lang="el-GR" sz="1600" dirty="0"/>
+              </a:p>
+            </p:txBody>
+          </p:sp>
+          <p:sp>
+            <p:nvSpPr>
+              <p:cNvPr id="26" name="TextBox 25">
+                <a:extLst>
+                  <a:ext uri="{FF2B5EF4-FFF2-40B4-BE49-F238E27FC236}">
+                    <a16:creationId xmlns:a16="http://schemas.microsoft.com/office/drawing/2014/main" id="{082F6983-6449-A1CA-7853-A5A0C6C24C92}"/>
+                  </a:ext>
+                </a:extLst>
+              </p:cNvPr>
+              <p:cNvSpPr txBox="1"/>
+              <p:nvPr/>
+            </p:nvSpPr>
+            <p:spPr>
+              <a:xfrm>
+                <a:off x="1296140" y="4019680"/>
+                <a:ext cx="1748901" cy="488820"/>
+              </a:xfrm>
+              <a:prstGeom prst="rect">
+                <a:avLst/>
+              </a:prstGeom>
+              <a:noFill/>
+            </p:spPr>
+            <p:txBody>
+              <a:bodyPr wrap="square" rtlCol="0">
+                <a:spAutoFit/>
+              </a:bodyPr>
+              <a:lstStyle/>
+              <a:p>
+                <a:pPr algn="ctr"/>
+                <a:r>
+                  <a:rPr lang="el-GR" sz="1600" dirty="0"/>
+                  <a:t>+</a:t>
+                </a:r>
+                <a:r>
+                  <a:rPr lang="en-US" sz="1600" dirty="0"/>
+                  <a:t>add_param = 8</a:t>
+                </a:r>
+              </a:p>
+              <a:p>
+                <a:pPr algn="ctr"/>
+                <a:endParaRPr lang="el-GR" sz="1600" dirty="0"/>
+              </a:p>
+            </p:txBody>
+          </p:sp>
+          <p:sp>
+            <p:nvSpPr>
+              <p:cNvPr id="27" name="TextBox 26">
+                <a:extLst>
+                  <a:ext uri="{FF2B5EF4-FFF2-40B4-BE49-F238E27FC236}">
+                    <a16:creationId xmlns:a16="http://schemas.microsoft.com/office/drawing/2014/main" id="{2C7E9156-FFA6-37BA-2452-F36144B81C8B}"/>
+                  </a:ext>
+                </a:extLst>
+              </p:cNvPr>
+              <p:cNvSpPr txBox="1"/>
+              <p:nvPr/>
+            </p:nvSpPr>
+            <p:spPr>
+              <a:xfrm>
+                <a:off x="1296140" y="4855941"/>
+                <a:ext cx="1748901" cy="488820"/>
+              </a:xfrm>
+              <a:prstGeom prst="rect">
+                <a:avLst/>
+              </a:prstGeom>
+              <a:noFill/>
+            </p:spPr>
+            <p:txBody>
+              <a:bodyPr wrap="square" rtlCol="0">
+                <a:spAutoFit/>
+              </a:bodyPr>
+              <a:lstStyle/>
+              <a:p>
+                <a:pPr algn="ctr"/>
+                <a:r>
+                  <a:rPr lang="el-GR" sz="1600" dirty="0"/>
+                  <a:t>+</a:t>
+                </a:r>
+                <a:r>
+                  <a:rPr lang="en-US" sz="1600" dirty="0"/>
+                  <a:t>add_param = 8</a:t>
+                </a:r>
+              </a:p>
+              <a:p>
+                <a:pPr algn="ctr"/>
+                <a:endParaRPr lang="el-GR" sz="1600" dirty="0"/>
+              </a:p>
+            </p:txBody>
+          </p:sp>
+          <p:sp>
+            <p:nvSpPr>
+              <p:cNvPr id="28" name="TextBox 27">
+                <a:extLst>
+                  <a:ext uri="{FF2B5EF4-FFF2-40B4-BE49-F238E27FC236}">
+                    <a16:creationId xmlns:a16="http://schemas.microsoft.com/office/drawing/2014/main" id="{FD5B69C6-26D8-984A-7608-AB09BCDD9884}"/>
+                  </a:ext>
+                </a:extLst>
+              </p:cNvPr>
+              <p:cNvSpPr txBox="1"/>
+              <p:nvPr/>
+            </p:nvSpPr>
+            <p:spPr>
+              <a:xfrm>
+                <a:off x="2929632" y="2439172"/>
+                <a:ext cx="861134" cy="488820"/>
+              </a:xfrm>
+              <a:prstGeom prst="rect">
+                <a:avLst/>
+              </a:prstGeom>
+              <a:noFill/>
+            </p:spPr>
+            <p:txBody>
+              <a:bodyPr wrap="square" rtlCol="0">
+                <a:spAutoFit/>
+              </a:bodyPr>
+              <a:lstStyle/>
+              <a:p>
+                <a:pPr algn="ctr"/>
+                <a:r>
+                  <a:rPr lang="el-GR" sz="1600" dirty="0"/>
+                  <a:t>+</a:t>
+                </a:r>
+                <a:r>
+                  <a:rPr lang="en-US" sz="1600" dirty="0"/>
+                  <a:t>col = 4</a:t>
+                </a:r>
+              </a:p>
+              <a:p>
+                <a:pPr algn="ctr"/>
+                <a:endParaRPr lang="el-GR" sz="1600" dirty="0"/>
+              </a:p>
+            </p:txBody>
+          </p:sp>
+          <p:sp>
+            <p:nvSpPr>
+              <p:cNvPr id="29" name="TextBox 28">
+                <a:extLst>
+                  <a:ext uri="{FF2B5EF4-FFF2-40B4-BE49-F238E27FC236}">
+                    <a16:creationId xmlns:a16="http://schemas.microsoft.com/office/drawing/2014/main" id="{8E4269B7-B28C-C289-E627-12DDB8C129FA}"/>
+                  </a:ext>
+                </a:extLst>
+              </p:cNvPr>
+              <p:cNvSpPr txBox="1"/>
+              <p:nvPr/>
+            </p:nvSpPr>
+            <p:spPr>
+              <a:xfrm>
+                <a:off x="4573479" y="2439172"/>
+                <a:ext cx="861134" cy="488820"/>
+              </a:xfrm>
+              <a:prstGeom prst="rect">
+                <a:avLst/>
+              </a:prstGeom>
+              <a:noFill/>
+            </p:spPr>
+            <p:txBody>
+              <a:bodyPr wrap="square" rtlCol="0">
+                <a:spAutoFit/>
+              </a:bodyPr>
+              <a:lstStyle/>
+              <a:p>
+                <a:pPr algn="ctr"/>
+                <a:r>
+                  <a:rPr lang="el-GR" sz="1600" dirty="0"/>
+                  <a:t>+</a:t>
+                </a:r>
+                <a:r>
+                  <a:rPr lang="en-US" sz="1600" dirty="0"/>
+                  <a:t>col = 4</a:t>
+                </a:r>
+              </a:p>
+              <a:p>
+                <a:pPr algn="ctr"/>
+                <a:endParaRPr lang="el-GR" sz="1600" dirty="0"/>
+              </a:p>
+            </p:txBody>
+          </p:sp>
+          <p:sp>
+            <p:nvSpPr>
+              <p:cNvPr id="30" name="TextBox 29">
+                <a:extLst>
+                  <a:ext uri="{FF2B5EF4-FFF2-40B4-BE49-F238E27FC236}">
+                    <a16:creationId xmlns:a16="http://schemas.microsoft.com/office/drawing/2014/main" id="{928B2C06-2471-C70A-3B03-FA7516067EAF}"/>
+                  </a:ext>
+                </a:extLst>
+              </p:cNvPr>
+              <p:cNvSpPr txBox="1"/>
+              <p:nvPr/>
+            </p:nvSpPr>
+            <p:spPr>
+              <a:xfrm>
+                <a:off x="3198551" y="3869524"/>
+                <a:ext cx="1748901" cy="488820"/>
+              </a:xfrm>
+              <a:prstGeom prst="rect">
+                <a:avLst/>
+              </a:prstGeom>
+              <a:noFill/>
+            </p:spPr>
+            <p:txBody>
+              <a:bodyPr wrap="square" rtlCol="0">
+                <a:spAutoFit/>
+              </a:bodyPr>
+              <a:lstStyle/>
+              <a:p>
+                <a:pPr algn="ctr"/>
+                <a:r>
+                  <a:rPr lang="el-GR" sz="1600" dirty="0"/>
+                  <a:t>+</a:t>
+                </a:r>
+                <a:r>
+                  <a:rPr lang="en-US" sz="1600" dirty="0"/>
+                  <a:t>add_param = 16</a:t>
+                </a:r>
+              </a:p>
+              <a:p>
+                <a:pPr algn="ctr"/>
+                <a:endParaRPr lang="el-GR" sz="1600" dirty="0"/>
+              </a:p>
+            </p:txBody>
+          </p:sp>
+        </p:grpSp>
+        <p:sp>
+          <p:nvSpPr>
+            <p:cNvPr id="36" name="Βέλος: Κάτω 35">
+              <a:extLst>
+                <a:ext uri="{FF2B5EF4-FFF2-40B4-BE49-F238E27FC236}">
+                  <a16:creationId xmlns:a16="http://schemas.microsoft.com/office/drawing/2014/main" id="{A7221697-534D-7EA2-0091-827F4D08DA80}"/>
+                </a:ext>
+              </a:extLst>
+            </p:cNvPr>
+            <p:cNvSpPr/>
+            <p:nvPr/>
+          </p:nvSpPr>
+          <p:spPr>
+            <a:xfrm>
+              <a:off x="6766481" y="1906923"/>
+              <a:ext cx="204186" cy="689555"/>
+            </a:xfrm>
+            <a:prstGeom prst="downArrow">
+              <a:avLst/>
+            </a:prstGeom>
+          </p:spPr>
+          <p:style>
+            <a:lnRef idx="2">
+              <a:schemeClr val="accent6">
+                <a:shade val="50000"/>
+              </a:schemeClr>
+            </a:lnRef>
+            <a:fillRef idx="1">
+              <a:schemeClr val="accent6"/>
+            </a:fillRef>
+            <a:effectRef idx="0">
+              <a:schemeClr val="accent6"/>
+            </a:effectRef>
+            <a:fontRef idx="minor">
+              <a:schemeClr val="lt1"/>
+            </a:fontRef>
+          </p:style>
+          <p:txBody>
+            <a:bodyPr rtlCol="0" anchor="ctr"/>
+            <a:lstStyle/>
+            <a:p>
+              <a:pPr algn="ctr"/>
+              <a:endParaRPr lang="el-GR"/>
+            </a:p>
+          </p:txBody>
+        </p:sp>
+        <p:sp>
+          <p:nvSpPr>
+            <p:cNvPr id="37" name="Βέλος: Κάτω 36">
+              <a:extLst>
+                <a:ext uri="{FF2B5EF4-FFF2-40B4-BE49-F238E27FC236}">
+                  <a16:creationId xmlns:a16="http://schemas.microsoft.com/office/drawing/2014/main" id="{D2688ED0-FFC8-7092-C553-83D7285CA49F}"/>
+                </a:ext>
+              </a:extLst>
+            </p:cNvPr>
+            <p:cNvSpPr/>
+            <p:nvPr/>
+          </p:nvSpPr>
+          <p:spPr>
+            <a:xfrm>
+              <a:off x="8615521" y="2914274"/>
+              <a:ext cx="204186" cy="689555"/>
+            </a:xfrm>
+            <a:prstGeom prst="downArrow">
+              <a:avLst/>
+            </a:prstGeom>
+          </p:spPr>
+          <p:style>
+            <a:lnRef idx="2">
+              <a:schemeClr val="accent6">
+                <a:shade val="50000"/>
+              </a:schemeClr>
+            </a:lnRef>
+            <a:fillRef idx="1">
+              <a:schemeClr val="accent6"/>
+            </a:fillRef>
+            <a:effectRef idx="0">
+              <a:schemeClr val="accent6"/>
+            </a:effectRef>
+            <a:fontRef idx="minor">
+              <a:schemeClr val="lt1"/>
+            </a:fontRef>
+          </p:style>
+          <p:txBody>
+            <a:bodyPr rtlCol="0" anchor="ctr"/>
+            <a:lstStyle/>
+            <a:p>
+              <a:pPr algn="ctr"/>
+              <a:endParaRPr lang="el-GR"/>
+            </a:p>
+          </p:txBody>
+        </p:sp>
+      </p:grpSp>
+    </p:spTree>
+    <p:extLst>
+      <p:ext uri="{BB962C8B-B14F-4D97-AF65-F5344CB8AC3E}">
+        <p14:creationId xmlns:p14="http://schemas.microsoft.com/office/powerpoint/2010/main" val="2006571671"/>
+      </p:ext>
+    </p:extLst>
+  </p:cSld>
+  <p:clrMapOvr>
+    <a:masterClrMapping/>
+  </p:clrMapOvr>
+</p:sld>
+</file>
+
+<file path=ppt/slides/slide18.xml><?xml version="1.0" encoding="utf-8"?>
 <p:sld xmlns:a="http://schemas.openxmlformats.org/drawingml/2006/main" xmlns:r="http://schemas.openxmlformats.org/officeDocument/2006/relationships" xmlns:p="http://schemas.openxmlformats.org/presentationml/2006/main">
   <p:cSld>
     <p:spTree>
@@ -4709,7 +8162,7 @@
 </p:sld>
 </file>
 
-<file path=ppt/slides/slide13.xml><?xml version="1.0" encoding="utf-8"?>
+<file path=ppt/slides/slide19.xml><?xml version="1.0" encoding="utf-8"?>
 <p:sld xmlns:a="http://schemas.openxmlformats.org/drawingml/2006/main" xmlns:r="http://schemas.openxmlformats.org/officeDocument/2006/relationships" xmlns:p="http://schemas.openxmlformats.org/presentationml/2006/main">
   <p:cSld>
     <p:spTree>
@@ -4777,8 +8230,8 @@
         </p:blipFill>
         <p:spPr>
           <a:xfrm>
-            <a:off x="995090" y="1882367"/>
-            <a:ext cx="4636135" cy="3620362"/>
+            <a:off x="838200" y="1690688"/>
+            <a:ext cx="4636135" cy="2840553"/>
           </a:xfrm>
           <a:prstGeom prst="rect">
             <a:avLst/>
@@ -4807,8 +8260,8 @@
         </p:blipFill>
         <p:spPr>
           <a:xfrm>
-            <a:off x="6494508" y="1882367"/>
-            <a:ext cx="4859292" cy="3620361"/>
+            <a:off x="6717664" y="1690688"/>
+            <a:ext cx="4636136" cy="2840554"/>
           </a:xfrm>
           <a:prstGeom prst="rect">
             <a:avLst/>
@@ -4828,7 +8281,413 @@
 </p:sld>
 </file>
 
-<file path=ppt/slides/slide14.xml><?xml version="1.0" encoding="utf-8"?>
+<file path=ppt/slides/slide2.xml><?xml version="1.0" encoding="utf-8"?>
+<p:sld xmlns:a="http://schemas.openxmlformats.org/drawingml/2006/main" xmlns:r="http://schemas.openxmlformats.org/officeDocument/2006/relationships" xmlns:p="http://schemas.openxmlformats.org/presentationml/2006/main">
+  <p:cSld>
+    <p:spTree>
+      <p:nvGrpSpPr>
+        <p:cNvPr id="1" name=""/>
+        <p:cNvGrpSpPr/>
+        <p:nvPr/>
+      </p:nvGrpSpPr>
+      <p:grpSpPr>
+        <a:xfrm>
+          <a:off x="0" y="0"/>
+          <a:ext cx="0" cy="0"/>
+          <a:chOff x="0" y="0"/>
+          <a:chExt cx="0" cy="0"/>
+        </a:xfrm>
+      </p:grpSpPr>
+      <p:sp>
+        <p:nvSpPr>
+          <p:cNvPr id="2" name="Τίτλος 1">
+            <a:extLst>
+              <a:ext uri="{FF2B5EF4-FFF2-40B4-BE49-F238E27FC236}">
+                <a16:creationId xmlns:a16="http://schemas.microsoft.com/office/drawing/2014/main" id="{BC7E1FB2-9334-4259-AADA-B0EA72EC999F}"/>
+              </a:ext>
+            </a:extLst>
+          </p:cNvPr>
+          <p:cNvSpPr>
+            <a:spLocks noGrp="1"/>
+          </p:cNvSpPr>
+          <p:nvPr>
+            <p:ph type="title"/>
+          </p:nvPr>
+        </p:nvSpPr>
+        <p:spPr/>
+        <p:txBody>
+          <a:bodyPr/>
+          <a:lstStyle/>
+          <a:p>
+            <a:r>
+              <a:rPr lang="el-GR" dirty="0"/>
+              <a:t>Στόχος Προγραμματιστικού </a:t>
+            </a:r>
+            <a:r>
+              <a:rPr lang="en-US" dirty="0"/>
+              <a:t>Project</a:t>
+            </a:r>
+            <a:endParaRPr lang="el-GR" dirty="0"/>
+          </a:p>
+        </p:txBody>
+      </p:sp>
+      <p:sp>
+        <p:nvSpPr>
+          <p:cNvPr id="3" name="Θέση περιεχομένου 2">
+            <a:extLst>
+              <a:ext uri="{FF2B5EF4-FFF2-40B4-BE49-F238E27FC236}">
+                <a16:creationId xmlns:a16="http://schemas.microsoft.com/office/drawing/2014/main" id="{74876245-B0A1-438C-A123-2875D726F7AE}"/>
+              </a:ext>
+            </a:extLst>
+          </p:cNvPr>
+          <p:cNvSpPr>
+            <a:spLocks noGrp="1"/>
+          </p:cNvSpPr>
+          <p:nvPr>
+            <p:ph idx="1"/>
+          </p:nvPr>
+        </p:nvSpPr>
+        <p:spPr>
+          <a:xfrm>
+            <a:off x="838200" y="1825624"/>
+            <a:ext cx="10515600" cy="4460876"/>
+          </a:xfrm>
+        </p:spPr>
+        <p:txBody>
+          <a:bodyPr>
+            <a:normAutofit/>
+          </a:bodyPr>
+          <a:lstStyle/>
+          <a:p>
+            <a:r>
+              <a:rPr lang="el-GR" dirty="0"/>
+              <a:t>Υλοποίηση ολοκληρωμένου προγράμματος με </a:t>
+            </a:r>
+            <a:r>
+              <a:rPr lang="en-US" dirty="0"/>
+              <a:t>Front-End </a:t>
+            </a:r>
+            <a:r>
+              <a:rPr lang="el-GR" dirty="0"/>
+              <a:t>και </a:t>
+            </a:r>
+            <a:r>
+              <a:rPr lang="en-US" dirty="0"/>
+              <a:t>Back-End </a:t>
+            </a:r>
+            <a:r>
+              <a:rPr lang="el-GR" dirty="0"/>
+              <a:t>υλοποίηση σε </a:t>
+            </a:r>
+            <a:r>
+              <a:rPr lang="en-US" dirty="0"/>
+              <a:t>Python </a:t>
+            </a:r>
+            <a:r>
+              <a:rPr lang="el-GR" dirty="0"/>
+              <a:t>που να υποστηρίζει το αυστραλιανό πρωτάθλημα τένις.</a:t>
+            </a:r>
+            <a:endParaRPr lang="en-US" dirty="0"/>
+          </a:p>
+          <a:p>
+            <a:endParaRPr lang="el-GR" dirty="0"/>
+          </a:p>
+          <a:p>
+            <a:r>
+              <a:rPr lang="el-GR" dirty="0"/>
+              <a:t>Απαιτήσεις: </a:t>
+            </a:r>
+          </a:p>
+          <a:p>
+            <a:pPr lvl="1"/>
+            <a:r>
+              <a:rPr lang="el-GR" dirty="0"/>
+              <a:t>Λήψη δεδομένων από ιστότοπο του </a:t>
+            </a:r>
+            <a:r>
+              <a:rPr lang="en-US" dirty="0"/>
+              <a:t>AUSOPEN.</a:t>
+            </a:r>
+          </a:p>
+          <a:p>
+            <a:pPr lvl="1"/>
+            <a:r>
+              <a:rPr lang="el-GR" dirty="0"/>
+              <a:t>Καταχώρηση δεδομένων σε κατάλληλη δομή για μόνιμη αποθήκευση.</a:t>
+            </a:r>
+          </a:p>
+          <a:p>
+            <a:pPr lvl="1"/>
+            <a:r>
+              <a:rPr lang="el-GR" dirty="0"/>
+              <a:t>Σχεδιασμός αλγορίθμου για κλήρωση παικτών και ομαδοποίηση σε </a:t>
+            </a:r>
+            <a:r>
+              <a:rPr lang="en-US" dirty="0"/>
+              <a:t>groups.</a:t>
+            </a:r>
+          </a:p>
+          <a:p>
+            <a:pPr lvl="1"/>
+            <a:r>
+              <a:rPr lang="el-GR" dirty="0"/>
+              <a:t>Ανάπτυξη γραφικής διεπαφής τόσο για προβολή δεδομένων αλλά και αλληλεπίδραση με το χρήστη.</a:t>
+            </a:r>
+          </a:p>
+          <a:p>
+            <a:pPr marL="0" indent="0">
+              <a:buNone/>
+            </a:pPr>
+            <a:endParaRPr lang="el-GR" dirty="0"/>
+          </a:p>
+        </p:txBody>
+      </p:sp>
+    </p:spTree>
+    <p:extLst>
+      <p:ext uri="{BB962C8B-B14F-4D97-AF65-F5344CB8AC3E}">
+        <p14:creationId xmlns:p14="http://schemas.microsoft.com/office/powerpoint/2010/main" val="187234778"/>
+      </p:ext>
+    </p:extLst>
+  </p:cSld>
+  <p:clrMapOvr>
+    <a:masterClrMapping/>
+  </p:clrMapOvr>
+</p:sld>
+</file>
+
+<file path=ppt/slides/slide20.xml><?xml version="1.0" encoding="utf-8"?>
+<p:sld xmlns:a="http://schemas.openxmlformats.org/drawingml/2006/main" xmlns:r="http://schemas.openxmlformats.org/officeDocument/2006/relationships" xmlns:p="http://schemas.openxmlformats.org/presentationml/2006/main">
+  <p:cSld>
+    <p:spTree>
+      <p:nvGrpSpPr>
+        <p:cNvPr id="1" name=""/>
+        <p:cNvGrpSpPr/>
+        <p:nvPr/>
+      </p:nvGrpSpPr>
+      <p:grpSpPr>
+        <a:xfrm>
+          <a:off x="0" y="0"/>
+          <a:ext cx="0" cy="0"/>
+          <a:chOff x="0" y="0"/>
+          <a:chExt cx="0" cy="0"/>
+        </a:xfrm>
+      </p:grpSpPr>
+      <p:sp>
+        <p:nvSpPr>
+          <p:cNvPr id="2" name="Τίτλος 1">
+            <a:extLst>
+              <a:ext uri="{FF2B5EF4-FFF2-40B4-BE49-F238E27FC236}">
+                <a16:creationId xmlns:a16="http://schemas.microsoft.com/office/drawing/2014/main" id="{057D4748-3A99-5F57-3876-FB91478A62D9}"/>
+              </a:ext>
+            </a:extLst>
+          </p:cNvPr>
+          <p:cNvSpPr>
+            <a:spLocks noGrp="1"/>
+          </p:cNvSpPr>
+          <p:nvPr>
+            <p:ph type="title"/>
+          </p:nvPr>
+        </p:nvSpPr>
+        <p:spPr/>
+        <p:txBody>
+          <a:bodyPr/>
+          <a:lstStyle/>
+          <a:p>
+            <a:r>
+              <a:rPr lang="el-GR" dirty="0"/>
+              <a:t>Επεξήγηση Αλγορίθμου στη </a:t>
+            </a:r>
+            <a:r>
+              <a:rPr lang="en-US" dirty="0"/>
+              <a:t>Score Page</a:t>
+            </a:r>
+            <a:endParaRPr lang="el-GR" dirty="0"/>
+          </a:p>
+        </p:txBody>
+      </p:sp>
+      <p:sp>
+        <p:nvSpPr>
+          <p:cNvPr id="3" name="Θέση περιεχομένου 2">
+            <a:extLst>
+              <a:ext uri="{FF2B5EF4-FFF2-40B4-BE49-F238E27FC236}">
+                <a16:creationId xmlns:a16="http://schemas.microsoft.com/office/drawing/2014/main" id="{6A539682-E46E-4431-1831-E1866B331928}"/>
+              </a:ext>
+            </a:extLst>
+          </p:cNvPr>
+          <p:cNvSpPr>
+            <a:spLocks noGrp="1"/>
+          </p:cNvSpPr>
+          <p:nvPr>
+            <p:ph idx="1"/>
+          </p:nvPr>
+        </p:nvSpPr>
+        <p:spPr>
+          <a:xfrm>
+            <a:off x="838200" y="1615736"/>
+            <a:ext cx="10515600" cy="4561227"/>
+          </a:xfrm>
+        </p:spPr>
+        <p:txBody>
+          <a:bodyPr>
+            <a:normAutofit/>
+          </a:bodyPr>
+          <a:lstStyle/>
+          <a:p>
+            <a:r>
+              <a:rPr lang="el-GR" dirty="0"/>
+              <a:t>Εισαγωγή των κερδισμένων σετ για κάθε παίκτη στα 2 </a:t>
+            </a:r>
+            <a:r>
+              <a:rPr lang="en-US" dirty="0"/>
+              <a:t>objects </a:t>
+            </a:r>
+            <a:r>
+              <a:rPr lang="el-GR" dirty="0"/>
+              <a:t>τύπου </a:t>
+            </a:r>
+            <a:r>
+              <a:rPr lang="en-US" dirty="0"/>
+              <a:t>Entry.</a:t>
+            </a:r>
+          </a:p>
+          <a:p>
+            <a:r>
+              <a:rPr lang="el-GR" dirty="0"/>
+              <a:t>Επιλογή του κουμπιού «ΚΑΤΑΧΩΡΗΣΗ»</a:t>
+            </a:r>
+          </a:p>
+          <a:p>
+            <a:pPr lvl="1"/>
+            <a:r>
+              <a:rPr lang="el-GR" dirty="0"/>
+              <a:t>Κλήση της συνάρτησης </a:t>
+            </a:r>
+            <a:r>
+              <a:rPr lang="en-US" dirty="0" err="1"/>
+              <a:t>insert_score</a:t>
+            </a:r>
+            <a:r>
+              <a:rPr lang="en-US" dirty="0"/>
+              <a:t>, </a:t>
+            </a:r>
+            <a:r>
+              <a:rPr lang="el-GR" dirty="0"/>
+              <a:t>δέχεται το </a:t>
+            </a:r>
+            <a:r>
+              <a:rPr lang="en-US" dirty="0" err="1"/>
+              <a:t>match_id</a:t>
+            </a:r>
+            <a:r>
+              <a:rPr lang="en-US" dirty="0"/>
+              <a:t> </a:t>
+            </a:r>
+            <a:r>
+              <a:rPr lang="el-GR" dirty="0"/>
+              <a:t>και το </a:t>
+            </a:r>
+            <a:r>
+              <a:rPr lang="en-US" dirty="0" err="1"/>
+              <a:t>next_round_id</a:t>
+            </a:r>
+            <a:r>
+              <a:rPr lang="en-US" dirty="0"/>
+              <a:t> </a:t>
+            </a:r>
+            <a:r>
+              <a:rPr lang="el-GR" dirty="0"/>
+              <a:t>που υπολογίστηκε μέσω του αντίστοιχου αλγορίθμου που παρουσιάστηκε νωρίτερα.</a:t>
+            </a:r>
+          </a:p>
+          <a:p>
+            <a:pPr lvl="1"/>
+            <a:r>
+              <a:rPr lang="el-GR" dirty="0"/>
+              <a:t>Σύγκριση του αποτελέσματος σετ για τους 2 παίκτες.</a:t>
+            </a:r>
+          </a:p>
+          <a:p>
+            <a:pPr lvl="1"/>
+            <a:r>
+              <a:rPr lang="el-GR" dirty="0"/>
+              <a:t>Καταχώρηση του αποτελέσματος στη βάση.</a:t>
+            </a:r>
+          </a:p>
+          <a:p>
+            <a:pPr lvl="2"/>
+            <a:r>
+              <a:rPr lang="el-GR" dirty="0"/>
+              <a:t>Αναζήτηση του </a:t>
+            </a:r>
+            <a:r>
+              <a:rPr lang="en-US" dirty="0" err="1"/>
+              <a:t>next_round_id</a:t>
+            </a:r>
+            <a:r>
+              <a:rPr lang="en-US" dirty="0"/>
+              <a:t> </a:t>
+            </a:r>
+            <a:r>
+              <a:rPr lang="el-GR" dirty="0"/>
+              <a:t>στη βάση: </a:t>
+            </a:r>
+          </a:p>
+          <a:p>
+            <a:pPr lvl="3"/>
+            <a:r>
+              <a:rPr lang="el-GR" dirty="0"/>
+              <a:t>Εάν υπάρχει, εκχωρείται ο νικητής στην θέση του </a:t>
+            </a:r>
+            <a:r>
+              <a:rPr lang="en-US" dirty="0"/>
+              <a:t>Player2 </a:t>
+            </a:r>
+            <a:r>
+              <a:rPr lang="el-GR" dirty="0"/>
+              <a:t>για το συγκεκριμένο </a:t>
+            </a:r>
+            <a:r>
+              <a:rPr lang="en-US" dirty="0"/>
+              <a:t>match.</a:t>
+            </a:r>
+            <a:endParaRPr lang="el-GR" dirty="0"/>
+          </a:p>
+          <a:p>
+            <a:pPr lvl="3"/>
+            <a:r>
+              <a:rPr lang="el-GR" dirty="0"/>
+              <a:t>Εάν δεν υπάρχει, δημιουργείται η εγγραφή και ο νικητής εκχωρείται στη θέση του </a:t>
+            </a:r>
+            <a:r>
+              <a:rPr lang="en-US" dirty="0"/>
+              <a:t>Player1 </a:t>
+            </a:r>
+            <a:r>
+              <a:rPr lang="el-GR" dirty="0"/>
+              <a:t>για το συγκεκριμένο </a:t>
+            </a:r>
+            <a:r>
+              <a:rPr lang="en-US" dirty="0"/>
+              <a:t>match.</a:t>
+            </a:r>
+            <a:endParaRPr lang="el-GR" dirty="0"/>
+          </a:p>
+        </p:txBody>
+      </p:sp>
+    </p:spTree>
+    <p:extLst>
+      <p:ext uri="{BB962C8B-B14F-4D97-AF65-F5344CB8AC3E}">
+        <p14:creationId xmlns:p14="http://schemas.microsoft.com/office/powerpoint/2010/main" val="4151681506"/>
+      </p:ext>
+    </p:extLst>
+  </p:cSld>
+  <p:clrMapOvr>
+    <a:masterClrMapping/>
+  </p:clrMapOvr>
+</p:sld>
+</file>
+
+<file path=ppt/slides/slide21.xml><?xml version="1.0" encoding="utf-8"?>
 <p:sld xmlns:a="http://schemas.openxmlformats.org/drawingml/2006/main" xmlns:r="http://schemas.openxmlformats.org/officeDocument/2006/relationships" xmlns:p="http://schemas.openxmlformats.org/presentationml/2006/main">
   <p:cSld>
     <p:spTree>
@@ -4916,7 +8775,7 @@
 </p:sld>
 </file>
 
-<file path=ppt/slides/slide2.xml><?xml version="1.0" encoding="utf-8"?>
+<file path=ppt/slides/slide22.xml><?xml version="1.0" encoding="utf-8"?>
 <p:sld xmlns:a="http://schemas.openxmlformats.org/drawingml/2006/main" xmlns:r="http://schemas.openxmlformats.org/officeDocument/2006/relationships" xmlns:p="http://schemas.openxmlformats.org/presentationml/2006/main">
   <p:cSld>
     <p:spTree>
@@ -4938,7 +8797,7 @@
           <p:cNvPr id="2" name="Τίτλος 1">
             <a:extLst>
               <a:ext uri="{FF2B5EF4-FFF2-40B4-BE49-F238E27FC236}">
-                <a16:creationId xmlns:a16="http://schemas.microsoft.com/office/drawing/2014/main" id="{BC7E1FB2-9334-4259-AADA-B0EA72EC999F}"/>
+                <a16:creationId xmlns:a16="http://schemas.microsoft.com/office/drawing/2014/main" id="{ECC7A40E-C537-4011-A180-CD759E870E86}"/>
               </a:ext>
             </a:extLst>
           </p:cNvPr>
@@ -4954,129 +8813,49 @@
           <a:bodyPr/>
           <a:lstStyle/>
           <a:p>
-            <a:r>
-              <a:rPr lang="el-GR" dirty="0"/>
-              <a:t>Στόχος Προγραμματιστικού </a:t>
-            </a:r>
-            <a:r>
-              <a:rPr lang="en-US" dirty="0"/>
-              <a:t>Project</a:t>
-            </a:r>
             <a:endParaRPr lang="el-GR" dirty="0"/>
           </a:p>
         </p:txBody>
       </p:sp>
-      <p:sp>
-        <p:nvSpPr>
-          <p:cNvPr id="3" name="Θέση περιεχομένου 2">
-            <a:extLst>
-              <a:ext uri="{FF2B5EF4-FFF2-40B4-BE49-F238E27FC236}">
-                <a16:creationId xmlns:a16="http://schemas.microsoft.com/office/drawing/2014/main" id="{74876245-B0A1-438C-A123-2875D726F7AE}"/>
-              </a:ext>
-            </a:extLst>
-          </p:cNvPr>
-          <p:cNvSpPr>
-            <a:spLocks noGrp="1"/>
-          </p:cNvSpPr>
+      <p:pic>
+        <p:nvPicPr>
+          <p:cNvPr id="5" name="Θέση περιεχομένου 4">
+            <a:extLst>
+              <a:ext uri="{FF2B5EF4-FFF2-40B4-BE49-F238E27FC236}">
+                <a16:creationId xmlns:a16="http://schemas.microsoft.com/office/drawing/2014/main" id="{127D426F-CDF2-46AD-BAF4-08F4B6B537C2}"/>
+              </a:ext>
+            </a:extLst>
+          </p:cNvPr>
+          <p:cNvPicPr>
+            <a:picLocks noGrp="1" noChangeAspect="1"/>
+          </p:cNvPicPr>
           <p:nvPr>
             <p:ph idx="1"/>
           </p:nvPr>
-        </p:nvSpPr>
+        </p:nvPicPr>
+        <p:blipFill>
+          <a:blip r:embed="rId2">
+            <a:extLst>
+              <a:ext uri="{28A0092B-C50C-407E-A947-70E740481C1C}">
+                <a14:useLocalDpi xmlns:a14="http://schemas.microsoft.com/office/drawing/2010/main" val="0"/>
+              </a:ext>
+            </a:extLst>
+          </a:blip>
+          <a:stretch>
+            <a:fillRect/>
+          </a:stretch>
+        </p:blipFill>
         <p:spPr>
           <a:xfrm>
-            <a:off x="838200" y="1825624"/>
-            <a:ext cx="10515600" cy="4460876"/>
+            <a:off x="-116114" y="0"/>
+            <a:ext cx="12308114" cy="6858000"/>
           </a:xfrm>
         </p:spPr>
-        <p:txBody>
-          <a:bodyPr>
-            <a:normAutofit/>
-          </a:bodyPr>
-          <a:lstStyle/>
-          <a:p>
-            <a:r>
-              <a:rPr lang="el-GR" dirty="0"/>
-              <a:t>Υλοποίηση ολοκληρωμένου προγράμματος με </a:t>
-            </a:r>
-            <a:r>
-              <a:rPr lang="en-US" dirty="0"/>
-              <a:t>Front-End </a:t>
-            </a:r>
-            <a:r>
-              <a:rPr lang="el-GR" dirty="0"/>
-              <a:t>και </a:t>
-            </a:r>
-            <a:r>
-              <a:rPr lang="en-US" dirty="0"/>
-              <a:t>Back-End </a:t>
-            </a:r>
-            <a:r>
-              <a:rPr lang="el-GR" dirty="0"/>
-              <a:t>υλοποίηση σε </a:t>
-            </a:r>
-            <a:r>
-              <a:rPr lang="en-US" dirty="0"/>
-              <a:t>Python </a:t>
-            </a:r>
-            <a:r>
-              <a:rPr lang="el-GR" dirty="0"/>
-              <a:t>που να υποστηρίζει το αυστραλιανό πρωτάθλημα τένις.</a:t>
-            </a:r>
-          </a:p>
-          <a:p>
-            <a:r>
-              <a:rPr lang="el-GR" dirty="0"/>
-              <a:t>Απαιτήσεις: </a:t>
-            </a:r>
-          </a:p>
-          <a:p>
-            <a:pPr lvl="1"/>
-            <a:r>
-              <a:rPr lang="el-GR" dirty="0"/>
-              <a:t>Λήψη δεδομένων από ιστότοπο του </a:t>
-            </a:r>
-            <a:r>
-              <a:rPr lang="en-US" dirty="0"/>
-              <a:t>AUSOPEN.</a:t>
-            </a:r>
-          </a:p>
-          <a:p>
-            <a:pPr lvl="1"/>
-            <a:r>
-              <a:rPr lang="el-GR" dirty="0"/>
-              <a:t>Καταχώρηση δεδομένων σε κατάλληλη δομή για μόνιμη αποθήκευση.</a:t>
-            </a:r>
-          </a:p>
-          <a:p>
-            <a:pPr lvl="1"/>
-            <a:r>
-              <a:rPr lang="el-GR" dirty="0"/>
-              <a:t>Σχεδιασμός αλγορίθμου για κλήρωση παικτών και ομαδοποίηση σε </a:t>
-            </a:r>
-            <a:r>
-              <a:rPr lang="en-US" dirty="0"/>
-              <a:t>groups.</a:t>
-            </a:r>
-          </a:p>
-          <a:p>
-            <a:pPr lvl="1"/>
-            <a:r>
-              <a:rPr lang="el-GR" dirty="0"/>
-              <a:t>Ανάπτυξη γραφικής διεπαφής τόσο για προβολή δεδομένων αλλά και αλληλεπίδραση με το χρήστη.</a:t>
-            </a:r>
-          </a:p>
-          <a:p>
-            <a:pPr marL="0" indent="0">
-              <a:buNone/>
-            </a:pPr>
-            <a:endParaRPr lang="el-GR" dirty="0"/>
-          </a:p>
-        </p:txBody>
-      </p:sp>
+      </p:pic>
     </p:spTree>
     <p:extLst>
       <p:ext uri="{BB962C8B-B14F-4D97-AF65-F5344CB8AC3E}">
-        <p14:creationId xmlns:p14="http://schemas.microsoft.com/office/powerpoint/2010/main" val="187234778"/>
+        <p14:creationId xmlns:p14="http://schemas.microsoft.com/office/powerpoint/2010/main" val="3576119532"/>
       </p:ext>
     </p:extLst>
   </p:cSld>
@@ -5155,7 +8934,7 @@
         </p:spPr>
         <p:txBody>
           <a:bodyPr>
-            <a:normAutofit/>
+            <a:normAutofit fontScale="92500" lnSpcReduction="10000"/>
           </a:bodyPr>
           <a:lstStyle/>
           <a:p>
@@ -5168,6 +8947,16 @@
               <a:rPr lang="el-GR" dirty="0"/>
               <a:t>Το πρόβλημα χωρίζεται εννοιολογικά σε τρεις (3) θεματικές ενότητες:</a:t>
             </a:r>
+            <a:endParaRPr lang="en-US" dirty="0"/>
+          </a:p>
+          <a:p>
+            <a:pPr marL="0" indent="0">
+              <a:spcAft>
+                <a:spcPts val="800"/>
+              </a:spcAft>
+              <a:buNone/>
+            </a:pPr>
+            <a:endParaRPr lang="el-GR" dirty="0"/>
           </a:p>
           <a:p>
             <a:pPr marL="857250" lvl="1"/>
@@ -5249,7 +9038,7 @@
           <p:cNvPr id="2" name="Τίτλος 1">
             <a:extLst>
               <a:ext uri="{FF2B5EF4-FFF2-40B4-BE49-F238E27FC236}">
-                <a16:creationId xmlns:a16="http://schemas.microsoft.com/office/drawing/2014/main" id="{CA8987C9-8305-BEDC-3955-89AA5DE33E76}"/>
+                <a16:creationId xmlns:a16="http://schemas.microsoft.com/office/drawing/2014/main" id="{045A9EBF-3182-EA0B-B223-2470C9DB3925}"/>
               </a:ext>
             </a:extLst>
           </p:cNvPr>
@@ -5260,88 +9049,22 @@
             <p:ph type="title"/>
           </p:nvPr>
         </p:nvSpPr>
-        <p:spPr/>
+        <p:spPr>
+          <a:xfrm>
+            <a:off x="838200" y="2766218"/>
+            <a:ext cx="10515600" cy="1325563"/>
+          </a:xfrm>
+        </p:spPr>
         <p:txBody>
-          <a:bodyPr/>
+          <a:bodyPr>
+            <a:normAutofit/>
+          </a:bodyPr>
           <a:lstStyle/>
           <a:p>
-            <a:r>
-              <a:rPr lang="el-GR" dirty="0"/>
+            <a:pPr algn="ctr"/>
+            <a:r>
+              <a:rPr lang="el-GR" sz="5400" dirty="0"/>
               <a:t>Άντληση Δεδομένων</a:t>
-            </a:r>
-          </a:p>
-        </p:txBody>
-      </p:sp>
-      <p:sp>
-        <p:nvSpPr>
-          <p:cNvPr id="3" name="Θέση περιεχομένου 2">
-            <a:extLst>
-              <a:ext uri="{FF2B5EF4-FFF2-40B4-BE49-F238E27FC236}">
-                <a16:creationId xmlns:a16="http://schemas.microsoft.com/office/drawing/2014/main" id="{334CBB12-A4E6-A7A2-438C-7FBCED1E243D}"/>
-              </a:ext>
-            </a:extLst>
-          </p:cNvPr>
-          <p:cNvSpPr>
-            <a:spLocks noGrp="1"/>
-          </p:cNvSpPr>
-          <p:nvPr>
-            <p:ph idx="1"/>
-          </p:nvPr>
-        </p:nvSpPr>
-        <p:spPr/>
-        <p:txBody>
-          <a:bodyPr/>
-          <a:lstStyle/>
-          <a:p>
-            <a:r>
-              <a:rPr lang="el-GR" dirty="0"/>
-              <a:t>Ασύγχρονη φόρτωση δεδομένων παικτών με </a:t>
-            </a:r>
-            <a:r>
-              <a:rPr lang="en-US" dirty="0"/>
-              <a:t>objects xhr.</a:t>
-            </a:r>
-          </a:p>
-          <a:p>
-            <a:r>
-              <a:rPr lang="el-GR" dirty="0"/>
-              <a:t>Εύρεση </a:t>
-            </a:r>
-            <a:r>
-              <a:rPr lang="en-US" dirty="0"/>
-              <a:t>link </a:t>
-            </a:r>
-            <a:r>
-              <a:rPr lang="el-GR" dirty="0"/>
-              <a:t>για το </a:t>
-            </a:r>
-            <a:r>
-              <a:rPr lang="en-US" dirty="0"/>
-              <a:t>json </a:t>
-            </a:r>
-            <a:r>
-              <a:rPr lang="el-GR" dirty="0"/>
-              <a:t>των παικτών:</a:t>
-            </a:r>
-          </a:p>
-          <a:p>
-            <a:r>
-              <a:rPr lang="el-GR" dirty="0"/>
-              <a:t>Δημιουργία του </a:t>
-            </a:r>
-            <a:r>
-              <a:rPr lang="en-US" dirty="0"/>
-              <a:t>JSON </a:t>
-            </a:r>
-            <a:r>
-              <a:rPr lang="el-GR" dirty="0"/>
-              <a:t>για κάθε παίκτη</a:t>
-            </a:r>
-          </a:p>
-          <a:p>
-            <a:r>
-              <a:rPr lang="el-GR" dirty="0"/>
-              <a:t>Άντληση Δεδομένων και καταχώριση στη βάση των ακόλουθων πεδίων.</a:t>
             </a:r>
           </a:p>
         </p:txBody>
@@ -5349,7 +9072,7 @@
     </p:spTree>
     <p:extLst>
       <p:ext uri="{BB962C8B-B14F-4D97-AF65-F5344CB8AC3E}">
-        <p14:creationId xmlns:p14="http://schemas.microsoft.com/office/powerpoint/2010/main" val="736843505"/>
+        <p14:creationId xmlns:p14="http://schemas.microsoft.com/office/powerpoint/2010/main" val="2415751397"/>
       </p:ext>
     </p:extLst>
   </p:cSld>
@@ -5399,45 +9122,295 @@
           <a:p>
             <a:r>
               <a:rPr lang="el-GR" dirty="0"/>
-              <a:t>Ομαδοποίηση Παικτών – Κλήρωση</a:t>
+              <a:t>Άντληση Δεδομένων (1/3)</a:t>
             </a:r>
           </a:p>
         </p:txBody>
       </p:sp>
-      <p:pic>
-        <p:nvPicPr>
-          <p:cNvPr id="83" name="Εικόνα 82">
-            <a:extLst>
-              <a:ext uri="{FF2B5EF4-FFF2-40B4-BE49-F238E27FC236}">
-                <a16:creationId xmlns:a16="http://schemas.microsoft.com/office/drawing/2014/main" id="{49CF0898-402E-9A7E-BA42-DC7FD03CFBF5}"/>
-              </a:ext>
-            </a:extLst>
-          </p:cNvPr>
-          <p:cNvPicPr>
-            <a:picLocks noChangeAspect="1"/>
-          </p:cNvPicPr>
-          <p:nvPr/>
-        </p:nvPicPr>
-        <p:blipFill>
-          <a:blip r:embed="rId2"/>
-          <a:stretch>
-            <a:fillRect/>
-          </a:stretch>
-        </p:blipFill>
+      <p:sp>
+        <p:nvSpPr>
+          <p:cNvPr id="5" name="Θέση περιεχομένου 4">
+            <a:extLst>
+              <a:ext uri="{FF2B5EF4-FFF2-40B4-BE49-F238E27FC236}">
+                <a16:creationId xmlns:a16="http://schemas.microsoft.com/office/drawing/2014/main" id="{28495B23-8B20-17A4-1F8F-1A501AEEAC18}"/>
+              </a:ext>
+            </a:extLst>
+          </p:cNvPr>
+          <p:cNvSpPr>
+            <a:spLocks noGrp="1"/>
+          </p:cNvSpPr>
+          <p:nvPr>
+            <p:ph idx="1"/>
+          </p:nvPr>
+        </p:nvSpPr>
         <p:spPr>
           <a:xfrm>
-            <a:off x="1191986" y="2247735"/>
-            <a:ext cx="9731827" cy="3026394"/>
+            <a:off x="411332" y="2029179"/>
+            <a:ext cx="3672395" cy="2799641"/>
+          </a:xfrm>
+        </p:spPr>
+        <p:txBody>
+          <a:bodyPr>
+            <a:normAutofit/>
+          </a:bodyPr>
+          <a:lstStyle/>
+          <a:p>
+            <a:r>
+              <a:rPr lang="el-GR" sz="2400" dirty="0"/>
+              <a:t>Φόρτωση σελίδας με ενεργοποιημένο τον έλεγχο στοιχείου.</a:t>
+            </a:r>
+          </a:p>
+          <a:p>
+            <a:r>
+              <a:rPr lang="el-GR" sz="2400" dirty="0"/>
+              <a:t>Μετάβαση στην καρτέλα </a:t>
+            </a:r>
+            <a:r>
+              <a:rPr lang="en-US" sz="2400" dirty="0"/>
+              <a:t>Network.</a:t>
+            </a:r>
+          </a:p>
+          <a:p>
+            <a:r>
+              <a:rPr lang="el-GR" sz="2400" dirty="0"/>
+              <a:t>Εντοπισμός </a:t>
+            </a:r>
+            <a:r>
+              <a:rPr lang="en-US" sz="2400" dirty="0"/>
+              <a:t>JSON </a:t>
+            </a:r>
+            <a:r>
+              <a:rPr lang="el-GR" sz="2400" dirty="0"/>
+              <a:t>αρχείου για όλους τους παίκτες.</a:t>
+            </a:r>
+          </a:p>
+        </p:txBody>
+      </p:sp>
+      <p:grpSp>
+        <p:nvGrpSpPr>
+          <p:cNvPr id="9" name="Ομάδα 8">
+            <a:extLst>
+              <a:ext uri="{FF2B5EF4-FFF2-40B4-BE49-F238E27FC236}">
+                <a16:creationId xmlns:a16="http://schemas.microsoft.com/office/drawing/2014/main" id="{AA106C5A-6D6A-6BDC-5DF4-03171678B1FA}"/>
+              </a:ext>
+            </a:extLst>
+          </p:cNvPr>
+          <p:cNvGrpSpPr/>
+          <p:nvPr/>
+        </p:nvGrpSpPr>
+        <p:grpSpPr>
+          <a:xfrm>
+            <a:off x="4171765" y="1571347"/>
+            <a:ext cx="7511249" cy="4625267"/>
+            <a:chOff x="4171765" y="1571347"/>
+            <a:chExt cx="7511249" cy="4625267"/>
+          </a:xfrm>
+        </p:grpSpPr>
+        <p:pic>
+          <p:nvPicPr>
+            <p:cNvPr id="6" name="Εικόνα 5">
+              <a:extLst>
+                <a:ext uri="{FF2B5EF4-FFF2-40B4-BE49-F238E27FC236}">
+                  <a16:creationId xmlns:a16="http://schemas.microsoft.com/office/drawing/2014/main" id="{26326819-AAB7-206D-539D-B57F58E4A365}"/>
+                </a:ext>
+              </a:extLst>
+            </p:cNvPr>
+            <p:cNvPicPr>
+              <a:picLocks noChangeAspect="1"/>
+            </p:cNvPicPr>
+            <p:nvPr/>
+          </p:nvPicPr>
+          <p:blipFill>
+            <a:blip r:embed="rId2"/>
+            <a:stretch>
+              <a:fillRect/>
+            </a:stretch>
+          </p:blipFill>
+          <p:spPr>
+            <a:xfrm>
+              <a:off x="4171765" y="1571347"/>
+              <a:ext cx="7511249" cy="4625267"/>
+            </a:xfrm>
+            <a:prstGeom prst="rect">
+              <a:avLst/>
+            </a:prstGeom>
+          </p:spPr>
+        </p:pic>
+        <p:sp>
+          <p:nvSpPr>
+            <p:cNvPr id="7" name="Ορθογώνιο 6">
+              <a:extLst>
+                <a:ext uri="{FF2B5EF4-FFF2-40B4-BE49-F238E27FC236}">
+                  <a16:creationId xmlns:a16="http://schemas.microsoft.com/office/drawing/2014/main" id="{706F30C1-0C2F-4F7A-0335-37726DEF28AB}"/>
+                </a:ext>
+              </a:extLst>
+            </p:cNvPr>
+            <p:cNvSpPr/>
+            <p:nvPr/>
+          </p:nvSpPr>
+          <p:spPr>
+            <a:xfrm>
+              <a:off x="9161755" y="3231472"/>
+              <a:ext cx="1695635" cy="133165"/>
+            </a:xfrm>
+            <a:prstGeom prst="rect">
+              <a:avLst/>
+            </a:prstGeom>
+            <a:noFill/>
+            <a:ln w="19050">
+              <a:solidFill>
+                <a:srgbClr val="FF0000"/>
+              </a:solidFill>
+            </a:ln>
+          </p:spPr>
+          <p:style>
+            <a:lnRef idx="2">
+              <a:schemeClr val="accent1">
+                <a:shade val="50000"/>
+              </a:schemeClr>
+            </a:lnRef>
+            <a:fillRef idx="1">
+              <a:schemeClr val="accent1"/>
+            </a:fillRef>
+            <a:effectRef idx="0">
+              <a:schemeClr val="accent1"/>
+            </a:effectRef>
+            <a:fontRef idx="minor">
+              <a:schemeClr val="lt1"/>
+            </a:fontRef>
+          </p:style>
+          <p:txBody>
+            <a:bodyPr rtlCol="0" anchor="ctr"/>
+            <a:lstStyle/>
+            <a:p>
+              <a:pPr algn="ctr"/>
+              <a:endParaRPr lang="el-GR"/>
+            </a:p>
+          </p:txBody>
+        </p:sp>
+        <p:sp>
+          <p:nvSpPr>
+            <p:cNvPr id="8" name="Βέλος: Δεξιό 7">
+              <a:extLst>
+                <a:ext uri="{FF2B5EF4-FFF2-40B4-BE49-F238E27FC236}">
+                  <a16:creationId xmlns:a16="http://schemas.microsoft.com/office/drawing/2014/main" id="{8F8D1D8B-53BB-2CE0-341C-ED9796C8FBFD}"/>
+                </a:ext>
+              </a:extLst>
+            </p:cNvPr>
+            <p:cNvSpPr/>
+            <p:nvPr/>
+          </p:nvSpPr>
+          <p:spPr>
+            <a:xfrm rot="3086486">
+              <a:off x="7913484" y="2339508"/>
+              <a:ext cx="1509204" cy="453970"/>
+            </a:xfrm>
+            <a:prstGeom prst="rightArrow">
+              <a:avLst>
+                <a:gd name="adj1" fmla="val 31333"/>
+                <a:gd name="adj2" fmla="val 50000"/>
+              </a:avLst>
+            </a:prstGeom>
+            <a:solidFill>
+              <a:srgbClr val="FF0000"/>
+            </a:solidFill>
+          </p:spPr>
+          <p:style>
+            <a:lnRef idx="2">
+              <a:schemeClr val="accent1">
+                <a:shade val="50000"/>
+              </a:schemeClr>
+            </a:lnRef>
+            <a:fillRef idx="1">
+              <a:schemeClr val="accent1"/>
+            </a:fillRef>
+            <a:effectRef idx="0">
+              <a:schemeClr val="accent1"/>
+            </a:effectRef>
+            <a:fontRef idx="minor">
+              <a:schemeClr val="lt1"/>
+            </a:fontRef>
+          </p:style>
+          <p:txBody>
+            <a:bodyPr rtlCol="0" anchor="ctr"/>
+            <a:lstStyle/>
+            <a:p>
+              <a:pPr algn="ctr"/>
+              <a:endParaRPr lang="el-GR"/>
+            </a:p>
+          </p:txBody>
+        </p:sp>
+      </p:grpSp>
+      <p:sp>
+        <p:nvSpPr>
+          <p:cNvPr id="10" name="TextBox 9">
+            <a:extLst>
+              <a:ext uri="{FF2B5EF4-FFF2-40B4-BE49-F238E27FC236}">
+                <a16:creationId xmlns:a16="http://schemas.microsoft.com/office/drawing/2014/main" id="{7F6E3CAD-683C-C134-EA01-990770F1E783}"/>
+              </a:ext>
+            </a:extLst>
+          </p:cNvPr>
+          <p:cNvSpPr txBox="1"/>
+          <p:nvPr/>
+        </p:nvSpPr>
+        <p:spPr>
+          <a:xfrm>
+            <a:off x="4079810" y="6295818"/>
+            <a:ext cx="9176551" cy="276999"/>
           </a:xfrm>
           <a:prstGeom prst="rect">
             <a:avLst/>
           </a:prstGeom>
+          <a:noFill/>
         </p:spPr>
-      </p:pic>
+        <p:txBody>
+          <a:bodyPr wrap="square" rtlCol="0">
+            <a:spAutoFit/>
+          </a:bodyPr>
+          <a:lstStyle/>
+          <a:p>
+            <a:pPr algn="ctr"/>
+            <a:r>
+              <a:rPr lang="el-GR" sz="1200" b="1" dirty="0">
+                <a:effectLst>
+                  <a:outerShdw blurRad="38100" dist="38100" dir="2700000" algn="tl">
+                    <a:srgbClr val="000000">
+                      <a:alpha val="43137"/>
+                    </a:srgbClr>
+                  </a:outerShdw>
+                </a:effectLst>
+              </a:rPr>
+              <a:t>Πηγή: </a:t>
+            </a:r>
+            <a:r>
+              <a:rPr lang="en-US" sz="1200" b="1" dirty="0">
+                <a:effectLst>
+                  <a:outerShdw blurRad="38100" dist="38100" dir="2700000" algn="tl">
+                    <a:srgbClr val="000000">
+                      <a:alpha val="43137"/>
+                    </a:srgbClr>
+                  </a:outerShdw>
+                </a:effectLst>
+                <a:hlinkClick r:id="rId3"/>
+              </a:rPr>
+              <a:t>https://stackoverflow.com/questions/17151478/how-to-view-xmlhttprequest-object</a:t>
+            </a:r>
+            <a:endParaRPr lang="el-GR" sz="1200" b="1" dirty="0">
+              <a:effectLst>
+                <a:outerShdw blurRad="38100" dist="38100" dir="2700000" algn="tl">
+                  <a:srgbClr val="000000">
+                    <a:alpha val="43137"/>
+                  </a:srgbClr>
+                </a:outerShdw>
+              </a:effectLst>
+            </a:endParaRPr>
+          </a:p>
+        </p:txBody>
+      </p:sp>
     </p:spTree>
     <p:extLst>
       <p:ext uri="{BB962C8B-B14F-4D97-AF65-F5344CB8AC3E}">
-        <p14:creationId xmlns:p14="http://schemas.microsoft.com/office/powerpoint/2010/main" val="489526413"/>
+        <p14:creationId xmlns:p14="http://schemas.microsoft.com/office/powerpoint/2010/main" val="3233981322"/>
       </p:ext>
     </p:extLst>
   </p:cSld>
@@ -5466,10 +9439,10 @@
       </p:grpSpPr>
       <p:sp>
         <p:nvSpPr>
-          <p:cNvPr id="4" name="Τίτλος 1">
-            <a:extLst>
-              <a:ext uri="{FF2B5EF4-FFF2-40B4-BE49-F238E27FC236}">
-                <a16:creationId xmlns:a16="http://schemas.microsoft.com/office/drawing/2014/main" id="{4EC20D02-3053-4EBF-991E-9416179295BF}"/>
+          <p:cNvPr id="2" name="Τίτλος 1">
+            <a:extLst>
+              <a:ext uri="{FF2B5EF4-FFF2-40B4-BE49-F238E27FC236}">
+                <a16:creationId xmlns:a16="http://schemas.microsoft.com/office/drawing/2014/main" id="{CA8987C9-8305-BEDC-3955-89AA5DE33E76}"/>
               </a:ext>
             </a:extLst>
           </p:cNvPr>
@@ -5487,45 +9460,213 @@
           <a:p>
             <a:r>
               <a:rPr lang="el-GR" dirty="0"/>
-              <a:t>Κύρια Σελίδα</a:t>
+              <a:t>Άντληση Δεδομένων (2/3)</a:t>
             </a:r>
           </a:p>
         </p:txBody>
       </p:sp>
-      <p:pic>
-        <p:nvPicPr>
-          <p:cNvPr id="6" name="Εικόνα 5">
-            <a:extLst>
-              <a:ext uri="{FF2B5EF4-FFF2-40B4-BE49-F238E27FC236}">
-                <a16:creationId xmlns:a16="http://schemas.microsoft.com/office/drawing/2014/main" id="{CE0E1F63-A143-A8EA-2D1A-E2E7F0041761}"/>
-              </a:ext>
-            </a:extLst>
-          </p:cNvPr>
-          <p:cNvPicPr>
-            <a:picLocks noChangeAspect="1"/>
-          </p:cNvPicPr>
-          <p:nvPr/>
-        </p:nvPicPr>
-        <p:blipFill>
-          <a:blip r:embed="rId2"/>
-          <a:stretch>
-            <a:fillRect/>
-          </a:stretch>
-        </p:blipFill>
+      <p:sp>
+        <p:nvSpPr>
+          <p:cNvPr id="5" name="Θέση περιεχομένου 4">
+            <a:extLst>
+              <a:ext uri="{FF2B5EF4-FFF2-40B4-BE49-F238E27FC236}">
+                <a16:creationId xmlns:a16="http://schemas.microsoft.com/office/drawing/2014/main" id="{28495B23-8B20-17A4-1F8F-1A501AEEAC18}"/>
+              </a:ext>
+            </a:extLst>
+          </p:cNvPr>
+          <p:cNvSpPr>
+            <a:spLocks noGrp="1"/>
+          </p:cNvSpPr>
+          <p:nvPr>
+            <p:ph idx="1"/>
+          </p:nvPr>
+        </p:nvSpPr>
         <p:spPr>
           <a:xfrm>
-            <a:off x="2139042" y="1690688"/>
-            <a:ext cx="7913915" cy="4465183"/>
+            <a:off x="455931" y="2666537"/>
+            <a:ext cx="3564915" cy="1546575"/>
           </a:xfrm>
-          <a:prstGeom prst="rect">
-            <a:avLst/>
-          </a:prstGeom>
         </p:spPr>
-      </p:pic>
+        <p:txBody>
+          <a:bodyPr>
+            <a:normAutofit/>
+          </a:bodyPr>
+          <a:lstStyle/>
+          <a:p>
+            <a:r>
+              <a:rPr lang="el-GR" sz="2400" dirty="0"/>
+              <a:t>Εντοπισμός </a:t>
+            </a:r>
+            <a:r>
+              <a:rPr lang="en-US" sz="2400" dirty="0"/>
+              <a:t>JSON </a:t>
+            </a:r>
+            <a:r>
+              <a:rPr lang="el-GR" sz="2400" dirty="0"/>
+              <a:t>αρχείου για έναν παίκτη.</a:t>
+            </a:r>
+          </a:p>
+        </p:txBody>
+      </p:sp>
+      <p:grpSp>
+        <p:nvGrpSpPr>
+          <p:cNvPr id="9" name="Ομάδα 8">
+            <a:extLst>
+              <a:ext uri="{FF2B5EF4-FFF2-40B4-BE49-F238E27FC236}">
+                <a16:creationId xmlns:a16="http://schemas.microsoft.com/office/drawing/2014/main" id="{3D97801B-8701-9A73-8E61-16DC6FE5F1C8}"/>
+              </a:ext>
+            </a:extLst>
+          </p:cNvPr>
+          <p:cNvGrpSpPr/>
+          <p:nvPr/>
+        </p:nvGrpSpPr>
+        <p:grpSpPr>
+          <a:xfrm>
+            <a:off x="4020846" y="1606858"/>
+            <a:ext cx="7724311" cy="4820576"/>
+            <a:chOff x="4020846" y="1313895"/>
+            <a:chExt cx="7652551" cy="5255580"/>
+          </a:xfrm>
+        </p:grpSpPr>
+        <p:pic>
+          <p:nvPicPr>
+            <p:cNvPr id="4" name="Εικόνα 3">
+              <a:extLst>
+                <a:ext uri="{FF2B5EF4-FFF2-40B4-BE49-F238E27FC236}">
+                  <a16:creationId xmlns:a16="http://schemas.microsoft.com/office/drawing/2014/main" id="{DBFF653A-5521-D5DA-4D96-C348BEF3B079}"/>
+                </a:ext>
+              </a:extLst>
+            </p:cNvPr>
+            <p:cNvPicPr>
+              <a:picLocks noChangeAspect="1"/>
+            </p:cNvPicPr>
+            <p:nvPr/>
+          </p:nvPicPr>
+          <p:blipFill>
+            <a:blip r:embed="rId2"/>
+            <a:stretch>
+              <a:fillRect/>
+            </a:stretch>
+          </p:blipFill>
+          <p:spPr>
+            <a:xfrm>
+              <a:off x="4020846" y="1313895"/>
+              <a:ext cx="7652551" cy="5255580"/>
+            </a:xfrm>
+            <a:prstGeom prst="rect">
+              <a:avLst/>
+            </a:prstGeom>
+          </p:spPr>
+        </p:pic>
+        <p:sp>
+          <p:nvSpPr>
+            <p:cNvPr id="7" name="Ορθογώνιο 6">
+              <a:extLst>
+                <a:ext uri="{FF2B5EF4-FFF2-40B4-BE49-F238E27FC236}">
+                  <a16:creationId xmlns:a16="http://schemas.microsoft.com/office/drawing/2014/main" id="{706F30C1-0C2F-4F7A-0335-37726DEF28AB}"/>
+                </a:ext>
+              </a:extLst>
+            </p:cNvPr>
+            <p:cNvSpPr/>
+            <p:nvPr/>
+          </p:nvSpPr>
+          <p:spPr>
+            <a:xfrm>
+              <a:off x="9170633" y="3199290"/>
+              <a:ext cx="1988598" cy="197528"/>
+            </a:xfrm>
+            <a:prstGeom prst="rect">
+              <a:avLst/>
+            </a:prstGeom>
+            <a:noFill/>
+            <a:ln w="19050">
+              <a:solidFill>
+                <a:srgbClr val="FF0000"/>
+              </a:solidFill>
+            </a:ln>
+          </p:spPr>
+          <p:style>
+            <a:lnRef idx="2">
+              <a:schemeClr val="accent1">
+                <a:shade val="50000"/>
+              </a:schemeClr>
+            </a:lnRef>
+            <a:fillRef idx="1">
+              <a:schemeClr val="accent1"/>
+            </a:fillRef>
+            <a:effectRef idx="0">
+              <a:schemeClr val="accent1"/>
+            </a:effectRef>
+            <a:fontRef idx="minor">
+              <a:schemeClr val="lt1"/>
+            </a:fontRef>
+          </p:style>
+          <p:txBody>
+            <a:bodyPr rtlCol="0" anchor="ctr"/>
+            <a:lstStyle/>
+            <a:p>
+              <a:pPr algn="ctr"/>
+              <a:endParaRPr lang="el-GR"/>
+            </a:p>
+          </p:txBody>
+        </p:sp>
+        <p:sp>
+          <p:nvSpPr>
+            <p:cNvPr id="8" name="Βέλος: Δεξιό 7">
+              <a:extLst>
+                <a:ext uri="{FF2B5EF4-FFF2-40B4-BE49-F238E27FC236}">
+                  <a16:creationId xmlns:a16="http://schemas.microsoft.com/office/drawing/2014/main" id="{8F8D1D8B-53BB-2CE0-341C-ED9796C8FBFD}"/>
+                </a:ext>
+              </a:extLst>
+            </p:cNvPr>
+            <p:cNvSpPr/>
+            <p:nvPr/>
+          </p:nvSpPr>
+          <p:spPr>
+            <a:xfrm rot="3086486">
+              <a:off x="7913484" y="2339508"/>
+              <a:ext cx="1509204" cy="453970"/>
+            </a:xfrm>
+            <a:prstGeom prst="rightArrow">
+              <a:avLst>
+                <a:gd name="adj1" fmla="val 31333"/>
+                <a:gd name="adj2" fmla="val 50000"/>
+              </a:avLst>
+            </a:prstGeom>
+            <a:solidFill>
+              <a:srgbClr val="FF0000"/>
+            </a:solidFill>
+          </p:spPr>
+          <p:style>
+            <a:lnRef idx="2">
+              <a:schemeClr val="accent1">
+                <a:shade val="50000"/>
+              </a:schemeClr>
+            </a:lnRef>
+            <a:fillRef idx="1">
+              <a:schemeClr val="accent1"/>
+            </a:fillRef>
+            <a:effectRef idx="0">
+              <a:schemeClr val="accent1"/>
+            </a:effectRef>
+            <a:fontRef idx="minor">
+              <a:schemeClr val="lt1"/>
+            </a:fontRef>
+          </p:style>
+          <p:txBody>
+            <a:bodyPr rtlCol="0" anchor="ctr"/>
+            <a:lstStyle/>
+            <a:p>
+              <a:pPr algn="ctr"/>
+              <a:endParaRPr lang="el-GR"/>
+            </a:p>
+          </p:txBody>
+        </p:sp>
+      </p:grpSp>
     </p:spTree>
     <p:extLst>
       <p:ext uri="{BB962C8B-B14F-4D97-AF65-F5344CB8AC3E}">
-        <p14:creationId xmlns:p14="http://schemas.microsoft.com/office/powerpoint/2010/main" val="570212049"/>
+        <p14:creationId xmlns:p14="http://schemas.microsoft.com/office/powerpoint/2010/main" val="2950751835"/>
       </p:ext>
     </p:extLst>
   </p:cSld>
@@ -5554,10 +9695,10 @@
       </p:grpSpPr>
       <p:sp>
         <p:nvSpPr>
-          <p:cNvPr id="4" name="Τίτλος 1">
-            <a:extLst>
-              <a:ext uri="{FF2B5EF4-FFF2-40B4-BE49-F238E27FC236}">
-                <a16:creationId xmlns:a16="http://schemas.microsoft.com/office/drawing/2014/main" id="{4EC20D02-3053-4EBF-991E-9416179295BF}"/>
+          <p:cNvPr id="2" name="Τίτλος 1">
+            <a:extLst>
+              <a:ext uri="{FF2B5EF4-FFF2-40B4-BE49-F238E27FC236}">
+                <a16:creationId xmlns:a16="http://schemas.microsoft.com/office/drawing/2014/main" id="{CA8987C9-8305-BEDC-3955-89AA5DE33E76}"/>
               </a:ext>
             </a:extLst>
           </p:cNvPr>
@@ -5575,45 +9716,163 @@
           <a:p>
             <a:r>
               <a:rPr lang="el-GR" dirty="0"/>
-              <a:t>Αρχικοποίηση</a:t>
+              <a:t>Άντληση Δεδομένων (3/3)</a:t>
             </a:r>
           </a:p>
         </p:txBody>
       </p:sp>
-      <p:pic>
-        <p:nvPicPr>
-          <p:cNvPr id="5" name="Εικόνα 4">
-            <a:extLst>
-              <a:ext uri="{FF2B5EF4-FFF2-40B4-BE49-F238E27FC236}">
-                <a16:creationId xmlns:a16="http://schemas.microsoft.com/office/drawing/2014/main" id="{FB09BC3C-DBFD-7755-6E3F-E992D8173D62}"/>
-              </a:ext>
-            </a:extLst>
-          </p:cNvPr>
-          <p:cNvPicPr>
-            <a:picLocks noChangeAspect="1"/>
-          </p:cNvPicPr>
-          <p:nvPr/>
-        </p:nvPicPr>
-        <p:blipFill>
-          <a:blip r:embed="rId2"/>
-          <a:stretch>
-            <a:fillRect/>
-          </a:stretch>
-        </p:blipFill>
+      <p:sp>
+        <p:nvSpPr>
+          <p:cNvPr id="5" name="Θέση περιεχομένου 4">
+            <a:extLst>
+              <a:ext uri="{FF2B5EF4-FFF2-40B4-BE49-F238E27FC236}">
+                <a16:creationId xmlns:a16="http://schemas.microsoft.com/office/drawing/2014/main" id="{28495B23-8B20-17A4-1F8F-1A501AEEAC18}"/>
+              </a:ext>
+            </a:extLst>
+          </p:cNvPr>
+          <p:cNvSpPr>
+            <a:spLocks noGrp="1"/>
+          </p:cNvSpPr>
+          <p:nvPr>
+            <p:ph idx="1"/>
+          </p:nvPr>
+        </p:nvSpPr>
         <p:spPr>
           <a:xfrm>
-            <a:off x="2001270" y="1690689"/>
-            <a:ext cx="8189459" cy="4546826"/>
+            <a:off x="1027220" y="1957842"/>
+            <a:ext cx="10137559" cy="2942316"/>
           </a:xfrm>
-          <a:prstGeom prst="rect">
-            <a:avLst/>
-          </a:prstGeom>
         </p:spPr>
-      </p:pic>
+        <p:txBody>
+          <a:bodyPr>
+            <a:normAutofit/>
+          </a:bodyPr>
+          <a:lstStyle/>
+          <a:p>
+            <a:r>
+              <a:rPr lang="el-GR" dirty="0"/>
+              <a:t>Αναπαραγωγή </a:t>
+            </a:r>
+            <a:r>
+              <a:rPr lang="en-US" dirty="0"/>
+              <a:t>JSON </a:t>
+            </a:r>
+            <a:r>
+              <a:rPr lang="el-GR" dirty="0"/>
+              <a:t>κάθε παίκτη μέσω των </a:t>
+            </a:r>
+            <a:r>
+              <a:rPr lang="en-US" dirty="0" err="1"/>
+              <a:t>tour_id</a:t>
+            </a:r>
+            <a:r>
+              <a:rPr lang="en-US" dirty="0"/>
+              <a:t> </a:t>
+            </a:r>
+            <a:r>
+              <a:rPr lang="el-GR" dirty="0"/>
+              <a:t>από το </a:t>
+            </a:r>
+            <a:r>
+              <a:rPr lang="en-US" dirty="0"/>
+              <a:t>JSON </a:t>
+            </a:r>
+            <a:r>
+              <a:rPr lang="el-GR" dirty="0"/>
+              <a:t>όλων των παικτών.</a:t>
+            </a:r>
+          </a:p>
+          <a:p>
+            <a:endParaRPr lang="el-GR" dirty="0"/>
+          </a:p>
+          <a:p>
+            <a:pPr marL="0" indent="0" algn="ctr">
+              <a:buNone/>
+            </a:pPr>
+            <a:r>
+              <a:rPr lang="en-US" sz="1800" b="0" i="0" dirty="0" err="1">
+                <a:solidFill>
+                  <a:schemeClr val="accent1"/>
+                </a:solidFill>
+                <a:effectLst/>
+                <a:latin typeface="ui-monospace"/>
+              </a:rPr>
+              <a:t>response_API</a:t>
+            </a:r>
+            <a:r>
+              <a:rPr lang="en-US" sz="1800" b="0" i="0" dirty="0">
+                <a:solidFill>
+                  <a:schemeClr val="accent1"/>
+                </a:solidFill>
+                <a:effectLst/>
+                <a:latin typeface="ui-monospace"/>
+              </a:rPr>
+              <a:t> = requests.get('https://ausopen.com/event/195321/</a:t>
+            </a:r>
+            <a:r>
+              <a:rPr lang="en-US" sz="1800" b="0" i="0" dirty="0" err="1">
+                <a:solidFill>
+                  <a:schemeClr val="accent1"/>
+                </a:solidFill>
+                <a:effectLst/>
+                <a:latin typeface="ui-monospace"/>
+              </a:rPr>
+              <a:t>players?_format</a:t>
+            </a:r>
+            <a:r>
+              <a:rPr lang="en-US" sz="1800" b="0" i="0" dirty="0">
+                <a:solidFill>
+                  <a:schemeClr val="accent1"/>
+                </a:solidFill>
+                <a:effectLst/>
+                <a:latin typeface="ui-monospace"/>
+              </a:rPr>
+              <a:t>=json’)</a:t>
+            </a:r>
+            <a:endParaRPr lang="el-GR" b="0" i="0" dirty="0">
+              <a:solidFill>
+                <a:schemeClr val="accent1"/>
+              </a:solidFill>
+              <a:effectLst/>
+              <a:latin typeface="ui-monospace"/>
+            </a:endParaRPr>
+          </a:p>
+          <a:p>
+            <a:pPr marL="0" indent="0" algn="ctr">
+              <a:buNone/>
+            </a:pPr>
+            <a:r>
+              <a:rPr lang="fr-FR" sz="1800" b="0" i="0" dirty="0" err="1">
+                <a:solidFill>
+                  <a:schemeClr val="accent1"/>
+                </a:solidFill>
+                <a:effectLst/>
+                <a:latin typeface="ui-monospace"/>
+              </a:rPr>
+              <a:t>str_curr_tour_id</a:t>
+            </a:r>
+            <a:r>
+              <a:rPr lang="fr-FR" sz="1800" b="0" i="0" dirty="0">
+                <a:solidFill>
+                  <a:schemeClr val="accent1"/>
+                </a:solidFill>
+                <a:effectLst/>
+                <a:latin typeface="ui-monospace"/>
+              </a:rPr>
+              <a:t> = 'https://ausopen.com/sites/default/files/player_json/' + curr_tour_id + '.json'</a:t>
+            </a:r>
+            <a:endParaRPr lang="el-GR" dirty="0">
+              <a:solidFill>
+                <a:schemeClr val="accent1"/>
+              </a:solidFill>
+            </a:endParaRPr>
+          </a:p>
+        </p:txBody>
+      </p:sp>
     </p:spTree>
     <p:extLst>
       <p:ext uri="{BB962C8B-B14F-4D97-AF65-F5344CB8AC3E}">
-        <p14:creationId xmlns:p14="http://schemas.microsoft.com/office/powerpoint/2010/main" val="3517361423"/>
+        <p14:creationId xmlns:p14="http://schemas.microsoft.com/office/powerpoint/2010/main" val="3874696216"/>
       </p:ext>
     </p:extLst>
   </p:cSld>
@@ -5645,7 +9904,7 @@
           <p:cNvPr id="2" name="Τίτλος 1">
             <a:extLst>
               <a:ext uri="{FF2B5EF4-FFF2-40B4-BE49-F238E27FC236}">
-                <a16:creationId xmlns:a16="http://schemas.microsoft.com/office/drawing/2014/main" id="{723D5C91-A763-4D78-BA5E-F5C143C616A2}"/>
+                <a16:creationId xmlns:a16="http://schemas.microsoft.com/office/drawing/2014/main" id="{CA8987C9-8305-BEDC-3955-89AA5DE33E76}"/>
               </a:ext>
             </a:extLst>
           </p:cNvPr>
@@ -5663,17 +9922,17 @@
           <a:p>
             <a:r>
               <a:rPr lang="el-GR" dirty="0"/>
-              <a:t>Συντελεστές</a:t>
+              <a:t>Καταχώριση στη Βάση</a:t>
             </a:r>
           </a:p>
         </p:txBody>
       </p:sp>
       <p:pic>
         <p:nvPicPr>
-          <p:cNvPr id="6" name="Εικόνα 5">
-            <a:extLst>
-              <a:ext uri="{FF2B5EF4-FFF2-40B4-BE49-F238E27FC236}">
-                <a16:creationId xmlns:a16="http://schemas.microsoft.com/office/drawing/2014/main" id="{9FFF5BA9-D194-7F37-0F49-88B93D66A527}"/>
+          <p:cNvPr id="9" name="Εικόνα 8">
+            <a:extLst>
+              <a:ext uri="{FF2B5EF4-FFF2-40B4-BE49-F238E27FC236}">
+                <a16:creationId xmlns:a16="http://schemas.microsoft.com/office/drawing/2014/main" id="{C90F5C3C-E1F9-B909-FB8F-1659AEDD08C9}"/>
               </a:ext>
             </a:extLst>
           </p:cNvPr>
@@ -5690,8 +9949,8 @@
         </p:blipFill>
         <p:spPr>
           <a:xfrm>
-            <a:off x="2875915" y="2053635"/>
-            <a:ext cx="6440170" cy="3694022"/>
+            <a:off x="1623134" y="1571348"/>
+            <a:ext cx="8945732" cy="4921527"/>
           </a:xfrm>
           <a:prstGeom prst="rect">
             <a:avLst/>
@@ -5701,7 +9960,7 @@
     </p:spTree>
     <p:extLst>
       <p:ext uri="{BB962C8B-B14F-4D97-AF65-F5344CB8AC3E}">
-        <p14:creationId xmlns:p14="http://schemas.microsoft.com/office/powerpoint/2010/main" val="3206205792"/>
+        <p14:creationId xmlns:p14="http://schemas.microsoft.com/office/powerpoint/2010/main" val="1460473904"/>
       </p:ext>
     </p:extLst>
   </p:cSld>
@@ -5733,7 +9992,7 @@
           <p:cNvPr id="2" name="Τίτλος 1">
             <a:extLst>
               <a:ext uri="{FF2B5EF4-FFF2-40B4-BE49-F238E27FC236}">
-                <a16:creationId xmlns:a16="http://schemas.microsoft.com/office/drawing/2014/main" id="{723D5C91-A763-4D78-BA5E-F5C143C616A2}"/>
+                <a16:creationId xmlns:a16="http://schemas.microsoft.com/office/drawing/2014/main" id="{CA8987C9-8305-BEDC-3955-89AA5DE33E76}"/>
               </a:ext>
             </a:extLst>
           </p:cNvPr>
@@ -5751,17 +10010,17 @@
           <a:p>
             <a:r>
               <a:rPr lang="el-GR" dirty="0"/>
-              <a:t>Παίκτες</a:t>
+              <a:t>Ομαδοποίηση Παικτών – Κλήρωση</a:t>
             </a:r>
           </a:p>
         </p:txBody>
       </p:sp>
       <p:pic>
         <p:nvPicPr>
-          <p:cNvPr id="4" name="Εικόνα 3">
-            <a:extLst>
-              <a:ext uri="{FF2B5EF4-FFF2-40B4-BE49-F238E27FC236}">
-                <a16:creationId xmlns:a16="http://schemas.microsoft.com/office/drawing/2014/main" id="{C904DF03-BB63-2789-1693-71429DF7AF46}"/>
+          <p:cNvPr id="83" name="Εικόνα 82">
+            <a:extLst>
+              <a:ext uri="{FF2B5EF4-FFF2-40B4-BE49-F238E27FC236}">
+                <a16:creationId xmlns:a16="http://schemas.microsoft.com/office/drawing/2014/main" id="{49CF0898-402E-9A7E-BA42-DC7FD03CFBF5}"/>
               </a:ext>
             </a:extLst>
           </p:cNvPr>
@@ -5778,8 +10037,8 @@
         </p:blipFill>
         <p:spPr>
           <a:xfrm>
-            <a:off x="1956707" y="1690688"/>
-            <a:ext cx="8278585" cy="4671558"/>
+            <a:off x="1191986" y="2247735"/>
+            <a:ext cx="9731827" cy="3026394"/>
           </a:xfrm>
           <a:prstGeom prst="rect">
             <a:avLst/>
@@ -5789,7 +10048,7 @@
     </p:spTree>
     <p:extLst>
       <p:ext uri="{BB962C8B-B14F-4D97-AF65-F5344CB8AC3E}">
-        <p14:creationId xmlns:p14="http://schemas.microsoft.com/office/powerpoint/2010/main" val="4272720652"/>
+        <p14:creationId xmlns:p14="http://schemas.microsoft.com/office/powerpoint/2010/main" val="489526413"/>
       </p:ext>
     </p:extLst>
   </p:cSld>
